--- a/Durchstich Vortrag.pptx
+++ b/Durchstich Vortrag.pptx
@@ -4,6 +4,9 @@
   <p:sldMasterIdLst>
     <p:sldMasterId id="2147483712" r:id="rId1"/>
   </p:sldMasterIdLst>
+  <p:notesMasterIdLst>
+    <p:notesMasterId r:id="rId9"/>
+  </p:notesMasterIdLst>
   <p:sldIdLst>
     <p:sldId id="256" r:id="rId2"/>
     <p:sldId id="257" r:id="rId3"/>
@@ -118,6 +121,523 @@
 </p:presentation>
 </file>
 
+<file path=ppt/notesMasters/notesMaster1.xml><?xml version="1.0" encoding="utf-8"?>
+<p:notesMaster xmlns:a="http://schemas.openxmlformats.org/drawingml/2006/main" xmlns:r="http://schemas.openxmlformats.org/officeDocument/2006/relationships" xmlns:p="http://schemas.openxmlformats.org/presentationml/2006/main">
+  <p:cSld>
+    <p:bg>
+      <p:bgRef idx="1001">
+        <a:schemeClr val="bg1"/>
+      </p:bgRef>
+    </p:bg>
+    <p:spTree>
+      <p:nvGrpSpPr>
+        <p:cNvPr id="1" name=""/>
+        <p:cNvGrpSpPr/>
+        <p:nvPr/>
+      </p:nvGrpSpPr>
+      <p:grpSpPr>
+        <a:xfrm>
+          <a:off x="0" y="0"/>
+          <a:ext cx="0" cy="0"/>
+          <a:chOff x="0" y="0"/>
+          <a:chExt cx="0" cy="0"/>
+        </a:xfrm>
+      </p:grpSpPr>
+      <p:sp>
+        <p:nvSpPr>
+          <p:cNvPr id="2" name="Kopfzeilenplatzhalter 1"/>
+          <p:cNvSpPr>
+            <a:spLocks noGrp="1"/>
+          </p:cNvSpPr>
+          <p:nvPr>
+            <p:ph type="hdr" sz="quarter"/>
+          </p:nvPr>
+        </p:nvSpPr>
+        <p:spPr>
+          <a:xfrm>
+            <a:off x="0" y="0"/>
+            <a:ext cx="2971800" cy="458788"/>
+          </a:xfrm>
+          <a:prstGeom prst="rect">
+            <a:avLst/>
+          </a:prstGeom>
+        </p:spPr>
+        <p:txBody>
+          <a:bodyPr vert="horz" lIns="91440" tIns="45720" rIns="91440" bIns="45720" rtlCol="0"/>
+          <a:lstStyle>
+            <a:lvl1pPr algn="l">
+              <a:defRPr sz="1200"/>
+            </a:lvl1pPr>
+          </a:lstStyle>
+          <a:p>
+            <a:endParaRPr lang="de-DE"/>
+          </a:p>
+        </p:txBody>
+      </p:sp>
+      <p:sp>
+        <p:nvSpPr>
+          <p:cNvPr id="3" name="Datumsplatzhalter 2"/>
+          <p:cNvSpPr>
+            <a:spLocks noGrp="1"/>
+          </p:cNvSpPr>
+          <p:nvPr>
+            <p:ph type="dt" idx="1"/>
+          </p:nvPr>
+        </p:nvSpPr>
+        <p:spPr>
+          <a:xfrm>
+            <a:off x="3884613" y="0"/>
+            <a:ext cx="2971800" cy="458788"/>
+          </a:xfrm>
+          <a:prstGeom prst="rect">
+            <a:avLst/>
+          </a:prstGeom>
+        </p:spPr>
+        <p:txBody>
+          <a:bodyPr vert="horz" lIns="91440" tIns="45720" rIns="91440" bIns="45720" rtlCol="0"/>
+          <a:lstStyle>
+            <a:lvl1pPr algn="r">
+              <a:defRPr sz="1200"/>
+            </a:lvl1pPr>
+          </a:lstStyle>
+          <a:p>
+            <a:fld id="{710F1C6C-D8CC-F94D-BF45-CAC98A227763}" type="datetimeFigureOut">
+              <a:rPr lang="de-DE" smtClean="0"/>
+              <a:t>09.06.24</a:t>
+            </a:fld>
+            <a:endParaRPr lang="de-DE"/>
+          </a:p>
+        </p:txBody>
+      </p:sp>
+      <p:sp>
+        <p:nvSpPr>
+          <p:cNvPr id="4" name="Folienbildplatzhalter 3"/>
+          <p:cNvSpPr>
+            <a:spLocks noGrp="1" noRot="1" noChangeAspect="1"/>
+          </p:cNvSpPr>
+          <p:nvPr>
+            <p:ph type="sldImg" idx="2"/>
+          </p:nvPr>
+        </p:nvSpPr>
+        <p:spPr>
+          <a:xfrm>
+            <a:off x="685800" y="1143000"/>
+            <a:ext cx="5486400" cy="3086100"/>
+          </a:xfrm>
+          <a:prstGeom prst="rect">
+            <a:avLst/>
+          </a:prstGeom>
+          <a:noFill/>
+          <a:ln w="12700">
+            <a:solidFill>
+              <a:prstClr val="black"/>
+            </a:solidFill>
+          </a:ln>
+        </p:spPr>
+        <p:txBody>
+          <a:bodyPr vert="horz" lIns="91440" tIns="45720" rIns="91440" bIns="45720" rtlCol="0" anchor="ctr"/>
+          <a:lstStyle/>
+          <a:p>
+            <a:endParaRPr lang="de-DE"/>
+          </a:p>
+        </p:txBody>
+      </p:sp>
+      <p:sp>
+        <p:nvSpPr>
+          <p:cNvPr id="5" name="Notizenplatzhalter 4"/>
+          <p:cNvSpPr>
+            <a:spLocks noGrp="1"/>
+          </p:cNvSpPr>
+          <p:nvPr>
+            <p:ph type="body" sz="quarter" idx="3"/>
+          </p:nvPr>
+        </p:nvSpPr>
+        <p:spPr>
+          <a:xfrm>
+            <a:off x="685800" y="4400550"/>
+            <a:ext cx="5486400" cy="3600450"/>
+          </a:xfrm>
+          <a:prstGeom prst="rect">
+            <a:avLst/>
+          </a:prstGeom>
+        </p:spPr>
+        <p:txBody>
+          <a:bodyPr vert="horz" lIns="91440" tIns="45720" rIns="91440" bIns="45720" rtlCol="0"/>
+          <a:lstStyle/>
+          <a:p>
+            <a:pPr lvl="0"/>
+            <a:r>
+              <a:rPr lang="de-DE"/>
+              <a:t>Mastertextformat bearbeiten</a:t>
+            </a:r>
+          </a:p>
+          <a:p>
+            <a:pPr lvl="1"/>
+            <a:r>
+              <a:rPr lang="de-DE"/>
+              <a:t>Zweite Ebene</a:t>
+            </a:r>
+          </a:p>
+          <a:p>
+            <a:pPr lvl="2"/>
+            <a:r>
+              <a:rPr lang="de-DE"/>
+              <a:t>Dritte Ebene</a:t>
+            </a:r>
+          </a:p>
+          <a:p>
+            <a:pPr lvl="3"/>
+            <a:r>
+              <a:rPr lang="de-DE"/>
+              <a:t>Vierte Ebene</a:t>
+            </a:r>
+          </a:p>
+          <a:p>
+            <a:pPr lvl="4"/>
+            <a:r>
+              <a:rPr lang="de-DE"/>
+              <a:t>Fünfte Ebene</a:t>
+            </a:r>
+          </a:p>
+        </p:txBody>
+      </p:sp>
+      <p:sp>
+        <p:nvSpPr>
+          <p:cNvPr id="6" name="Fußzeilenplatzhalter 5"/>
+          <p:cNvSpPr>
+            <a:spLocks noGrp="1"/>
+          </p:cNvSpPr>
+          <p:nvPr>
+            <p:ph type="ftr" sz="quarter" idx="4"/>
+          </p:nvPr>
+        </p:nvSpPr>
+        <p:spPr>
+          <a:xfrm>
+            <a:off x="0" y="8685213"/>
+            <a:ext cx="2971800" cy="458787"/>
+          </a:xfrm>
+          <a:prstGeom prst="rect">
+            <a:avLst/>
+          </a:prstGeom>
+        </p:spPr>
+        <p:txBody>
+          <a:bodyPr vert="horz" lIns="91440" tIns="45720" rIns="91440" bIns="45720" rtlCol="0" anchor="b"/>
+          <a:lstStyle>
+            <a:lvl1pPr algn="l">
+              <a:defRPr sz="1200"/>
+            </a:lvl1pPr>
+          </a:lstStyle>
+          <a:p>
+            <a:endParaRPr lang="de-DE"/>
+          </a:p>
+        </p:txBody>
+      </p:sp>
+      <p:sp>
+        <p:nvSpPr>
+          <p:cNvPr id="7" name="Foliennummernplatzhalter 6"/>
+          <p:cNvSpPr>
+            <a:spLocks noGrp="1"/>
+          </p:cNvSpPr>
+          <p:nvPr>
+            <p:ph type="sldNum" sz="quarter" idx="5"/>
+          </p:nvPr>
+        </p:nvSpPr>
+        <p:spPr>
+          <a:xfrm>
+            <a:off x="3884613" y="8685213"/>
+            <a:ext cx="2971800" cy="458787"/>
+          </a:xfrm>
+          <a:prstGeom prst="rect">
+            <a:avLst/>
+          </a:prstGeom>
+        </p:spPr>
+        <p:txBody>
+          <a:bodyPr vert="horz" lIns="91440" tIns="45720" rIns="91440" bIns="45720" rtlCol="0" anchor="b"/>
+          <a:lstStyle>
+            <a:lvl1pPr algn="r">
+              <a:defRPr sz="1200"/>
+            </a:lvl1pPr>
+          </a:lstStyle>
+          <a:p>
+            <a:fld id="{4F9437DF-A6EC-EE42-80A6-71063A224058}" type="slidenum">
+              <a:rPr lang="de-DE" smtClean="0"/>
+              <a:t>‹Nr.›</a:t>
+            </a:fld>
+            <a:endParaRPr lang="de-DE"/>
+          </a:p>
+        </p:txBody>
+      </p:sp>
+    </p:spTree>
+    <p:extLst>
+      <p:ext uri="{BB962C8B-B14F-4D97-AF65-F5344CB8AC3E}">
+        <p14:creationId xmlns:p14="http://schemas.microsoft.com/office/powerpoint/2010/main" val="1896677198"/>
+      </p:ext>
+    </p:extLst>
+  </p:cSld>
+  <p:clrMap bg1="lt1" tx1="dk1" bg2="lt2" tx2="dk2" accent1="accent1" accent2="accent2" accent3="accent3" accent4="accent4" accent5="accent5" accent6="accent6" hlink="hlink" folHlink="folHlink"/>
+  <p:notesStyle>
+    <a:lvl1pPr marL="0" algn="l" defTabSz="914400" rtl="0" eaLnBrk="1" latinLnBrk="0" hangingPunct="1">
+      <a:defRPr sz="1200" kern="1200">
+        <a:solidFill>
+          <a:schemeClr val="tx1"/>
+        </a:solidFill>
+        <a:latin typeface="+mn-lt"/>
+        <a:ea typeface="+mn-ea"/>
+        <a:cs typeface="+mn-cs"/>
+      </a:defRPr>
+    </a:lvl1pPr>
+    <a:lvl2pPr marL="457200" algn="l" defTabSz="914400" rtl="0" eaLnBrk="1" latinLnBrk="0" hangingPunct="1">
+      <a:defRPr sz="1200" kern="1200">
+        <a:solidFill>
+          <a:schemeClr val="tx1"/>
+        </a:solidFill>
+        <a:latin typeface="+mn-lt"/>
+        <a:ea typeface="+mn-ea"/>
+        <a:cs typeface="+mn-cs"/>
+      </a:defRPr>
+    </a:lvl2pPr>
+    <a:lvl3pPr marL="914400" algn="l" defTabSz="914400" rtl="0" eaLnBrk="1" latinLnBrk="0" hangingPunct="1">
+      <a:defRPr sz="1200" kern="1200">
+        <a:solidFill>
+          <a:schemeClr val="tx1"/>
+        </a:solidFill>
+        <a:latin typeface="+mn-lt"/>
+        <a:ea typeface="+mn-ea"/>
+        <a:cs typeface="+mn-cs"/>
+      </a:defRPr>
+    </a:lvl3pPr>
+    <a:lvl4pPr marL="1371600" algn="l" defTabSz="914400" rtl="0" eaLnBrk="1" latinLnBrk="0" hangingPunct="1">
+      <a:defRPr sz="1200" kern="1200">
+        <a:solidFill>
+          <a:schemeClr val="tx1"/>
+        </a:solidFill>
+        <a:latin typeface="+mn-lt"/>
+        <a:ea typeface="+mn-ea"/>
+        <a:cs typeface="+mn-cs"/>
+      </a:defRPr>
+    </a:lvl4pPr>
+    <a:lvl5pPr marL="1828800" algn="l" defTabSz="914400" rtl="0" eaLnBrk="1" latinLnBrk="0" hangingPunct="1">
+      <a:defRPr sz="1200" kern="1200">
+        <a:solidFill>
+          <a:schemeClr val="tx1"/>
+        </a:solidFill>
+        <a:latin typeface="+mn-lt"/>
+        <a:ea typeface="+mn-ea"/>
+        <a:cs typeface="+mn-cs"/>
+      </a:defRPr>
+    </a:lvl5pPr>
+    <a:lvl6pPr marL="2286000" algn="l" defTabSz="914400" rtl="0" eaLnBrk="1" latinLnBrk="0" hangingPunct="1">
+      <a:defRPr sz="1200" kern="1200">
+        <a:solidFill>
+          <a:schemeClr val="tx1"/>
+        </a:solidFill>
+        <a:latin typeface="+mn-lt"/>
+        <a:ea typeface="+mn-ea"/>
+        <a:cs typeface="+mn-cs"/>
+      </a:defRPr>
+    </a:lvl6pPr>
+    <a:lvl7pPr marL="2743200" algn="l" defTabSz="914400" rtl="0" eaLnBrk="1" latinLnBrk="0" hangingPunct="1">
+      <a:defRPr sz="1200" kern="1200">
+        <a:solidFill>
+          <a:schemeClr val="tx1"/>
+        </a:solidFill>
+        <a:latin typeface="+mn-lt"/>
+        <a:ea typeface="+mn-ea"/>
+        <a:cs typeface="+mn-cs"/>
+      </a:defRPr>
+    </a:lvl7pPr>
+    <a:lvl8pPr marL="3200400" algn="l" defTabSz="914400" rtl="0" eaLnBrk="1" latinLnBrk="0" hangingPunct="1">
+      <a:defRPr sz="1200" kern="1200">
+        <a:solidFill>
+          <a:schemeClr val="tx1"/>
+        </a:solidFill>
+        <a:latin typeface="+mn-lt"/>
+        <a:ea typeface="+mn-ea"/>
+        <a:cs typeface="+mn-cs"/>
+      </a:defRPr>
+    </a:lvl8pPr>
+    <a:lvl9pPr marL="3657600" algn="l" defTabSz="914400" rtl="0" eaLnBrk="1" latinLnBrk="0" hangingPunct="1">
+      <a:defRPr sz="1200" kern="1200">
+        <a:solidFill>
+          <a:schemeClr val="tx1"/>
+        </a:solidFill>
+        <a:latin typeface="+mn-lt"/>
+        <a:ea typeface="+mn-ea"/>
+        <a:cs typeface="+mn-cs"/>
+      </a:defRPr>
+    </a:lvl9pPr>
+  </p:notesStyle>
+</p:notesMaster>
+</file>
+
+<file path=ppt/notesSlides/notesSlide1.xml><?xml version="1.0" encoding="utf-8"?>
+<p:notes xmlns:a="http://schemas.openxmlformats.org/drawingml/2006/main" xmlns:r="http://schemas.openxmlformats.org/officeDocument/2006/relationships" xmlns:p="http://schemas.openxmlformats.org/presentationml/2006/main">
+  <p:cSld>
+    <p:spTree>
+      <p:nvGrpSpPr>
+        <p:cNvPr id="1" name=""/>
+        <p:cNvGrpSpPr/>
+        <p:nvPr/>
+      </p:nvGrpSpPr>
+      <p:grpSpPr>
+        <a:xfrm>
+          <a:off x="0" y="0"/>
+          <a:ext cx="0" cy="0"/>
+          <a:chOff x="0" y="0"/>
+          <a:chExt cx="0" cy="0"/>
+        </a:xfrm>
+      </p:grpSpPr>
+      <p:sp>
+        <p:nvSpPr>
+          <p:cNvPr id="2" name="Folienbildplatzhalter 1"/>
+          <p:cNvSpPr>
+            <a:spLocks noGrp="1" noRot="1" noChangeAspect="1"/>
+          </p:cNvSpPr>
+          <p:nvPr>
+            <p:ph type="sldImg"/>
+          </p:nvPr>
+        </p:nvSpPr>
+        <p:spPr/>
+      </p:sp>
+      <p:sp>
+        <p:nvSpPr>
+          <p:cNvPr id="3" name="Notizenplatzhalter 2"/>
+          <p:cNvSpPr>
+            <a:spLocks noGrp="1"/>
+          </p:cNvSpPr>
+          <p:nvPr>
+            <p:ph type="body" idx="1"/>
+          </p:nvPr>
+        </p:nvSpPr>
+        <p:spPr/>
+        <p:txBody>
+          <a:bodyPr/>
+          <a:lstStyle/>
+          <a:p>
+            <a:endParaRPr lang="de-DE" dirty="0"/>
+          </a:p>
+        </p:txBody>
+      </p:sp>
+      <p:sp>
+        <p:nvSpPr>
+          <p:cNvPr id="4" name="Foliennummernplatzhalter 3"/>
+          <p:cNvSpPr>
+            <a:spLocks noGrp="1"/>
+          </p:cNvSpPr>
+          <p:nvPr>
+            <p:ph type="sldNum" sz="quarter" idx="5"/>
+          </p:nvPr>
+        </p:nvSpPr>
+        <p:spPr/>
+        <p:txBody>
+          <a:bodyPr/>
+          <a:lstStyle/>
+          <a:p>
+            <a:fld id="{4F9437DF-A6EC-EE42-80A6-71063A224058}" type="slidenum">
+              <a:rPr lang="de-DE" smtClean="0"/>
+              <a:t>6</a:t>
+            </a:fld>
+            <a:endParaRPr lang="de-DE"/>
+          </a:p>
+        </p:txBody>
+      </p:sp>
+    </p:spTree>
+    <p:extLst>
+      <p:ext uri="{BB962C8B-B14F-4D97-AF65-F5344CB8AC3E}">
+        <p14:creationId xmlns:p14="http://schemas.microsoft.com/office/powerpoint/2010/main" val="2739640513"/>
+      </p:ext>
+    </p:extLst>
+  </p:cSld>
+  <p:clrMapOvr>
+    <a:masterClrMapping/>
+  </p:clrMapOvr>
+</p:notes>
+</file>
+
+<file path=ppt/notesSlides/notesSlide2.xml><?xml version="1.0" encoding="utf-8"?>
+<p:notes xmlns:a="http://schemas.openxmlformats.org/drawingml/2006/main" xmlns:r="http://schemas.openxmlformats.org/officeDocument/2006/relationships" xmlns:p="http://schemas.openxmlformats.org/presentationml/2006/main">
+  <p:cSld>
+    <p:spTree>
+      <p:nvGrpSpPr>
+        <p:cNvPr id="1" name=""/>
+        <p:cNvGrpSpPr/>
+        <p:nvPr/>
+      </p:nvGrpSpPr>
+      <p:grpSpPr>
+        <a:xfrm>
+          <a:off x="0" y="0"/>
+          <a:ext cx="0" cy="0"/>
+          <a:chOff x="0" y="0"/>
+          <a:chExt cx="0" cy="0"/>
+        </a:xfrm>
+      </p:grpSpPr>
+      <p:sp>
+        <p:nvSpPr>
+          <p:cNvPr id="2" name="Folienbildplatzhalter 1"/>
+          <p:cNvSpPr>
+            <a:spLocks noGrp="1" noRot="1" noChangeAspect="1"/>
+          </p:cNvSpPr>
+          <p:nvPr>
+            <p:ph type="sldImg"/>
+          </p:nvPr>
+        </p:nvSpPr>
+        <p:spPr/>
+      </p:sp>
+      <p:sp>
+        <p:nvSpPr>
+          <p:cNvPr id="3" name="Notizenplatzhalter 2"/>
+          <p:cNvSpPr>
+            <a:spLocks noGrp="1"/>
+          </p:cNvSpPr>
+          <p:nvPr>
+            <p:ph type="body" idx="1"/>
+          </p:nvPr>
+        </p:nvSpPr>
+        <p:spPr/>
+        <p:txBody>
+          <a:bodyPr/>
+          <a:lstStyle/>
+          <a:p>
+            <a:endParaRPr lang="de-DE" dirty="0"/>
+          </a:p>
+        </p:txBody>
+      </p:sp>
+      <p:sp>
+        <p:nvSpPr>
+          <p:cNvPr id="4" name="Foliennummernplatzhalter 3"/>
+          <p:cNvSpPr>
+            <a:spLocks noGrp="1"/>
+          </p:cNvSpPr>
+          <p:nvPr>
+            <p:ph type="sldNum" sz="quarter" idx="5"/>
+          </p:nvPr>
+        </p:nvSpPr>
+        <p:spPr/>
+        <p:txBody>
+          <a:bodyPr/>
+          <a:lstStyle/>
+          <a:p>
+            <a:fld id="{4F9437DF-A6EC-EE42-80A6-71063A224058}" type="slidenum">
+              <a:rPr lang="de-DE" smtClean="0"/>
+              <a:t>7</a:t>
+            </a:fld>
+            <a:endParaRPr lang="de-DE"/>
+          </a:p>
+        </p:txBody>
+      </p:sp>
+    </p:spTree>
+    <p:extLst>
+      <p:ext uri="{BB962C8B-B14F-4D97-AF65-F5344CB8AC3E}">
+        <p14:creationId xmlns:p14="http://schemas.microsoft.com/office/powerpoint/2010/main" val="2928885176"/>
+      </p:ext>
+    </p:extLst>
+  </p:cSld>
+  <p:clrMapOvr>
+    <a:masterClrMapping/>
+  </p:clrMapOvr>
+</p:notes>
+</file>
+
 <file path=ppt/slideLayouts/slideLayout1.xml><?xml version="1.0" encoding="utf-8"?>
 <p:sldLayout xmlns:a="http://schemas.openxmlformats.org/drawingml/2006/main" xmlns:r="http://schemas.openxmlformats.org/officeDocument/2006/relationships" xmlns:p="http://schemas.openxmlformats.org/presentationml/2006/main" type="title" preserve="1">
   <p:cSld name="Title Slide">
@@ -269,7 +789,7 @@
           <a:p>
             <a:fld id="{1ECB5883-038C-4696-8E27-1811E470D6D4}" type="datetime1">
               <a:rPr lang="en-US" smtClean="0"/>
-              <a:t>6/9/2024</a:t>
+              <a:t>6/9/24</a:t>
             </a:fld>
             <a:endParaRPr lang="en-US"/>
           </a:p>
@@ -470,7 +990,7 @@
           <a:p>
             <a:fld id="{61E8A6D4-154B-4E4D-9001-7A6C328D243E}" type="datetime1">
               <a:rPr lang="en-US" smtClean="0"/>
-              <a:t>6/9/2024</a:t>
+              <a:t>6/9/24</a:t>
             </a:fld>
             <a:endParaRPr lang="en-US"/>
           </a:p>
@@ -681,7 +1201,7 @@
           <a:p>
             <a:fld id="{EF880999-9BD6-4929-BDEC-B84E21C16701}" type="datetime1">
               <a:rPr lang="en-US" smtClean="0"/>
-              <a:t>6/9/2024</a:t>
+              <a:t>6/9/24</a:t>
             </a:fld>
             <a:endParaRPr lang="en-US"/>
           </a:p>
@@ -882,7 +1402,7 @@
           <a:p>
             <a:fld id="{579F6069-8263-4296-913A-BC2234E8D32B}" type="datetime1">
               <a:rPr lang="en-US" smtClean="0"/>
-              <a:t>6/9/2024</a:t>
+              <a:t>6/9/24</a:t>
             </a:fld>
             <a:endParaRPr lang="en-US"/>
           </a:p>
@@ -1162,7 +1682,7 @@
           <a:p>
             <a:fld id="{BC9F5005-EC25-4FB9-B19B-2437F0B120D2}" type="datetime1">
               <a:rPr lang="en-US" smtClean="0"/>
-              <a:t>6/9/2024</a:t>
+              <a:t>6/9/24</a:t>
             </a:fld>
             <a:endParaRPr lang="en-US"/>
           </a:p>
@@ -1430,7 +1950,7 @@
           <a:p>
             <a:fld id="{0B283B5C-2325-42FF-AF91-C1451D9D66CC}" type="datetime1">
               <a:rPr lang="en-US" smtClean="0"/>
-              <a:t>6/9/2024</a:t>
+              <a:t>6/9/24</a:t>
             </a:fld>
             <a:endParaRPr lang="en-US"/>
           </a:p>
@@ -1849,7 +2369,7 @@
           <a:p>
             <a:fld id="{0F88DB08-3B01-46DD-99F2-F6F6334EA669}" type="datetime1">
               <a:rPr lang="en-US" smtClean="0"/>
-              <a:t>6/9/2024</a:t>
+              <a:t>6/9/24</a:t>
             </a:fld>
             <a:endParaRPr lang="en-US"/>
           </a:p>
@@ -1993,7 +2513,7 @@
           <a:p>
             <a:fld id="{5892AC11-ACC3-4129-BBD7-C580BF1A4EE7}" type="datetime1">
               <a:rPr lang="en-US" smtClean="0"/>
-              <a:t>6/9/2024</a:t>
+              <a:t>6/9/24</a:t>
             </a:fld>
             <a:endParaRPr lang="en-US"/>
           </a:p>
@@ -2109,7 +2629,7 @@
           <a:p>
             <a:fld id="{6D80F7F3-E406-44E2-93AF-674B3F1A2E51}" type="datetime1">
               <a:rPr lang="en-US" smtClean="0"/>
-              <a:t>6/9/2024</a:t>
+              <a:t>6/9/24</a:t>
             </a:fld>
             <a:endParaRPr lang="en-US"/>
           </a:p>
@@ -2427,7 +2947,7 @@
           <a:p>
             <a:fld id="{2FB1DD93-7C9D-4E53-81F0-DDE57FEA7EDB}" type="datetime1">
               <a:rPr lang="en-US" smtClean="0"/>
-              <a:t>6/9/2024</a:t>
+              <a:t>6/9/24</a:t>
             </a:fld>
             <a:endParaRPr lang="en-US"/>
           </a:p>
@@ -2720,7 +3240,7 @@
           <a:p>
             <a:fld id="{3DF7BC28-59DE-4F83-B4A1-497203279FAD}" type="datetime1">
               <a:rPr lang="en-US" smtClean="0"/>
-              <a:t>6/9/2024</a:t>
+              <a:t>6/9/24</a:t>
             </a:fld>
             <a:endParaRPr lang="en-US"/>
           </a:p>
@@ -3020,7 +3540,7 @@
           <a:p>
             <a:fld id="{0BDC4764-F656-4735-9820-9886F8DF1D6A}" type="datetime1">
               <a:rPr lang="en-US" smtClean="0"/>
-              <a:t>6/9/2024</a:t>
+              <a:t>6/9/24</a:t>
             </a:fld>
             <a:endParaRPr lang="en-US" dirty="0"/>
           </a:p>
@@ -4275,7 +4795,7 @@
           <a:p>
             <a:fld id="{579F6069-8263-4296-913A-BC2234E8D32B}" type="datetime1">
               <a:rPr lang="en-US" smtClean="0"/>
-              <a:t>6/9/2024</a:t>
+              <a:t>6/9/24</a:t>
             </a:fld>
             <a:endParaRPr lang="en-US"/>
           </a:p>
@@ -6131,7 +6651,7 @@
           <a:p>
             <a:fld id="{579F6069-8263-4296-913A-BC2234E8D32B}" type="datetime1">
               <a:rPr lang="en-US" smtClean="0"/>
-              <a:t>6/9/2024</a:t>
+              <a:t>6/9/24</a:t>
             </a:fld>
             <a:endParaRPr lang="en-US"/>
           </a:p>
@@ -9819,7 +10339,7 @@
           <a:p>
             <a:fld id="{579F6069-8263-4296-913A-BC2234E8D32B}" type="datetime1">
               <a:rPr lang="en-US" smtClean="0"/>
-              <a:t>6/9/2024</a:t>
+              <a:t>6/9/24</a:t>
             </a:fld>
             <a:endParaRPr lang="en-US"/>
           </a:p>
@@ -9927,56 +10447,54 @@
         </p:nvSpPr>
         <p:spPr>
           <a:xfrm>
-            <a:off x="871108" y="588245"/>
-            <a:ext cx="10449784" cy="648061"/>
+            <a:off x="839788" y="820881"/>
+            <a:ext cx="4205178" cy="617775"/>
           </a:xfrm>
         </p:spPr>
         <p:txBody>
-          <a:bodyPr/>
-          <a:lstStyle/>
-          <a:p>
-            <a:r>
-              <a:rPr lang="de-DE" dirty="0"/>
-              <a:t>Benutzeroberfläche</a:t>
-            </a:r>
-          </a:p>
-        </p:txBody>
-      </p:sp>
-      <p:sp>
-        <p:nvSpPr>
-          <p:cNvPr id="3" name="Inhaltsplatzhalter 2">
-            <a:extLst>
-              <a:ext uri="{FF2B5EF4-FFF2-40B4-BE49-F238E27FC236}">
-                <a16:creationId xmlns:a16="http://schemas.microsoft.com/office/drawing/2014/main" id="{79C3424A-11A3-F2D2-7DB8-CBC0256484A1}"/>
-              </a:ext>
-            </a:extLst>
-          </p:cNvPr>
-          <p:cNvSpPr>
-            <a:spLocks noGrp="1"/>
-          </p:cNvSpPr>
-          <p:nvPr>
-            <p:ph idx="1"/>
-          </p:nvPr>
-        </p:nvSpPr>
-        <p:spPr>
-          <a:xfrm>
-            <a:off x="877824" y="1478903"/>
-            <a:ext cx="10442448" cy="3321698"/>
-          </a:xfrm>
-        </p:spPr>
-        <p:txBody>
-          <a:bodyPr>
+          <a:bodyPr anchor="t">
             <a:normAutofit/>
           </a:bodyPr>
           <a:lstStyle/>
           <a:p>
-            <a:pPr marL="0" indent="0">
-              <a:buNone/>
-            </a:pPr>
-            <a:endParaRPr lang="de-DE" sz="2000" dirty="0"/>
+            <a:r>
+              <a:rPr lang="de-DE" sz="3200" dirty="0"/>
+              <a:t>Benutzeroberfläche</a:t>
+            </a:r>
           </a:p>
         </p:txBody>
       </p:sp>
+      <p:pic>
+        <p:nvPicPr>
+          <p:cNvPr id="7" name="Grafik 6" descr="Ein Bild, das Text, Screenshot, Software, Webseite enthält.&#10;&#10;Automatisch generierte Beschreibung">
+            <a:extLst>
+              <a:ext uri="{FF2B5EF4-FFF2-40B4-BE49-F238E27FC236}">
+                <a16:creationId xmlns:a16="http://schemas.microsoft.com/office/drawing/2014/main" id="{0F9096FB-4BB2-493D-6099-BF22D70FF09D}"/>
+              </a:ext>
+            </a:extLst>
+          </p:cNvPr>
+          <p:cNvPicPr>
+            <a:picLocks noChangeAspect="1"/>
+          </p:cNvPicPr>
+          <p:nvPr/>
+        </p:nvPicPr>
+        <p:blipFill>
+          <a:blip r:embed="rId2"/>
+          <a:stretch>
+            <a:fillRect/>
+          </a:stretch>
+        </p:blipFill>
+        <p:spPr>
+          <a:xfrm>
+            <a:off x="7522464" y="1375815"/>
+            <a:ext cx="4339603" cy="4556014"/>
+          </a:xfrm>
+          <a:prstGeom prst="rect">
+            <a:avLst/>
+          </a:prstGeom>
+          <a:noFill/>
+        </p:spPr>
+      </p:pic>
       <p:sp>
         <p:nvSpPr>
           <p:cNvPr id="4" name="Datumsplatzhalter 3">
@@ -9993,14 +10511,31 @@
             <p:ph type="dt" sz="half" idx="10"/>
           </p:nvPr>
         </p:nvSpPr>
-        <p:spPr/>
+        <p:spPr>
+          <a:xfrm>
+            <a:off x="877824" y="6356350"/>
+            <a:ext cx="2743200" cy="365125"/>
+          </a:xfrm>
+        </p:spPr>
         <p:txBody>
-          <a:bodyPr/>
+          <a:bodyPr anchor="ctr">
+            <a:normAutofit/>
+          </a:bodyPr>
           <a:lstStyle/>
           <a:p>
+            <a:pPr>
+              <a:spcAft>
+                <a:spcPts val="600"/>
+              </a:spcAft>
+            </a:pPr>
             <a:fld id="{579F6069-8263-4296-913A-BC2234E8D32B}" type="datetime1">
               <a:rPr lang="en-US" smtClean="0"/>
-              <a:t>6/9/2024</a:t>
+              <a:pPr>
+                <a:spcAft>
+                  <a:spcPts val="600"/>
+                </a:spcAft>
+              </a:pPr>
+              <a:t>6/9/24</a:t>
             </a:fld>
             <a:endParaRPr lang="en-US"/>
           </a:p>
@@ -10008,10 +10543,10 @@
       </p:sp>
       <p:sp>
         <p:nvSpPr>
-          <p:cNvPr id="5" name="Fußzeilenplatzhalter 4">
+          <p:cNvPr id="12" name="Footer Placeholder 5">
             <a:extLst>
               <a:ext uri="{FF2B5EF4-FFF2-40B4-BE49-F238E27FC236}">
-                <a16:creationId xmlns:a16="http://schemas.microsoft.com/office/drawing/2014/main" id="{4466D1B8-A89B-A999-B63F-8C7373B8A951}"/>
+                <a16:creationId xmlns:a16="http://schemas.microsoft.com/office/drawing/2014/main" id="{0226FB61-145B-57A7-148A-92C02E129861}"/>
               </a:ext>
             </a:extLst>
           </p:cNvPr>
@@ -10022,12 +10557,27 @@
             <p:ph type="ftr" sz="quarter" idx="11"/>
           </p:nvPr>
         </p:nvSpPr>
-        <p:spPr/>
+        <p:spPr>
+          <a:xfrm>
+            <a:off x="7132320" y="6356350"/>
+            <a:ext cx="4297680" cy="365125"/>
+          </a:xfrm>
+        </p:spPr>
         <p:txBody>
-          <a:bodyPr/>
+          <a:bodyPr anchor="ctr">
+            <a:normAutofit/>
+          </a:bodyPr>
           <a:lstStyle/>
           <a:p>
-            <a:endParaRPr lang="en-US" dirty="0"/>
+            <a:pPr>
+              <a:spcAft>
+                <a:spcPts val="600"/>
+              </a:spcAft>
+            </a:pPr>
+            <a:r>
+              <a:rPr lang="en-US"/>
+              <a:t>Sample Footer Text</a:t>
+            </a:r>
           </a:p>
         </p:txBody>
       </p:sp>
@@ -10047,16 +10597,304 @@
             <p:ph type="sldNum" sz="quarter" idx="12"/>
           </p:nvPr>
         </p:nvSpPr>
-        <p:spPr/>
+        <p:spPr>
+          <a:xfrm>
+            <a:off x="11429999" y="6356350"/>
+            <a:ext cx="521207" cy="365125"/>
+          </a:xfrm>
+        </p:spPr>
         <p:txBody>
-          <a:bodyPr/>
+          <a:bodyPr anchor="ctr">
+            <a:normAutofit/>
+          </a:bodyPr>
           <a:lstStyle/>
           <a:p>
+            <a:pPr>
+              <a:spcAft>
+                <a:spcPts val="600"/>
+              </a:spcAft>
+            </a:pPr>
             <a:fld id="{C68AC1EC-23E2-4F0E-A5A4-674EC8DB954E}" type="slidenum">
               <a:rPr lang="en-US" smtClean="0"/>
+              <a:pPr>
+                <a:spcAft>
+                  <a:spcPts val="600"/>
+                </a:spcAft>
+              </a:pPr>
               <a:t>5</a:t>
             </a:fld>
             <a:endParaRPr lang="en-US"/>
+          </a:p>
+        </p:txBody>
+      </p:sp>
+      <p:sp>
+        <p:nvSpPr>
+          <p:cNvPr id="9" name="Textplatzhalter 8">
+            <a:extLst>
+              <a:ext uri="{FF2B5EF4-FFF2-40B4-BE49-F238E27FC236}">
+                <a16:creationId xmlns:a16="http://schemas.microsoft.com/office/drawing/2014/main" id="{C5CBF6BB-0145-EF74-1BC3-6685966A8A24}"/>
+              </a:ext>
+            </a:extLst>
+          </p:cNvPr>
+          <p:cNvSpPr>
+            <a:spLocks noGrp="1"/>
+          </p:cNvSpPr>
+          <p:nvPr>
+            <p:ph type="body" sz="half" idx="2"/>
+          </p:nvPr>
+        </p:nvSpPr>
+        <p:spPr>
+          <a:xfrm>
+            <a:off x="839787" y="1438656"/>
+            <a:ext cx="5208207" cy="4430332"/>
+          </a:xfrm>
+        </p:spPr>
+        <p:txBody>
+          <a:bodyPr anchor="t" anchorCtr="0"/>
+          <a:lstStyle/>
+          <a:p>
+            <a:pPr marL="285750" indent="-285750">
+              <a:lnSpc>
+                <a:spcPct val="150000"/>
+              </a:lnSpc>
+              <a:buFont typeface="Arial" panose="020B0604020202020204" pitchFamily="34" charset="0"/>
+              <a:buChar char="•"/>
+            </a:pPr>
+            <a:r>
+              <a:rPr lang="de-DE" dirty="0" err="1"/>
+              <a:t>Flask</a:t>
+            </a:r>
+            <a:r>
+              <a:rPr lang="de-DE" dirty="0"/>
+              <a:t> Framework zur Erstellung einer webbasierten und plattformübergreifenden Benutzeroberfläche </a:t>
+            </a:r>
+          </a:p>
+          <a:p>
+            <a:pPr marL="285750" indent="-285750">
+              <a:lnSpc>
+                <a:spcPct val="150000"/>
+              </a:lnSpc>
+              <a:buFont typeface="Arial" panose="020B0604020202020204" pitchFamily="34" charset="0"/>
+              <a:buChar char="•"/>
+            </a:pPr>
+            <a:r>
+              <a:rPr lang="de-DE" dirty="0"/>
+              <a:t>Bootstrap Framework für HTML und CSS Vorlagen zur Frontend-Entwicklung</a:t>
+            </a:r>
+          </a:p>
+          <a:p>
+            <a:pPr marL="285750" indent="-285750">
+              <a:lnSpc>
+                <a:spcPct val="150000"/>
+              </a:lnSpc>
+              <a:buFont typeface="Arial" panose="020B0604020202020204" pitchFamily="34" charset="0"/>
+              <a:buChar char="•"/>
+            </a:pPr>
+            <a:r>
+              <a:rPr lang="de-DE" dirty="0"/>
+              <a:t> Funktionalität:</a:t>
+            </a:r>
+          </a:p>
+          <a:p>
+            <a:pPr marL="742950" lvl="1" indent="-285750">
+              <a:lnSpc>
+                <a:spcPct val="150000"/>
+              </a:lnSpc>
+              <a:buFont typeface="Arial" panose="020B0604020202020204" pitchFamily="34" charset="0"/>
+              <a:buChar char="•"/>
+            </a:pPr>
+            <a:r>
+              <a:rPr lang="de-DE" dirty="0"/>
+              <a:t>Input: Einzelne Referenz in Textform</a:t>
+            </a:r>
+          </a:p>
+          <a:p>
+            <a:pPr marL="742950" lvl="1" indent="-285750">
+              <a:lnSpc>
+                <a:spcPct val="150000"/>
+              </a:lnSpc>
+              <a:buFont typeface="Arial" panose="020B0604020202020204" pitchFamily="34" charset="0"/>
+              <a:buChar char="•"/>
+            </a:pPr>
+            <a:r>
+              <a:rPr lang="de-DE" dirty="0"/>
+              <a:t>Output: Konvertierter String (Verknüpfung zum Modell noch nicht vollständig)</a:t>
+            </a:r>
+          </a:p>
+          <a:p>
+            <a:pPr marL="742950" lvl="1" indent="-285750">
+              <a:lnSpc>
+                <a:spcPct val="150000"/>
+              </a:lnSpc>
+              <a:buFont typeface="Arial" panose="020B0604020202020204" pitchFamily="34" charset="0"/>
+              <a:buChar char="•"/>
+            </a:pPr>
+            <a:r>
+              <a:rPr lang="de-DE" dirty="0"/>
+              <a:t>Konvertierter String kann nachträglich modifiziert werden</a:t>
+            </a:r>
+          </a:p>
+          <a:p>
+            <a:pPr marL="742950" lvl="1" indent="-285750">
+              <a:lnSpc>
+                <a:spcPct val="150000"/>
+              </a:lnSpc>
+              <a:buFont typeface="Arial" panose="020B0604020202020204" pitchFamily="34" charset="0"/>
+              <a:buChar char="•"/>
+            </a:pPr>
+            <a:r>
+              <a:rPr lang="de-DE" dirty="0"/>
+              <a:t>Download des </a:t>
+            </a:r>
+            <a:r>
+              <a:rPr lang="de-DE" dirty="0" err="1"/>
+              <a:t>BibTex</a:t>
+            </a:r>
+            <a:r>
+              <a:rPr lang="de-DE" dirty="0"/>
+              <a:t>-Eintrags als </a:t>
+            </a:r>
+            <a:r>
+              <a:rPr lang="de-DE" dirty="0" err="1"/>
+              <a:t>txt</a:t>
+            </a:r>
+            <a:r>
+              <a:rPr lang="de-DE" dirty="0"/>
+              <a:t>-Datei in Downloadordner</a:t>
+            </a:r>
+          </a:p>
+        </p:txBody>
+      </p:sp>
+      <p:pic>
+        <p:nvPicPr>
+          <p:cNvPr id="1026" name="Picture 2" descr="Logo">
+            <a:extLst>
+              <a:ext uri="{FF2B5EF4-FFF2-40B4-BE49-F238E27FC236}">
+                <a16:creationId xmlns:a16="http://schemas.microsoft.com/office/drawing/2014/main" id="{7D9DB5AC-BF09-04F2-C61B-27DB17585BEC}"/>
+              </a:ext>
+            </a:extLst>
+          </p:cNvPr>
+          <p:cNvPicPr>
+            <a:picLocks noChangeAspect="1" noChangeArrowheads="1"/>
+          </p:cNvPicPr>
+          <p:nvPr/>
+        </p:nvPicPr>
+        <p:blipFill>
+          <a:blip r:embed="rId3">
+            <a:extLst>
+              <a:ext uri="{28A0092B-C50C-407E-A947-70E740481C1C}">
+                <a14:useLocalDpi xmlns:a14="http://schemas.microsoft.com/office/drawing/2010/main" val="0"/>
+              </a:ext>
+            </a:extLst>
+          </a:blip>
+          <a:srcRect/>
+          <a:stretch>
+            <a:fillRect/>
+          </a:stretch>
+        </p:blipFill>
+        <p:spPr bwMode="auto">
+          <a:xfrm>
+            <a:off x="6259826" y="1820367"/>
+            <a:ext cx="872494" cy="1046993"/>
+          </a:xfrm>
+          <a:prstGeom prst="rect">
+            <a:avLst/>
+          </a:prstGeom>
+          <a:noFill/>
+          <a:extLst>
+            <a:ext uri="{909E8E84-426E-40DD-AFC4-6F175D3DCCD1}">
+              <a14:hiddenFill xmlns:a14="http://schemas.microsoft.com/office/drawing/2010/main">
+                <a:solidFill>
+                  <a:srgbClr val="FFFFFF"/>
+                </a:solidFill>
+              </a14:hiddenFill>
+            </a:ext>
+          </a:extLst>
+        </p:spPr>
+      </p:pic>
+      <p:pic>
+        <p:nvPicPr>
+          <p:cNvPr id="1028" name="Picture 4" descr="Bootstrap">
+            <a:extLst>
+              <a:ext uri="{FF2B5EF4-FFF2-40B4-BE49-F238E27FC236}">
+                <a16:creationId xmlns:a16="http://schemas.microsoft.com/office/drawing/2014/main" id="{00919FC9-0F71-807C-3695-6747899E1EF4}"/>
+              </a:ext>
+            </a:extLst>
+          </p:cNvPr>
+          <p:cNvPicPr>
+            <a:picLocks noChangeAspect="1" noChangeArrowheads="1"/>
+          </p:cNvPicPr>
+          <p:nvPr/>
+        </p:nvPicPr>
+        <p:blipFill>
+          <a:blip r:embed="rId4">
+            <a:extLst>
+              <a:ext uri="{28A0092B-C50C-407E-A947-70E740481C1C}">
+                <a14:useLocalDpi xmlns:a14="http://schemas.microsoft.com/office/drawing/2010/main" val="0"/>
+              </a:ext>
+            </a:extLst>
+          </a:blip>
+          <a:srcRect/>
+          <a:stretch>
+            <a:fillRect/>
+          </a:stretch>
+        </p:blipFill>
+        <p:spPr bwMode="auto">
+          <a:xfrm>
+            <a:off x="6144006" y="3954053"/>
+            <a:ext cx="1135380" cy="936689"/>
+          </a:xfrm>
+          <a:prstGeom prst="rect">
+            <a:avLst/>
+          </a:prstGeom>
+          <a:noFill/>
+          <a:extLst>
+            <a:ext uri="{909E8E84-426E-40DD-AFC4-6F175D3DCCD1}">
+              <a14:hiddenFill xmlns:a14="http://schemas.microsoft.com/office/drawing/2010/main">
+                <a:solidFill>
+                  <a:srgbClr val="FFFFFF"/>
+                </a:solidFill>
+              </a14:hiddenFill>
+            </a:ext>
+          </a:extLst>
+        </p:spPr>
+      </p:pic>
+      <p:sp>
+        <p:nvSpPr>
+          <p:cNvPr id="10" name="Textfeld 9">
+            <a:extLst>
+              <a:ext uri="{FF2B5EF4-FFF2-40B4-BE49-F238E27FC236}">
+                <a16:creationId xmlns:a16="http://schemas.microsoft.com/office/drawing/2014/main" id="{BF825ABD-9940-4071-83C2-6B690470754E}"/>
+              </a:ext>
+            </a:extLst>
+          </p:cNvPr>
+          <p:cNvSpPr txBox="1"/>
+          <p:nvPr/>
+        </p:nvSpPr>
+        <p:spPr>
+          <a:xfrm rot="2788215">
+            <a:off x="9433582" y="3630888"/>
+            <a:ext cx="2070850" cy="646331"/>
+          </a:xfrm>
+          <a:prstGeom prst="rect">
+            <a:avLst/>
+          </a:prstGeom>
+          <a:noFill/>
+        </p:spPr>
+        <p:txBody>
+          <a:bodyPr wrap="square" rtlCol="0">
+            <a:spAutoFit/>
+          </a:bodyPr>
+          <a:lstStyle/>
+          <a:p>
+            <a:r>
+              <a:rPr lang="de-DE" sz="3600" b="1" dirty="0">
+                <a:solidFill>
+                  <a:srgbClr val="FF0000"/>
+                </a:solidFill>
+              </a:rPr>
+              <a:t>Beispiel</a:t>
+            </a:r>
           </a:p>
         </p:txBody>
       </p:sp>
@@ -10239,7 +11077,7 @@
           <a:p>
             <a:fld id="{579F6069-8263-4296-913A-BC2234E8D32B}" type="datetime1">
               <a:rPr lang="en-US" smtClean="0"/>
-              <a:t>6/9/2024</a:t>
+              <a:t>6/9/24</a:t>
             </a:fld>
             <a:endParaRPr lang="en-US"/>
           </a:p>
@@ -10314,7 +11152,7 @@
           <p:nvPr/>
         </p:nvPicPr>
         <p:blipFill>
-          <a:blip r:embed="rId2"/>
+          <a:blip r:embed="rId3"/>
           <a:stretch>
             <a:fillRect/>
           </a:stretch>
@@ -10905,19 +11743,21 @@
             <a:pPr lvl="1"/>
             <a:r>
               <a:rPr lang="de-DE" sz="1600" dirty="0"/>
-              <a:t>Ausführliche Testung </a:t>
-            </a:r>
-            <a:r>
-              <a:rPr lang="de-DE" sz="1600"/>
-              <a:t>des Modells</a:t>
-            </a:r>
-            <a:endParaRPr lang="de-DE" sz="1600" dirty="0"/>
+              <a:t>Ausführliche Testung des Modells</a:t>
+            </a:r>
           </a:p>
           <a:p>
             <a:pPr lvl="1"/>
             <a:r>
               <a:rPr lang="de-DE" sz="1600" dirty="0"/>
               <a:t>Autovervollständigung abgekürzter Begriffe (Vornamen, Journals)</a:t>
+            </a:r>
+          </a:p>
+          <a:p>
+            <a:pPr lvl="1"/>
+            <a:r>
+              <a:rPr lang="de-DE" sz="1600" dirty="0"/>
+              <a:t>Visualisierung der </a:t>
             </a:r>
           </a:p>
         </p:txBody>
@@ -10945,7 +11785,7 @@
           <a:p>
             <a:fld id="{579F6069-8263-4296-913A-BC2234E8D32B}" type="datetime1">
               <a:rPr lang="en-US" smtClean="0"/>
-              <a:t>6/9/2024</a:t>
+              <a:t>6/9/24</a:t>
             </a:fld>
             <a:endParaRPr lang="en-US"/>
           </a:p>
@@ -11502,6 +12342,67 @@
                       </p:childTnLst>
                     </p:cTn>
                   </p:par>
+                  <p:par>
+                    <p:cTn id="42" fill="hold">
+                      <p:stCondLst>
+                        <p:cond delay="indefinite"/>
+                      </p:stCondLst>
+                      <p:childTnLst>
+                        <p:par>
+                          <p:cTn id="43" fill="hold">
+                            <p:stCondLst>
+                              <p:cond delay="0"/>
+                            </p:stCondLst>
+                            <p:childTnLst>
+                              <p:par>
+                                <p:cTn id="44" presetID="10" presetClass="entr" presetSubtype="0" fill="hold" nodeType="clickEffect">
+                                  <p:stCondLst>
+                                    <p:cond delay="0"/>
+                                  </p:stCondLst>
+                                  <p:childTnLst>
+                                    <p:set>
+                                      <p:cBhvr>
+                                        <p:cTn id="45" dur="1" fill="hold">
+                                          <p:stCondLst>
+                                            <p:cond delay="0"/>
+                                          </p:stCondLst>
+                                        </p:cTn>
+                                        <p:tgtEl>
+                                          <p:spTgt spid="3">
+                                            <p:txEl>
+                                              <p:pRg st="11" end="11"/>
+                                            </p:txEl>
+                                          </p:spTgt>
+                                        </p:tgtEl>
+                                        <p:attrNameLst>
+                                          <p:attrName>style.visibility</p:attrName>
+                                        </p:attrNameLst>
+                                      </p:cBhvr>
+                                      <p:to>
+                                        <p:strVal val="visible"/>
+                                      </p:to>
+                                    </p:set>
+                                    <p:animEffect transition="in" filter="fade">
+                                      <p:cBhvr>
+                                        <p:cTn id="46" dur="500"/>
+                                        <p:tgtEl>
+                                          <p:spTgt spid="3">
+                                            <p:txEl>
+                                              <p:pRg st="11" end="11"/>
+                                            </p:txEl>
+                                          </p:spTgt>
+                                        </p:tgtEl>
+                                      </p:cBhvr>
+                                    </p:animEffect>
+                                  </p:childTnLst>
+                                </p:cTn>
+                              </p:par>
+                            </p:childTnLst>
+                          </p:cTn>
+                        </p:par>
+                      </p:childTnLst>
+                    </p:cTn>
+                  </p:par>
                 </p:childTnLst>
               </p:cTn>
               <p:prevCondLst>
@@ -11749,4 +12650,319 @@
     </a:ext>
   </a:extLst>
 </a:theme>
+</file>
+
+<file path=ppt/theme/theme2.xml><?xml version="1.0" encoding="utf-8"?>
+<a:theme xmlns:a="http://schemas.openxmlformats.org/drawingml/2006/main" name="Office">
+  <a:themeElements>
+    <a:clrScheme name="Office">
+      <a:dk1>
+        <a:sysClr val="windowText" lastClr="000000"/>
+      </a:dk1>
+      <a:lt1>
+        <a:sysClr val="window" lastClr="FFFFFF"/>
+      </a:lt1>
+      <a:dk2>
+        <a:srgbClr val="0E2841"/>
+      </a:dk2>
+      <a:lt2>
+        <a:srgbClr val="E8E8E8"/>
+      </a:lt2>
+      <a:accent1>
+        <a:srgbClr val="156082"/>
+      </a:accent1>
+      <a:accent2>
+        <a:srgbClr val="E97132"/>
+      </a:accent2>
+      <a:accent3>
+        <a:srgbClr val="196B24"/>
+      </a:accent3>
+      <a:accent4>
+        <a:srgbClr val="0F9ED5"/>
+      </a:accent4>
+      <a:accent5>
+        <a:srgbClr val="A02B93"/>
+      </a:accent5>
+      <a:accent6>
+        <a:srgbClr val="4EA72E"/>
+      </a:accent6>
+      <a:hlink>
+        <a:srgbClr val="467886"/>
+      </a:hlink>
+      <a:folHlink>
+        <a:srgbClr val="96607D"/>
+      </a:folHlink>
+    </a:clrScheme>
+    <a:fontScheme name="Office">
+      <a:majorFont>
+        <a:latin typeface="Aptos Display" panose="02110004020202020204"/>
+        <a:ea typeface=""/>
+        <a:cs typeface=""/>
+        <a:font script="Jpan" typeface="游ゴシック Light"/>
+        <a:font script="Hang" typeface="맑은 고딕"/>
+        <a:font script="Hans" typeface="等线 Light"/>
+        <a:font script="Hant" typeface="新細明體"/>
+        <a:font script="Arab" typeface="Times New Roman"/>
+        <a:font script="Hebr" typeface="Times New Roman"/>
+        <a:font script="Thai" typeface="Angsana New"/>
+        <a:font script="Ethi" typeface="Nyala"/>
+        <a:font script="Beng" typeface="Vrinda"/>
+        <a:font script="Gujr" typeface="Shruti"/>
+        <a:font script="Khmr" typeface="MoolBoran"/>
+        <a:font script="Knda" typeface="Tunga"/>
+        <a:font script="Guru" typeface="Raavi"/>
+        <a:font script="Cans" typeface="Euphemia"/>
+        <a:font script="Cher" typeface="Plantagenet Cherokee"/>
+        <a:font script="Yiii" typeface="Microsoft Yi Baiti"/>
+        <a:font script="Tibt" typeface="Microsoft Himalaya"/>
+        <a:font script="Thaa" typeface="MV Boli"/>
+        <a:font script="Deva" typeface="Mangal"/>
+        <a:font script="Telu" typeface="Gautami"/>
+        <a:font script="Taml" typeface="Latha"/>
+        <a:font script="Syrc" typeface="Estrangelo Edessa"/>
+        <a:font script="Orya" typeface="Kalinga"/>
+        <a:font script="Mlym" typeface="Kartika"/>
+        <a:font script="Laoo" typeface="DokChampa"/>
+        <a:font script="Sinh" typeface="Iskoola Pota"/>
+        <a:font script="Mong" typeface="Mongolian Baiti"/>
+        <a:font script="Viet" typeface="Times New Roman"/>
+        <a:font script="Uigh" typeface="Microsoft Uighur"/>
+        <a:font script="Geor" typeface="Sylfaen"/>
+        <a:font script="Armn" typeface="Arial"/>
+        <a:font script="Bugi" typeface="Leelawadee UI"/>
+        <a:font script="Bopo" typeface="Microsoft JhengHei"/>
+        <a:font script="Java" typeface="Javanese Text"/>
+        <a:font script="Lisu" typeface="Segoe UI"/>
+        <a:font script="Mymr" typeface="Myanmar Text"/>
+        <a:font script="Nkoo" typeface="Ebrima"/>
+        <a:font script="Olck" typeface="Nirmala UI"/>
+        <a:font script="Osma" typeface="Ebrima"/>
+        <a:font script="Phag" typeface="Phagspa"/>
+        <a:font script="Syrn" typeface="Estrangelo Edessa"/>
+        <a:font script="Syrj" typeface="Estrangelo Edessa"/>
+        <a:font script="Syre" typeface="Estrangelo Edessa"/>
+        <a:font script="Sora" typeface="Nirmala UI"/>
+        <a:font script="Tale" typeface="Microsoft Tai Le"/>
+        <a:font script="Talu" typeface="Microsoft New Tai Lue"/>
+        <a:font script="Tfng" typeface="Ebrima"/>
+      </a:majorFont>
+      <a:minorFont>
+        <a:latin typeface="Aptos" panose="02110004020202020204"/>
+        <a:ea typeface=""/>
+        <a:cs typeface=""/>
+        <a:font script="Jpan" typeface="游ゴシック"/>
+        <a:font script="Hang" typeface="맑은 고딕"/>
+        <a:font script="Hans" typeface="等线"/>
+        <a:font script="Hant" typeface="新細明體"/>
+        <a:font script="Arab" typeface="Arial"/>
+        <a:font script="Hebr" typeface="Arial"/>
+        <a:font script="Thai" typeface="Cordia New"/>
+        <a:font script="Ethi" typeface="Nyala"/>
+        <a:font script="Beng" typeface="Vrinda"/>
+        <a:font script="Gujr" typeface="Shruti"/>
+        <a:font script="Khmr" typeface="DaunPenh"/>
+        <a:font script="Knda" typeface="Tunga"/>
+        <a:font script="Guru" typeface="Raavi"/>
+        <a:font script="Cans" typeface="Euphemia"/>
+        <a:font script="Cher" typeface="Plantagenet Cherokee"/>
+        <a:font script="Yiii" typeface="Microsoft Yi Baiti"/>
+        <a:font script="Tibt" typeface="Microsoft Himalaya"/>
+        <a:font script="Thaa" typeface="MV Boli"/>
+        <a:font script="Deva" typeface="Mangal"/>
+        <a:font script="Telu" typeface="Gautami"/>
+        <a:font script="Taml" typeface="Latha"/>
+        <a:font script="Syrc" typeface="Estrangelo Edessa"/>
+        <a:font script="Orya" typeface="Kalinga"/>
+        <a:font script="Mlym" typeface="Kartika"/>
+        <a:font script="Laoo" typeface="DokChampa"/>
+        <a:font script="Sinh" typeface="Iskoola Pota"/>
+        <a:font script="Mong" typeface="Mongolian Baiti"/>
+        <a:font script="Viet" typeface="Arial"/>
+        <a:font script="Uigh" typeface="Microsoft Uighur"/>
+        <a:font script="Geor" typeface="Sylfaen"/>
+        <a:font script="Armn" typeface="Arial"/>
+        <a:font script="Bugi" typeface="Leelawadee UI"/>
+        <a:font script="Bopo" typeface="Microsoft JhengHei"/>
+        <a:font script="Java" typeface="Javanese Text"/>
+        <a:font script="Lisu" typeface="Segoe UI"/>
+        <a:font script="Mymr" typeface="Myanmar Text"/>
+        <a:font script="Nkoo" typeface="Ebrima"/>
+        <a:font script="Olck" typeface="Nirmala UI"/>
+        <a:font script="Osma" typeface="Ebrima"/>
+        <a:font script="Phag" typeface="Phagspa"/>
+        <a:font script="Syrn" typeface="Estrangelo Edessa"/>
+        <a:font script="Syrj" typeface="Estrangelo Edessa"/>
+        <a:font script="Syre" typeface="Estrangelo Edessa"/>
+        <a:font script="Sora" typeface="Nirmala UI"/>
+        <a:font script="Tale" typeface="Microsoft Tai Le"/>
+        <a:font script="Talu" typeface="Microsoft New Tai Lue"/>
+        <a:font script="Tfng" typeface="Ebrima"/>
+      </a:minorFont>
+    </a:fontScheme>
+    <a:fmtScheme name="Office">
+      <a:fillStyleLst>
+        <a:solidFill>
+          <a:schemeClr val="phClr"/>
+        </a:solidFill>
+        <a:gradFill rotWithShape="1">
+          <a:gsLst>
+            <a:gs pos="0">
+              <a:schemeClr val="phClr">
+                <a:lumMod val="110000"/>
+                <a:satMod val="105000"/>
+                <a:tint val="67000"/>
+              </a:schemeClr>
+            </a:gs>
+            <a:gs pos="50000">
+              <a:schemeClr val="phClr">
+                <a:lumMod val="105000"/>
+                <a:satMod val="103000"/>
+                <a:tint val="73000"/>
+              </a:schemeClr>
+            </a:gs>
+            <a:gs pos="100000">
+              <a:schemeClr val="phClr">
+                <a:lumMod val="105000"/>
+                <a:satMod val="109000"/>
+                <a:tint val="81000"/>
+              </a:schemeClr>
+            </a:gs>
+          </a:gsLst>
+          <a:lin ang="5400000" scaled="0"/>
+        </a:gradFill>
+        <a:gradFill rotWithShape="1">
+          <a:gsLst>
+            <a:gs pos="0">
+              <a:schemeClr val="phClr">
+                <a:satMod val="103000"/>
+                <a:lumMod val="102000"/>
+                <a:tint val="94000"/>
+              </a:schemeClr>
+            </a:gs>
+            <a:gs pos="50000">
+              <a:schemeClr val="phClr">
+                <a:satMod val="110000"/>
+                <a:lumMod val="100000"/>
+                <a:shade val="100000"/>
+              </a:schemeClr>
+            </a:gs>
+            <a:gs pos="100000">
+              <a:schemeClr val="phClr">
+                <a:lumMod val="99000"/>
+                <a:satMod val="120000"/>
+                <a:shade val="78000"/>
+              </a:schemeClr>
+            </a:gs>
+          </a:gsLst>
+          <a:lin ang="5400000" scaled="0"/>
+        </a:gradFill>
+      </a:fillStyleLst>
+      <a:lnStyleLst>
+        <a:ln w="12700" cap="flat" cmpd="sng" algn="ctr">
+          <a:solidFill>
+            <a:schemeClr val="phClr"/>
+          </a:solidFill>
+          <a:prstDash val="solid"/>
+          <a:miter lim="800000"/>
+        </a:ln>
+        <a:ln w="19050" cap="flat" cmpd="sng" algn="ctr">
+          <a:solidFill>
+            <a:schemeClr val="phClr"/>
+          </a:solidFill>
+          <a:prstDash val="solid"/>
+          <a:miter lim="800000"/>
+        </a:ln>
+        <a:ln w="25400" cap="flat" cmpd="sng" algn="ctr">
+          <a:solidFill>
+            <a:schemeClr val="phClr"/>
+          </a:solidFill>
+          <a:prstDash val="solid"/>
+          <a:miter lim="800000"/>
+        </a:ln>
+      </a:lnStyleLst>
+      <a:effectStyleLst>
+        <a:effectStyle>
+          <a:effectLst/>
+        </a:effectStyle>
+        <a:effectStyle>
+          <a:effectLst/>
+        </a:effectStyle>
+        <a:effectStyle>
+          <a:effectLst>
+            <a:outerShdw blurRad="57150" dist="19050" dir="5400000" algn="ctr" rotWithShape="0">
+              <a:srgbClr val="000000">
+                <a:alpha val="63000"/>
+              </a:srgbClr>
+            </a:outerShdw>
+          </a:effectLst>
+        </a:effectStyle>
+      </a:effectStyleLst>
+      <a:bgFillStyleLst>
+        <a:solidFill>
+          <a:schemeClr val="phClr"/>
+        </a:solidFill>
+        <a:solidFill>
+          <a:schemeClr val="phClr">
+            <a:tint val="95000"/>
+            <a:satMod val="170000"/>
+          </a:schemeClr>
+        </a:solidFill>
+        <a:gradFill rotWithShape="1">
+          <a:gsLst>
+            <a:gs pos="0">
+              <a:schemeClr val="phClr">
+                <a:tint val="93000"/>
+                <a:satMod val="150000"/>
+                <a:shade val="98000"/>
+                <a:lumMod val="102000"/>
+              </a:schemeClr>
+            </a:gs>
+            <a:gs pos="50000">
+              <a:schemeClr val="phClr">
+                <a:tint val="98000"/>
+                <a:satMod val="130000"/>
+                <a:shade val="90000"/>
+                <a:lumMod val="103000"/>
+              </a:schemeClr>
+            </a:gs>
+            <a:gs pos="100000">
+              <a:schemeClr val="phClr">
+                <a:shade val="63000"/>
+                <a:satMod val="120000"/>
+              </a:schemeClr>
+            </a:gs>
+          </a:gsLst>
+          <a:lin ang="5400000" scaled="0"/>
+        </a:gradFill>
+      </a:bgFillStyleLst>
+    </a:fmtScheme>
+  </a:themeElements>
+  <a:objectDefaults>
+    <a:lnDef>
+      <a:spPr/>
+      <a:bodyPr/>
+      <a:lstStyle/>
+      <a:style>
+        <a:lnRef idx="2">
+          <a:schemeClr val="accent1"/>
+        </a:lnRef>
+        <a:fillRef idx="0">
+          <a:schemeClr val="accent1"/>
+        </a:fillRef>
+        <a:effectRef idx="1">
+          <a:schemeClr val="accent1"/>
+        </a:effectRef>
+        <a:fontRef idx="minor">
+          <a:schemeClr val="tx1"/>
+        </a:fontRef>
+      </a:style>
+    </a:lnDef>
+  </a:objectDefaults>
+  <a:extraClrSchemeLst/>
+  <a:extLst>
+    <a:ext uri="{05A4C25C-085E-4340-85A3-A5531E510DB2}">
+      <thm15:themeFamily xmlns:thm15="http://schemas.microsoft.com/office/thememl/2012/main" name="Office Theme" id="{2E142A2C-CD16-42D6-873A-C26D2A0506FA}" vid="{1BDDFF52-6CD6-40A5-AB3C-68EB2F1E4D0A}"/>
+    </a:ext>
+  </a:extLst>
+</a:theme>
 </file>
--- a/Durchstich Vortrag.pptx
+++ b/Durchstich Vortrag.pptx
@@ -121,6 +121,3048 @@
 </p:presentation>
 </file>
 
+<file path=ppt/revisionInfo.xml><?xml version="1.0" encoding="utf-8"?>
+<p1510:revInfo xmlns:a="http://schemas.openxmlformats.org/drawingml/2006/main" xmlns:r="http://schemas.openxmlformats.org/officeDocument/2006/relationships" xmlns:p1510="http://schemas.microsoft.com/office/powerpoint/2015/10/main">
+  <p1510:revLst>
+    <p1510:client id="{613702A7-9DB3-449F-9CF5-799F5E55BFA4}" v="454" dt="2024-06-11T12:06:37.655"/>
+  </p1510:revLst>
+</p1510:revInfo>
+</file>
+
+<file path=ppt/changesInfos/changesInfo1.xml><?xml version="1.0" encoding="utf-8"?>
+<pc:chgInfo xmlns:a="http://schemas.openxmlformats.org/drawingml/2006/main" xmlns:r="http://schemas.openxmlformats.org/officeDocument/2006/relationships" xmlns:ac="http://schemas.microsoft.com/office/drawing/2013/main/command" xmlns:pc="http://schemas.microsoft.com/office/powerpoint/2013/main/command">
+  <pc:docChgLst>
+    <pc:chgData name="Lars Lafleur" userId="a0e371033217b6e9" providerId="LiveId" clId="{613702A7-9DB3-449F-9CF5-799F5E55BFA4}"/>
+    <pc:docChg chg="undo redo custSel addSld delSld modSld">
+      <pc:chgData name="Lars Lafleur" userId="a0e371033217b6e9" providerId="LiveId" clId="{613702A7-9DB3-449F-9CF5-799F5E55BFA4}" dt="2024-06-11T12:14:59.149" v="1301" actId="20577"/>
+      <pc:docMkLst>
+        <pc:docMk/>
+      </pc:docMkLst>
+      <pc:sldChg chg="addSp delSp modSp mod">
+        <pc:chgData name="Lars Lafleur" userId="a0e371033217b6e9" providerId="LiveId" clId="{613702A7-9DB3-449F-9CF5-799F5E55BFA4}" dt="2024-06-11T12:14:59.149" v="1301" actId="20577"/>
+        <pc:sldMkLst>
+          <pc:docMk/>
+          <pc:sldMk cId="4226524386" sldId="259"/>
+        </pc:sldMkLst>
+        <pc:spChg chg="del mod">
+          <ac:chgData name="Lars Lafleur" userId="a0e371033217b6e9" providerId="LiveId" clId="{613702A7-9DB3-449F-9CF5-799F5E55BFA4}" dt="2024-06-11T12:01:34.423" v="754" actId="478"/>
+          <ac:spMkLst>
+            <pc:docMk/>
+            <pc:sldMk cId="4226524386" sldId="259"/>
+            <ac:spMk id="3" creationId="{79C3424A-11A3-F2D2-7DB8-CBC0256484A1}"/>
+          </ac:spMkLst>
+        </pc:spChg>
+        <pc:spChg chg="add del mod">
+          <ac:chgData name="Lars Lafleur" userId="a0e371033217b6e9" providerId="LiveId" clId="{613702A7-9DB3-449F-9CF5-799F5E55BFA4}" dt="2024-06-11T11:14:49.981" v="208" actId="478"/>
+          <ac:spMkLst>
+            <pc:docMk/>
+            <pc:sldMk cId="4226524386" sldId="259"/>
+            <ac:spMk id="7" creationId="{381D39ED-87CB-5E3D-C2FC-A7E3B4363AC7}"/>
+          </ac:spMkLst>
+        </pc:spChg>
+        <pc:spChg chg="add del mod">
+          <ac:chgData name="Lars Lafleur" userId="a0e371033217b6e9" providerId="LiveId" clId="{613702A7-9DB3-449F-9CF5-799F5E55BFA4}" dt="2024-06-11T12:01:36.311" v="755" actId="478"/>
+          <ac:spMkLst>
+            <pc:docMk/>
+            <pc:sldMk cId="4226524386" sldId="259"/>
+            <ac:spMk id="13" creationId="{5715849B-9D7F-2DB3-7E5B-88FAE0AB7DEF}"/>
+          </ac:spMkLst>
+        </pc:spChg>
+        <pc:spChg chg="add mod">
+          <ac:chgData name="Lars Lafleur" userId="a0e371033217b6e9" providerId="LiveId" clId="{613702A7-9DB3-449F-9CF5-799F5E55BFA4}" dt="2024-06-11T12:14:59.149" v="1301" actId="20577"/>
+          <ac:spMkLst>
+            <pc:docMk/>
+            <pc:sldMk cId="4226524386" sldId="259"/>
+            <ac:spMk id="16" creationId="{2A98EDB6-1737-F42F-5509-EF34F43B364E}"/>
+          </ac:spMkLst>
+        </pc:spChg>
+        <pc:graphicFrameChg chg="add del mod modGraphic">
+          <ac:chgData name="Lars Lafleur" userId="a0e371033217b6e9" providerId="LiveId" clId="{613702A7-9DB3-449F-9CF5-799F5E55BFA4}" dt="2024-06-11T11:59:58.967" v="744" actId="478"/>
+          <ac:graphicFrameMkLst>
+            <pc:docMk/>
+            <pc:sldMk cId="4226524386" sldId="259"/>
+            <ac:graphicFrameMk id="8" creationId="{5ABD1723-52FA-4624-8C53-EA89D3438CB6}"/>
+          </ac:graphicFrameMkLst>
+        </pc:graphicFrameChg>
+        <pc:graphicFrameChg chg="add del modGraphic">
+          <ac:chgData name="Lars Lafleur" userId="a0e371033217b6e9" providerId="LiveId" clId="{613702A7-9DB3-449F-9CF5-799F5E55BFA4}" dt="2024-06-11T11:18:56.072" v="229" actId="1032"/>
+          <ac:graphicFrameMkLst>
+            <pc:docMk/>
+            <pc:sldMk cId="4226524386" sldId="259"/>
+            <ac:graphicFrameMk id="9" creationId="{B4CD9319-CD75-7D81-1340-DB17271323D9}"/>
+          </ac:graphicFrameMkLst>
+        </pc:graphicFrameChg>
+        <pc:graphicFrameChg chg="add mod">
+          <ac:chgData name="Lars Lafleur" userId="a0e371033217b6e9" providerId="LiveId" clId="{613702A7-9DB3-449F-9CF5-799F5E55BFA4}" dt="2024-06-11T12:00:36.679" v="750" actId="14100"/>
+          <ac:graphicFrameMkLst>
+            <pc:docMk/>
+            <pc:sldMk cId="4226524386" sldId="259"/>
+            <ac:graphicFrameMk id="10" creationId="{B12BD933-0EE6-3919-88FD-1E3C9E11C5AB}"/>
+          </ac:graphicFrameMkLst>
+        </pc:graphicFrameChg>
+        <pc:graphicFrameChg chg="add mod modGraphic">
+          <ac:chgData name="Lars Lafleur" userId="a0e371033217b6e9" providerId="LiveId" clId="{613702A7-9DB3-449F-9CF5-799F5E55BFA4}" dt="2024-06-11T12:00:36.679" v="750" actId="14100"/>
+          <ac:graphicFrameMkLst>
+            <pc:docMk/>
+            <pc:sldMk cId="4226524386" sldId="259"/>
+            <ac:graphicFrameMk id="11" creationId="{92CA9CAC-FF55-6749-0F6E-3F989ECEC95B}"/>
+          </ac:graphicFrameMkLst>
+        </pc:graphicFrameChg>
+        <pc:graphicFrameChg chg="add mod">
+          <ac:chgData name="Lars Lafleur" userId="a0e371033217b6e9" providerId="LiveId" clId="{613702A7-9DB3-449F-9CF5-799F5E55BFA4}" dt="2024-06-11T12:03:56.559" v="762" actId="14100"/>
+          <ac:graphicFrameMkLst>
+            <pc:docMk/>
+            <pc:sldMk cId="4226524386" sldId="259"/>
+            <ac:graphicFrameMk id="14" creationId="{BB7C9777-D33D-3B70-4005-A2CAC3FDA5AF}"/>
+          </ac:graphicFrameMkLst>
+        </pc:graphicFrameChg>
+        <pc:graphicFrameChg chg="add mod modGraphic">
+          <ac:chgData name="Lars Lafleur" userId="a0e371033217b6e9" providerId="LiveId" clId="{613702A7-9DB3-449F-9CF5-799F5E55BFA4}" dt="2024-06-11T12:14:47.482" v="1300" actId="20577"/>
+          <ac:graphicFrameMkLst>
+            <pc:docMk/>
+            <pc:sldMk cId="4226524386" sldId="259"/>
+            <ac:graphicFrameMk id="15" creationId="{E58D3868-3BBA-1956-F9A5-A5932B3023D6}"/>
+          </ac:graphicFrameMkLst>
+        </pc:graphicFrameChg>
+      </pc:sldChg>
+      <pc:sldChg chg="addSp delSp modSp new del mod">
+        <pc:chgData name="Lars Lafleur" userId="a0e371033217b6e9" providerId="LiveId" clId="{613702A7-9DB3-449F-9CF5-799F5E55BFA4}" dt="2024-06-11T11:21:29.555" v="301" actId="680"/>
+        <pc:sldMkLst>
+          <pc:docMk/>
+          <pc:sldMk cId="2056177342" sldId="263"/>
+        </pc:sldMkLst>
+        <pc:spChg chg="add del">
+          <ac:chgData name="Lars Lafleur" userId="a0e371033217b6e9" providerId="LiveId" clId="{613702A7-9DB3-449F-9CF5-799F5E55BFA4}" dt="2024-06-11T11:21:29.162" v="300" actId="1032"/>
+          <ac:spMkLst>
+            <pc:docMk/>
+            <pc:sldMk cId="2056177342" sldId="263"/>
+            <ac:spMk id="3" creationId="{E994C489-C921-467B-0B33-4BE94CB2C64C}"/>
+          </ac:spMkLst>
+        </pc:spChg>
+        <pc:graphicFrameChg chg="add del mod modGraphic">
+          <ac:chgData name="Lars Lafleur" userId="a0e371033217b6e9" providerId="LiveId" clId="{613702A7-9DB3-449F-9CF5-799F5E55BFA4}" dt="2024-06-11T11:21:29.162" v="300" actId="1032"/>
+          <ac:graphicFrameMkLst>
+            <pc:docMk/>
+            <pc:sldMk cId="2056177342" sldId="263"/>
+            <ac:graphicFrameMk id="7" creationId="{A111E2D5-F8F6-700C-1361-6C87C122DDA7}"/>
+          </ac:graphicFrameMkLst>
+        </pc:graphicFrameChg>
+      </pc:sldChg>
+      <pc:sldChg chg="addSp delSp modSp new add del mod">
+        <pc:chgData name="Lars Lafleur" userId="a0e371033217b6e9" providerId="LiveId" clId="{613702A7-9DB3-449F-9CF5-799F5E55BFA4}" dt="2024-06-11T12:03:43.691" v="761" actId="47"/>
+        <pc:sldMkLst>
+          <pc:docMk/>
+          <pc:sldMk cId="3144000383" sldId="263"/>
+        </pc:sldMkLst>
+        <pc:spChg chg="mod">
+          <ac:chgData name="Lars Lafleur" userId="a0e371033217b6e9" providerId="LiveId" clId="{613702A7-9DB3-449F-9CF5-799F5E55BFA4}" dt="2024-06-11T11:59:24.813" v="742" actId="20577"/>
+          <ac:spMkLst>
+            <pc:docMk/>
+            <pc:sldMk cId="3144000383" sldId="263"/>
+            <ac:spMk id="2" creationId="{8CF99EC7-AF7F-4497-1503-006DDBB8ACF2}"/>
+          </ac:spMkLst>
+        </pc:spChg>
+        <pc:spChg chg="add del">
+          <ac:chgData name="Lars Lafleur" userId="a0e371033217b6e9" providerId="LiveId" clId="{613702A7-9DB3-449F-9CF5-799F5E55BFA4}" dt="2024-06-11T11:27:41.796" v="314" actId="1032"/>
+          <ac:spMkLst>
+            <pc:docMk/>
+            <pc:sldMk cId="3144000383" sldId="263"/>
+            <ac:spMk id="3" creationId="{9DD62779-AA08-550E-0C08-D7214AE873E4}"/>
+          </ac:spMkLst>
+        </pc:spChg>
+        <pc:graphicFrameChg chg="add del mod modGraphic">
+          <ac:chgData name="Lars Lafleur" userId="a0e371033217b6e9" providerId="LiveId" clId="{613702A7-9DB3-449F-9CF5-799F5E55BFA4}" dt="2024-06-11T11:26:35.819" v="310" actId="1032"/>
+          <ac:graphicFrameMkLst>
+            <pc:docMk/>
+            <pc:sldMk cId="3144000383" sldId="263"/>
+            <ac:graphicFrameMk id="7" creationId="{A5C53393-FE2C-5EE5-35E5-DCD1C1E0BCD9}"/>
+          </ac:graphicFrameMkLst>
+        </pc:graphicFrameChg>
+        <pc:graphicFrameChg chg="add del mod modGraphic">
+          <ac:chgData name="Lars Lafleur" userId="a0e371033217b6e9" providerId="LiveId" clId="{613702A7-9DB3-449F-9CF5-799F5E55BFA4}" dt="2024-06-11T11:27:14.891" v="313" actId="1032"/>
+          <ac:graphicFrameMkLst>
+            <pc:docMk/>
+            <pc:sldMk cId="3144000383" sldId="263"/>
+            <ac:graphicFrameMk id="8" creationId="{95C0E56F-D6A9-16B3-1E29-5A3C6C468359}"/>
+          </ac:graphicFrameMkLst>
+        </pc:graphicFrameChg>
+        <pc:graphicFrameChg chg="add mod modGraphic">
+          <ac:chgData name="Lars Lafleur" userId="a0e371033217b6e9" providerId="LiveId" clId="{613702A7-9DB3-449F-9CF5-799F5E55BFA4}" dt="2024-06-11T12:01:51.673" v="756" actId="14100"/>
+          <ac:graphicFrameMkLst>
+            <pc:docMk/>
+            <pc:sldMk cId="3144000383" sldId="263"/>
+            <ac:graphicFrameMk id="9" creationId="{E9CF37B8-0817-8F1A-E458-4E11EFF8C64B}"/>
+          </ac:graphicFrameMkLst>
+        </pc:graphicFrameChg>
+        <pc:graphicFrameChg chg="add mod modGraphic">
+          <ac:chgData name="Lars Lafleur" userId="a0e371033217b6e9" providerId="LiveId" clId="{613702A7-9DB3-449F-9CF5-799F5E55BFA4}" dt="2024-06-11T11:58:10.118" v="734"/>
+          <ac:graphicFrameMkLst>
+            <pc:docMk/>
+            <pc:sldMk cId="3144000383" sldId="263"/>
+            <ac:graphicFrameMk id="10" creationId="{4F2B0E2E-CA90-363C-5BF0-5548D8885B44}"/>
+          </ac:graphicFrameMkLst>
+        </pc:graphicFrameChg>
+      </pc:sldChg>
+      <pc:sldChg chg="addSp delSp modSp new del mod">
+        <pc:chgData name="Lars Lafleur" userId="a0e371033217b6e9" providerId="LiveId" clId="{613702A7-9DB3-449F-9CF5-799F5E55BFA4}" dt="2024-06-11T11:31:27.298" v="477" actId="680"/>
+        <pc:sldMkLst>
+          <pc:docMk/>
+          <pc:sldMk cId="1597225465" sldId="264"/>
+        </pc:sldMkLst>
+        <pc:spChg chg="add del">
+          <ac:chgData name="Lars Lafleur" userId="a0e371033217b6e9" providerId="LiveId" clId="{613702A7-9DB3-449F-9CF5-799F5E55BFA4}" dt="2024-06-11T11:31:26.804" v="476" actId="1032"/>
+          <ac:spMkLst>
+            <pc:docMk/>
+            <pc:sldMk cId="1597225465" sldId="264"/>
+            <ac:spMk id="3" creationId="{966EEC38-EBD0-352F-1F34-8E1ED2EB0C25}"/>
+          </ac:spMkLst>
+        </pc:spChg>
+        <pc:graphicFrameChg chg="add del mod modGraphic">
+          <ac:chgData name="Lars Lafleur" userId="a0e371033217b6e9" providerId="LiveId" clId="{613702A7-9DB3-449F-9CF5-799F5E55BFA4}" dt="2024-06-11T11:31:26.804" v="476" actId="1032"/>
+          <ac:graphicFrameMkLst>
+            <pc:docMk/>
+            <pc:sldMk cId="1597225465" sldId="264"/>
+            <ac:graphicFrameMk id="7" creationId="{5525F573-2C23-9064-9C7C-3ABF815D4DE8}"/>
+          </ac:graphicFrameMkLst>
+        </pc:graphicFrameChg>
+      </pc:sldChg>
+      <pc:sldChg chg="new del">
+        <pc:chgData name="Lars Lafleur" userId="a0e371033217b6e9" providerId="LiveId" clId="{613702A7-9DB3-449F-9CF5-799F5E55BFA4}" dt="2024-06-11T12:02:17.584" v="758" actId="47"/>
+        <pc:sldMkLst>
+          <pc:docMk/>
+          <pc:sldMk cId="1992443866" sldId="264"/>
+        </pc:sldMkLst>
+      </pc:sldChg>
+    </pc:docChg>
+  </pc:docChgLst>
+</pc:chgInfo>
+</file>
+
+<file path=ppt/diagrams/colors1.xml><?xml version="1.0" encoding="utf-8"?>
+<dgm:colorsDef xmlns:dgm="http://schemas.openxmlformats.org/drawingml/2006/diagram" xmlns:a="http://schemas.openxmlformats.org/drawingml/2006/main" uniqueId="urn:microsoft.com/office/officeart/2005/8/colors/accent1_2">
+  <dgm:title val=""/>
+  <dgm:desc val=""/>
+  <dgm:catLst>
+    <dgm:cat type="accent1" pri="11200"/>
+  </dgm:catLst>
+  <dgm:styleLbl name="node0">
+    <dgm:fillClrLst meth="repeat">
+      <a:schemeClr val="accent1"/>
+    </dgm:fillClrLst>
+    <dgm:linClrLst meth="repeat">
+      <a:schemeClr val="lt1"/>
+    </dgm:linClrLst>
+    <dgm:effectClrLst/>
+    <dgm:txLinClrLst/>
+    <dgm:txFillClrLst/>
+    <dgm:txEffectClrLst/>
+  </dgm:styleLbl>
+  <dgm:styleLbl name="alignNode1">
+    <dgm:fillClrLst meth="repeat">
+      <a:schemeClr val="accent1"/>
+    </dgm:fillClrLst>
+    <dgm:linClrLst meth="repeat">
+      <a:schemeClr val="accent1"/>
+    </dgm:linClrLst>
+    <dgm:effectClrLst/>
+    <dgm:txLinClrLst/>
+    <dgm:txFillClrLst/>
+    <dgm:txEffectClrLst/>
+  </dgm:styleLbl>
+  <dgm:styleLbl name="node1">
+    <dgm:fillClrLst meth="repeat">
+      <a:schemeClr val="accent1"/>
+    </dgm:fillClrLst>
+    <dgm:linClrLst meth="repeat">
+      <a:schemeClr val="lt1"/>
+    </dgm:linClrLst>
+    <dgm:effectClrLst/>
+    <dgm:txLinClrLst/>
+    <dgm:txFillClrLst/>
+    <dgm:txEffectClrLst/>
+  </dgm:styleLbl>
+  <dgm:styleLbl name="lnNode1">
+    <dgm:fillClrLst meth="repeat">
+      <a:schemeClr val="accent1"/>
+    </dgm:fillClrLst>
+    <dgm:linClrLst meth="repeat">
+      <a:schemeClr val="lt1"/>
+    </dgm:linClrLst>
+    <dgm:effectClrLst/>
+    <dgm:txLinClrLst/>
+    <dgm:txFillClrLst/>
+    <dgm:txEffectClrLst/>
+  </dgm:styleLbl>
+  <dgm:styleLbl name="vennNode1">
+    <dgm:fillClrLst meth="repeat">
+      <a:schemeClr val="accent1">
+        <a:alpha val="50000"/>
+      </a:schemeClr>
+    </dgm:fillClrLst>
+    <dgm:linClrLst meth="repeat">
+      <a:schemeClr val="lt1"/>
+    </dgm:linClrLst>
+    <dgm:effectClrLst/>
+    <dgm:txLinClrLst/>
+    <dgm:txFillClrLst/>
+    <dgm:txEffectClrLst/>
+  </dgm:styleLbl>
+  <dgm:styleLbl name="node2">
+    <dgm:fillClrLst meth="repeat">
+      <a:schemeClr val="accent1"/>
+    </dgm:fillClrLst>
+    <dgm:linClrLst meth="repeat">
+      <a:schemeClr val="lt1"/>
+    </dgm:linClrLst>
+    <dgm:effectClrLst/>
+    <dgm:txLinClrLst/>
+    <dgm:txFillClrLst/>
+    <dgm:txEffectClrLst/>
+  </dgm:styleLbl>
+  <dgm:styleLbl name="node3">
+    <dgm:fillClrLst meth="repeat">
+      <a:schemeClr val="accent1"/>
+    </dgm:fillClrLst>
+    <dgm:linClrLst meth="repeat">
+      <a:schemeClr val="lt1"/>
+    </dgm:linClrLst>
+    <dgm:effectClrLst/>
+    <dgm:txLinClrLst/>
+    <dgm:txFillClrLst/>
+    <dgm:txEffectClrLst/>
+  </dgm:styleLbl>
+  <dgm:styleLbl name="node4">
+    <dgm:fillClrLst meth="repeat">
+      <a:schemeClr val="accent1"/>
+    </dgm:fillClrLst>
+    <dgm:linClrLst meth="repeat">
+      <a:schemeClr val="lt1"/>
+    </dgm:linClrLst>
+    <dgm:effectClrLst/>
+    <dgm:txLinClrLst/>
+    <dgm:txFillClrLst/>
+    <dgm:txEffectClrLst/>
+  </dgm:styleLbl>
+  <dgm:styleLbl name="fgImgPlace1">
+    <dgm:fillClrLst meth="repeat">
+      <a:schemeClr val="accent1">
+        <a:tint val="50000"/>
+      </a:schemeClr>
+    </dgm:fillClrLst>
+    <dgm:linClrLst meth="repeat">
+      <a:schemeClr val="lt1"/>
+    </dgm:linClrLst>
+    <dgm:effectClrLst/>
+    <dgm:txLinClrLst/>
+    <dgm:txFillClrLst meth="repeat">
+      <a:schemeClr val="lt1"/>
+    </dgm:txFillClrLst>
+    <dgm:txEffectClrLst/>
+  </dgm:styleLbl>
+  <dgm:styleLbl name="alignImgPlace1">
+    <dgm:fillClrLst meth="repeat">
+      <a:schemeClr val="accent1">
+        <a:tint val="50000"/>
+      </a:schemeClr>
+    </dgm:fillClrLst>
+    <dgm:linClrLst meth="repeat">
+      <a:schemeClr val="lt1"/>
+    </dgm:linClrLst>
+    <dgm:effectClrLst/>
+    <dgm:txLinClrLst/>
+    <dgm:txFillClrLst meth="repeat">
+      <a:schemeClr val="lt1"/>
+    </dgm:txFillClrLst>
+    <dgm:txEffectClrLst/>
+  </dgm:styleLbl>
+  <dgm:styleLbl name="bgImgPlace1">
+    <dgm:fillClrLst meth="repeat">
+      <a:schemeClr val="accent1">
+        <a:tint val="50000"/>
+      </a:schemeClr>
+    </dgm:fillClrLst>
+    <dgm:linClrLst meth="repeat">
+      <a:schemeClr val="lt1"/>
+    </dgm:linClrLst>
+    <dgm:effectClrLst/>
+    <dgm:txLinClrLst/>
+    <dgm:txFillClrLst meth="repeat">
+      <a:schemeClr val="lt1"/>
+    </dgm:txFillClrLst>
+    <dgm:txEffectClrLst/>
+  </dgm:styleLbl>
+  <dgm:styleLbl name="sibTrans2D1">
+    <dgm:fillClrLst meth="repeat">
+      <a:schemeClr val="accent1">
+        <a:tint val="60000"/>
+      </a:schemeClr>
+    </dgm:fillClrLst>
+    <dgm:linClrLst meth="repeat">
+      <a:schemeClr val="accent1">
+        <a:tint val="60000"/>
+      </a:schemeClr>
+    </dgm:linClrLst>
+    <dgm:effectClrLst/>
+    <dgm:txLinClrLst/>
+    <dgm:txFillClrLst/>
+    <dgm:txEffectClrLst/>
+  </dgm:styleLbl>
+  <dgm:styleLbl name="fgSibTrans2D1">
+    <dgm:fillClrLst meth="repeat">
+      <a:schemeClr val="accent1">
+        <a:tint val="60000"/>
+      </a:schemeClr>
+    </dgm:fillClrLst>
+    <dgm:linClrLst meth="repeat">
+      <a:schemeClr val="accent1">
+        <a:tint val="60000"/>
+      </a:schemeClr>
+    </dgm:linClrLst>
+    <dgm:effectClrLst/>
+    <dgm:txLinClrLst/>
+    <dgm:txFillClrLst/>
+    <dgm:txEffectClrLst/>
+  </dgm:styleLbl>
+  <dgm:styleLbl name="bgSibTrans2D1">
+    <dgm:fillClrLst meth="repeat">
+      <a:schemeClr val="accent1">
+        <a:tint val="60000"/>
+      </a:schemeClr>
+    </dgm:fillClrLst>
+    <dgm:linClrLst meth="repeat">
+      <a:schemeClr val="accent1">
+        <a:tint val="60000"/>
+      </a:schemeClr>
+    </dgm:linClrLst>
+    <dgm:effectClrLst/>
+    <dgm:txLinClrLst/>
+    <dgm:txFillClrLst/>
+    <dgm:txEffectClrLst/>
+  </dgm:styleLbl>
+  <dgm:styleLbl name="sibTrans1D1">
+    <dgm:fillClrLst meth="repeat">
+      <a:schemeClr val="accent1"/>
+    </dgm:fillClrLst>
+    <dgm:linClrLst meth="repeat">
+      <a:schemeClr val="accent1"/>
+    </dgm:linClrLst>
+    <dgm:effectClrLst/>
+    <dgm:txLinClrLst/>
+    <dgm:txFillClrLst meth="repeat">
+      <a:schemeClr val="tx1"/>
+    </dgm:txFillClrLst>
+    <dgm:txEffectClrLst/>
+  </dgm:styleLbl>
+  <dgm:styleLbl name="callout">
+    <dgm:fillClrLst meth="repeat">
+      <a:schemeClr val="accent1"/>
+    </dgm:fillClrLst>
+    <dgm:linClrLst meth="repeat">
+      <a:schemeClr val="accent1">
+        <a:tint val="50000"/>
+      </a:schemeClr>
+    </dgm:linClrLst>
+    <dgm:effectClrLst/>
+    <dgm:txLinClrLst/>
+    <dgm:txFillClrLst meth="repeat">
+      <a:schemeClr val="tx1"/>
+    </dgm:txFillClrLst>
+    <dgm:txEffectClrLst/>
+  </dgm:styleLbl>
+  <dgm:styleLbl name="asst0">
+    <dgm:fillClrLst meth="repeat">
+      <a:schemeClr val="accent1"/>
+    </dgm:fillClrLst>
+    <dgm:linClrLst meth="repeat">
+      <a:schemeClr val="lt1"/>
+    </dgm:linClrLst>
+    <dgm:effectClrLst/>
+    <dgm:txLinClrLst/>
+    <dgm:txFillClrLst/>
+    <dgm:txEffectClrLst/>
+  </dgm:styleLbl>
+  <dgm:styleLbl name="asst1">
+    <dgm:fillClrLst meth="repeat">
+      <a:schemeClr val="accent1"/>
+    </dgm:fillClrLst>
+    <dgm:linClrLst meth="repeat">
+      <a:schemeClr val="lt1"/>
+    </dgm:linClrLst>
+    <dgm:effectClrLst/>
+    <dgm:txLinClrLst/>
+    <dgm:txFillClrLst/>
+    <dgm:txEffectClrLst/>
+  </dgm:styleLbl>
+  <dgm:styleLbl name="asst2">
+    <dgm:fillClrLst meth="repeat">
+      <a:schemeClr val="accent1"/>
+    </dgm:fillClrLst>
+    <dgm:linClrLst meth="repeat">
+      <a:schemeClr val="lt1"/>
+    </dgm:linClrLst>
+    <dgm:effectClrLst/>
+    <dgm:txLinClrLst/>
+    <dgm:txFillClrLst/>
+    <dgm:txEffectClrLst/>
+  </dgm:styleLbl>
+  <dgm:styleLbl name="asst3">
+    <dgm:fillClrLst meth="repeat">
+      <a:schemeClr val="accent1"/>
+    </dgm:fillClrLst>
+    <dgm:linClrLst meth="repeat">
+      <a:schemeClr val="lt1"/>
+    </dgm:linClrLst>
+    <dgm:effectClrLst/>
+    <dgm:txLinClrLst/>
+    <dgm:txFillClrLst/>
+    <dgm:txEffectClrLst/>
+  </dgm:styleLbl>
+  <dgm:styleLbl name="asst4">
+    <dgm:fillClrLst meth="repeat">
+      <a:schemeClr val="accent1"/>
+    </dgm:fillClrLst>
+    <dgm:linClrLst meth="repeat">
+      <a:schemeClr val="lt1"/>
+    </dgm:linClrLst>
+    <dgm:effectClrLst/>
+    <dgm:txLinClrLst/>
+    <dgm:txFillClrLst/>
+    <dgm:txEffectClrLst/>
+  </dgm:styleLbl>
+  <dgm:styleLbl name="parChTrans2D1">
+    <dgm:fillClrLst meth="repeat">
+      <a:schemeClr val="accent1">
+        <a:tint val="60000"/>
+      </a:schemeClr>
+    </dgm:fillClrLst>
+    <dgm:linClrLst meth="repeat">
+      <a:schemeClr val="accent1">
+        <a:tint val="60000"/>
+      </a:schemeClr>
+    </dgm:linClrLst>
+    <dgm:effectClrLst/>
+    <dgm:txLinClrLst/>
+    <dgm:txFillClrLst meth="repeat">
+      <a:schemeClr val="lt1"/>
+    </dgm:txFillClrLst>
+    <dgm:txEffectClrLst/>
+  </dgm:styleLbl>
+  <dgm:styleLbl name="parChTrans2D2">
+    <dgm:fillClrLst meth="repeat">
+      <a:schemeClr val="accent1"/>
+    </dgm:fillClrLst>
+    <dgm:linClrLst meth="repeat">
+      <a:schemeClr val="accent1"/>
+    </dgm:linClrLst>
+    <dgm:effectClrLst/>
+    <dgm:txLinClrLst/>
+    <dgm:txFillClrLst meth="repeat">
+      <a:schemeClr val="lt1"/>
+    </dgm:txFillClrLst>
+    <dgm:txEffectClrLst/>
+  </dgm:styleLbl>
+  <dgm:styleLbl name="parChTrans2D3">
+    <dgm:fillClrLst meth="repeat">
+      <a:schemeClr val="accent1"/>
+    </dgm:fillClrLst>
+    <dgm:linClrLst meth="repeat">
+      <a:schemeClr val="accent1"/>
+    </dgm:linClrLst>
+    <dgm:effectClrLst/>
+    <dgm:txLinClrLst/>
+    <dgm:txFillClrLst meth="repeat">
+      <a:schemeClr val="lt1"/>
+    </dgm:txFillClrLst>
+    <dgm:txEffectClrLst/>
+  </dgm:styleLbl>
+  <dgm:styleLbl name="parChTrans2D4">
+    <dgm:fillClrLst meth="repeat">
+      <a:schemeClr val="accent1"/>
+    </dgm:fillClrLst>
+    <dgm:linClrLst meth="repeat">
+      <a:schemeClr val="accent1"/>
+    </dgm:linClrLst>
+    <dgm:effectClrLst/>
+    <dgm:txLinClrLst/>
+    <dgm:txFillClrLst meth="repeat">
+      <a:schemeClr val="lt1"/>
+    </dgm:txFillClrLst>
+    <dgm:txEffectClrLst/>
+  </dgm:styleLbl>
+  <dgm:styleLbl name="parChTrans1D1">
+    <dgm:fillClrLst meth="repeat">
+      <a:schemeClr val="accent1"/>
+    </dgm:fillClrLst>
+    <dgm:linClrLst meth="repeat">
+      <a:schemeClr val="accent1">
+        <a:shade val="60000"/>
+      </a:schemeClr>
+    </dgm:linClrLst>
+    <dgm:effectClrLst/>
+    <dgm:txLinClrLst/>
+    <dgm:txFillClrLst meth="repeat">
+      <a:schemeClr val="tx1"/>
+    </dgm:txFillClrLst>
+    <dgm:txEffectClrLst/>
+  </dgm:styleLbl>
+  <dgm:styleLbl name="parChTrans1D2">
+    <dgm:fillClrLst meth="repeat">
+      <a:schemeClr val="accent1"/>
+    </dgm:fillClrLst>
+    <dgm:linClrLst meth="repeat">
+      <a:schemeClr val="accent1">
+        <a:shade val="60000"/>
+      </a:schemeClr>
+    </dgm:linClrLst>
+    <dgm:effectClrLst/>
+    <dgm:txLinClrLst/>
+    <dgm:txFillClrLst meth="repeat">
+      <a:schemeClr val="tx1"/>
+    </dgm:txFillClrLst>
+    <dgm:txEffectClrLst/>
+  </dgm:styleLbl>
+  <dgm:styleLbl name="parChTrans1D3">
+    <dgm:fillClrLst meth="repeat">
+      <a:schemeClr val="accent1"/>
+    </dgm:fillClrLst>
+    <dgm:linClrLst meth="repeat">
+      <a:schemeClr val="accent1">
+        <a:shade val="80000"/>
+      </a:schemeClr>
+    </dgm:linClrLst>
+    <dgm:effectClrLst/>
+    <dgm:txLinClrLst/>
+    <dgm:txFillClrLst meth="repeat">
+      <a:schemeClr val="tx1"/>
+    </dgm:txFillClrLst>
+    <dgm:txEffectClrLst/>
+  </dgm:styleLbl>
+  <dgm:styleLbl name="parChTrans1D4">
+    <dgm:fillClrLst meth="repeat">
+      <a:schemeClr val="accent1"/>
+    </dgm:fillClrLst>
+    <dgm:linClrLst meth="repeat">
+      <a:schemeClr val="accent1">
+        <a:shade val="80000"/>
+      </a:schemeClr>
+    </dgm:linClrLst>
+    <dgm:effectClrLst/>
+    <dgm:txLinClrLst/>
+    <dgm:txFillClrLst meth="repeat">
+      <a:schemeClr val="tx1"/>
+    </dgm:txFillClrLst>
+    <dgm:txEffectClrLst/>
+  </dgm:styleLbl>
+  <dgm:styleLbl name="fgAcc1">
+    <dgm:fillClrLst meth="repeat">
+      <a:schemeClr val="lt1">
+        <a:alpha val="90000"/>
+      </a:schemeClr>
+    </dgm:fillClrLst>
+    <dgm:linClrLst meth="repeat">
+      <a:schemeClr val="accent1"/>
+    </dgm:linClrLst>
+    <dgm:effectClrLst/>
+    <dgm:txLinClrLst/>
+    <dgm:txFillClrLst meth="repeat">
+      <a:schemeClr val="dk1"/>
+    </dgm:txFillClrLst>
+    <dgm:txEffectClrLst/>
+  </dgm:styleLbl>
+  <dgm:styleLbl name="conFgAcc1">
+    <dgm:fillClrLst meth="repeat">
+      <a:schemeClr val="lt1">
+        <a:alpha val="90000"/>
+      </a:schemeClr>
+    </dgm:fillClrLst>
+    <dgm:linClrLst meth="repeat">
+      <a:schemeClr val="accent1"/>
+    </dgm:linClrLst>
+    <dgm:effectClrLst/>
+    <dgm:txLinClrLst/>
+    <dgm:txFillClrLst meth="repeat">
+      <a:schemeClr val="dk1"/>
+    </dgm:txFillClrLst>
+    <dgm:txEffectClrLst/>
+  </dgm:styleLbl>
+  <dgm:styleLbl name="alignAcc1">
+    <dgm:fillClrLst meth="repeat">
+      <a:schemeClr val="lt1">
+        <a:alpha val="90000"/>
+      </a:schemeClr>
+    </dgm:fillClrLst>
+    <dgm:linClrLst meth="repeat">
+      <a:schemeClr val="accent1"/>
+    </dgm:linClrLst>
+    <dgm:effectClrLst/>
+    <dgm:txLinClrLst/>
+    <dgm:txFillClrLst meth="repeat">
+      <a:schemeClr val="dk1"/>
+    </dgm:txFillClrLst>
+    <dgm:txEffectClrLst/>
+  </dgm:styleLbl>
+  <dgm:styleLbl name="trAlignAcc1">
+    <dgm:fillClrLst meth="repeat">
+      <a:schemeClr val="lt1">
+        <a:alpha val="40000"/>
+      </a:schemeClr>
+    </dgm:fillClrLst>
+    <dgm:linClrLst meth="repeat">
+      <a:schemeClr val="accent1"/>
+    </dgm:linClrLst>
+    <dgm:effectClrLst/>
+    <dgm:txLinClrLst/>
+    <dgm:txFillClrLst meth="repeat">
+      <a:schemeClr val="dk1"/>
+    </dgm:txFillClrLst>
+    <dgm:txEffectClrLst/>
+  </dgm:styleLbl>
+  <dgm:styleLbl name="bgAcc1">
+    <dgm:fillClrLst meth="repeat">
+      <a:schemeClr val="lt1">
+        <a:alpha val="90000"/>
+      </a:schemeClr>
+    </dgm:fillClrLst>
+    <dgm:linClrLst meth="repeat">
+      <a:schemeClr val="accent1"/>
+    </dgm:linClrLst>
+    <dgm:effectClrLst/>
+    <dgm:txLinClrLst/>
+    <dgm:txFillClrLst meth="repeat">
+      <a:schemeClr val="dk1"/>
+    </dgm:txFillClrLst>
+    <dgm:txEffectClrLst/>
+  </dgm:styleLbl>
+  <dgm:styleLbl name="solidFgAcc1">
+    <dgm:fillClrLst meth="repeat">
+      <a:schemeClr val="lt1"/>
+    </dgm:fillClrLst>
+    <dgm:linClrLst meth="repeat">
+      <a:schemeClr val="accent1"/>
+    </dgm:linClrLst>
+    <dgm:effectClrLst/>
+    <dgm:txLinClrLst/>
+    <dgm:txFillClrLst meth="repeat">
+      <a:schemeClr val="dk1"/>
+    </dgm:txFillClrLst>
+    <dgm:txEffectClrLst/>
+  </dgm:styleLbl>
+  <dgm:styleLbl name="solidAlignAcc1">
+    <dgm:fillClrLst meth="repeat">
+      <a:schemeClr val="lt1"/>
+    </dgm:fillClrLst>
+    <dgm:linClrLst meth="repeat">
+      <a:schemeClr val="accent1"/>
+    </dgm:linClrLst>
+    <dgm:effectClrLst/>
+    <dgm:txLinClrLst/>
+    <dgm:txFillClrLst meth="repeat">
+      <a:schemeClr val="dk1"/>
+    </dgm:txFillClrLst>
+    <dgm:txEffectClrLst/>
+  </dgm:styleLbl>
+  <dgm:styleLbl name="solidBgAcc1">
+    <dgm:fillClrLst meth="repeat">
+      <a:schemeClr val="lt1"/>
+    </dgm:fillClrLst>
+    <dgm:linClrLst meth="repeat">
+      <a:schemeClr val="accent1"/>
+    </dgm:linClrLst>
+    <dgm:effectClrLst/>
+    <dgm:txLinClrLst/>
+    <dgm:txFillClrLst meth="repeat">
+      <a:schemeClr val="dk1"/>
+    </dgm:txFillClrLst>
+    <dgm:txEffectClrLst/>
+  </dgm:styleLbl>
+  <dgm:styleLbl name="fgAccFollowNode1">
+    <dgm:fillClrLst meth="repeat">
+      <a:schemeClr val="accent1">
+        <a:alpha val="90000"/>
+        <a:tint val="40000"/>
+      </a:schemeClr>
+    </dgm:fillClrLst>
+    <dgm:linClrLst meth="repeat">
+      <a:schemeClr val="accent1">
+        <a:alpha val="90000"/>
+        <a:tint val="40000"/>
+      </a:schemeClr>
+    </dgm:linClrLst>
+    <dgm:effectClrLst/>
+    <dgm:txLinClrLst/>
+    <dgm:txFillClrLst meth="repeat">
+      <a:schemeClr val="dk1"/>
+    </dgm:txFillClrLst>
+    <dgm:txEffectClrLst/>
+  </dgm:styleLbl>
+  <dgm:styleLbl name="alignAccFollowNode1">
+    <dgm:fillClrLst meth="repeat">
+      <a:schemeClr val="accent1">
+        <a:alpha val="90000"/>
+        <a:tint val="40000"/>
+      </a:schemeClr>
+    </dgm:fillClrLst>
+    <dgm:linClrLst meth="repeat">
+      <a:schemeClr val="accent1">
+        <a:alpha val="90000"/>
+        <a:tint val="40000"/>
+      </a:schemeClr>
+    </dgm:linClrLst>
+    <dgm:effectClrLst/>
+    <dgm:txLinClrLst/>
+    <dgm:txFillClrLst meth="repeat">
+      <a:schemeClr val="dk1"/>
+    </dgm:txFillClrLst>
+    <dgm:txEffectClrLst/>
+  </dgm:styleLbl>
+  <dgm:styleLbl name="bgAccFollowNode1">
+    <dgm:fillClrLst meth="repeat">
+      <a:schemeClr val="accent1">
+        <a:alpha val="90000"/>
+        <a:tint val="40000"/>
+      </a:schemeClr>
+    </dgm:fillClrLst>
+    <dgm:linClrLst meth="repeat">
+      <a:schemeClr val="accent1">
+        <a:alpha val="90000"/>
+        <a:tint val="40000"/>
+      </a:schemeClr>
+    </dgm:linClrLst>
+    <dgm:effectClrLst/>
+    <dgm:txLinClrLst/>
+    <dgm:txFillClrLst meth="repeat">
+      <a:schemeClr val="dk1"/>
+    </dgm:txFillClrLst>
+    <dgm:txEffectClrLst/>
+  </dgm:styleLbl>
+  <dgm:styleLbl name="fgAcc0">
+    <dgm:fillClrLst meth="repeat">
+      <a:schemeClr val="lt1">
+        <a:alpha val="90000"/>
+      </a:schemeClr>
+    </dgm:fillClrLst>
+    <dgm:linClrLst meth="repeat">
+      <a:schemeClr val="accent1"/>
+    </dgm:linClrLst>
+    <dgm:effectClrLst/>
+    <dgm:txLinClrLst/>
+    <dgm:txFillClrLst meth="repeat">
+      <a:schemeClr val="dk1"/>
+    </dgm:txFillClrLst>
+    <dgm:txEffectClrLst/>
+  </dgm:styleLbl>
+  <dgm:styleLbl name="fgAcc2">
+    <dgm:fillClrLst meth="repeat">
+      <a:schemeClr val="lt1">
+        <a:alpha val="90000"/>
+      </a:schemeClr>
+    </dgm:fillClrLst>
+    <dgm:linClrLst meth="repeat">
+      <a:schemeClr val="accent1"/>
+    </dgm:linClrLst>
+    <dgm:effectClrLst/>
+    <dgm:txLinClrLst/>
+    <dgm:txFillClrLst meth="repeat">
+      <a:schemeClr val="dk1"/>
+    </dgm:txFillClrLst>
+    <dgm:txEffectClrLst/>
+  </dgm:styleLbl>
+  <dgm:styleLbl name="fgAcc3">
+    <dgm:fillClrLst meth="repeat">
+      <a:schemeClr val="lt1">
+        <a:alpha val="90000"/>
+      </a:schemeClr>
+    </dgm:fillClrLst>
+    <dgm:linClrLst meth="repeat">
+      <a:schemeClr val="accent1"/>
+    </dgm:linClrLst>
+    <dgm:effectClrLst/>
+    <dgm:txLinClrLst/>
+    <dgm:txFillClrLst meth="repeat">
+      <a:schemeClr val="dk1"/>
+    </dgm:txFillClrLst>
+    <dgm:txEffectClrLst/>
+  </dgm:styleLbl>
+  <dgm:styleLbl name="fgAcc4">
+    <dgm:fillClrLst meth="repeat">
+      <a:schemeClr val="lt1">
+        <a:alpha val="90000"/>
+      </a:schemeClr>
+    </dgm:fillClrLst>
+    <dgm:linClrLst meth="repeat">
+      <a:schemeClr val="accent1"/>
+    </dgm:linClrLst>
+    <dgm:effectClrLst/>
+    <dgm:txLinClrLst/>
+    <dgm:txFillClrLst meth="repeat">
+      <a:schemeClr val="dk1"/>
+    </dgm:txFillClrLst>
+    <dgm:txEffectClrLst/>
+  </dgm:styleLbl>
+  <dgm:styleLbl name="bgShp">
+    <dgm:fillClrLst meth="repeat">
+      <a:schemeClr val="accent1">
+        <a:tint val="40000"/>
+      </a:schemeClr>
+    </dgm:fillClrLst>
+    <dgm:linClrLst meth="repeat">
+      <a:schemeClr val="accent1"/>
+    </dgm:linClrLst>
+    <dgm:effectClrLst/>
+    <dgm:txLinClrLst/>
+    <dgm:txFillClrLst meth="repeat">
+      <a:schemeClr val="dk1"/>
+    </dgm:txFillClrLst>
+    <dgm:txEffectClrLst/>
+  </dgm:styleLbl>
+  <dgm:styleLbl name="dkBgShp">
+    <dgm:fillClrLst meth="repeat">
+      <a:schemeClr val="accent1">
+        <a:shade val="80000"/>
+      </a:schemeClr>
+    </dgm:fillClrLst>
+    <dgm:linClrLst meth="repeat">
+      <a:schemeClr val="accent1"/>
+    </dgm:linClrLst>
+    <dgm:effectClrLst/>
+    <dgm:txLinClrLst/>
+    <dgm:txFillClrLst meth="repeat">
+      <a:schemeClr val="lt1"/>
+    </dgm:txFillClrLst>
+    <dgm:txEffectClrLst/>
+  </dgm:styleLbl>
+  <dgm:styleLbl name="trBgShp">
+    <dgm:fillClrLst meth="repeat">
+      <a:schemeClr val="accent1">
+        <a:tint val="50000"/>
+        <a:alpha val="40000"/>
+      </a:schemeClr>
+    </dgm:fillClrLst>
+    <dgm:linClrLst meth="repeat">
+      <a:schemeClr val="accent1"/>
+    </dgm:linClrLst>
+    <dgm:effectClrLst/>
+    <dgm:txLinClrLst/>
+    <dgm:txFillClrLst meth="repeat">
+      <a:schemeClr val="lt1"/>
+    </dgm:txFillClrLst>
+    <dgm:txEffectClrLst/>
+  </dgm:styleLbl>
+  <dgm:styleLbl name="fgShp">
+    <dgm:fillClrLst meth="repeat">
+      <a:schemeClr val="accent1">
+        <a:tint val="60000"/>
+      </a:schemeClr>
+    </dgm:fillClrLst>
+    <dgm:linClrLst meth="repeat">
+      <a:schemeClr val="lt1"/>
+    </dgm:linClrLst>
+    <dgm:effectClrLst/>
+    <dgm:txLinClrLst/>
+    <dgm:txFillClrLst meth="repeat">
+      <a:schemeClr val="dk1"/>
+    </dgm:txFillClrLst>
+    <dgm:txEffectClrLst/>
+  </dgm:styleLbl>
+  <dgm:styleLbl name="revTx">
+    <dgm:fillClrLst meth="repeat">
+      <a:schemeClr val="lt1">
+        <a:alpha val="0"/>
+      </a:schemeClr>
+    </dgm:fillClrLst>
+    <dgm:linClrLst meth="repeat">
+      <a:schemeClr val="dk1">
+        <a:alpha val="0"/>
+      </a:schemeClr>
+    </dgm:linClrLst>
+    <dgm:effectClrLst/>
+    <dgm:txLinClrLst/>
+    <dgm:txFillClrLst meth="repeat">
+      <a:schemeClr val="tx1"/>
+    </dgm:txFillClrLst>
+    <dgm:txEffectClrLst/>
+  </dgm:styleLbl>
+</dgm:colorsDef>
+</file>
+
+<file path=ppt/diagrams/data1.xml><?xml version="1.0" encoding="utf-8"?>
+<dgm:dataModel xmlns:dgm="http://schemas.openxmlformats.org/drawingml/2006/diagram" xmlns:a="http://schemas.openxmlformats.org/drawingml/2006/main">
+  <dgm:ptLst>
+    <dgm:pt modelId="{414000C7-ADC3-4766-9349-83CA1468F5C1}" type="doc">
+      <dgm:prSet loTypeId="urn:microsoft.com/office/officeart/2005/8/layout/chevron1" loCatId="process" qsTypeId="urn:microsoft.com/office/officeart/2005/8/quickstyle/simple1" qsCatId="simple" csTypeId="urn:microsoft.com/office/officeart/2005/8/colors/accent1_2" csCatId="accent1" phldr="1"/>
+      <dgm:spPr/>
+    </dgm:pt>
+    <dgm:pt modelId="{48FD45CD-EE92-4336-91F2-90113B781BFA}">
+      <dgm:prSet phldrT="[Text]"/>
+      <dgm:spPr>
+        <a:solidFill>
+          <a:schemeClr val="accent6">
+            <a:lumMod val="60000"/>
+            <a:lumOff val="40000"/>
+          </a:schemeClr>
+        </a:solidFill>
+      </dgm:spPr>
+      <dgm:t>
+        <a:bodyPr/>
+        <a:lstStyle/>
+        <a:p>
+          <a:r>
+            <a:rPr lang="de-DE" b="1" dirty="0">
+              <a:solidFill>
+                <a:schemeClr val="tx1"/>
+              </a:solidFill>
+            </a:rPr>
+            <a:t>Binärer Literaturtyp-Klassifizier</a:t>
+          </a:r>
+        </a:p>
+      </dgm:t>
+    </dgm:pt>
+    <dgm:pt modelId="{A0CF16A9-25BF-4A49-977B-087EE1BCBF57}" type="parTrans" cxnId="{96739218-35E6-4FA8-9E11-01DD0C87C72D}">
+      <dgm:prSet/>
+      <dgm:spPr/>
+      <dgm:t>
+        <a:bodyPr/>
+        <a:lstStyle/>
+        <a:p>
+          <a:endParaRPr lang="de-DE"/>
+        </a:p>
+      </dgm:t>
+    </dgm:pt>
+    <dgm:pt modelId="{4957FF35-44E6-4534-8E6C-54C445FA7D0D}" type="sibTrans" cxnId="{96739218-35E6-4FA8-9E11-01DD0C87C72D}">
+      <dgm:prSet/>
+      <dgm:spPr/>
+      <dgm:t>
+        <a:bodyPr/>
+        <a:lstStyle/>
+        <a:p>
+          <a:endParaRPr lang="de-DE"/>
+        </a:p>
+      </dgm:t>
+    </dgm:pt>
+    <dgm:pt modelId="{30C1ABCA-B26C-42B1-AB24-74A6449C708A}">
+      <dgm:prSet phldrT="[Text]"/>
+      <dgm:spPr>
+        <a:solidFill>
+          <a:srgbClr val="82BBEA"/>
+        </a:solidFill>
+      </dgm:spPr>
+      <dgm:t>
+        <a:bodyPr/>
+        <a:lstStyle/>
+        <a:p>
+          <a:r>
+            <a:rPr lang="de-DE" b="1" dirty="0">
+              <a:solidFill>
+                <a:schemeClr val="tx1"/>
+              </a:solidFill>
+            </a:rPr>
+            <a:t>NER-Tagger</a:t>
+          </a:r>
+        </a:p>
+      </dgm:t>
+    </dgm:pt>
+    <dgm:pt modelId="{8CEAEFEA-52E9-42DA-9F11-4F011505A726}" type="parTrans" cxnId="{63971797-1C83-4BB3-AD7F-02DB7D7F2452}">
+      <dgm:prSet/>
+      <dgm:spPr/>
+      <dgm:t>
+        <a:bodyPr/>
+        <a:lstStyle/>
+        <a:p>
+          <a:endParaRPr lang="de-DE"/>
+        </a:p>
+      </dgm:t>
+    </dgm:pt>
+    <dgm:pt modelId="{8B403459-1C2A-4913-A583-CFA455A410D7}" type="sibTrans" cxnId="{63971797-1C83-4BB3-AD7F-02DB7D7F2452}">
+      <dgm:prSet/>
+      <dgm:spPr/>
+      <dgm:t>
+        <a:bodyPr/>
+        <a:lstStyle/>
+        <a:p>
+          <a:endParaRPr lang="de-DE"/>
+        </a:p>
+      </dgm:t>
+    </dgm:pt>
+    <dgm:pt modelId="{4BA94523-0991-41B3-9C00-2B5E4A930CFF}">
+      <dgm:prSet phldrT="[Text]"/>
+      <dgm:spPr>
+        <a:solidFill>
+          <a:schemeClr val="accent4">
+            <a:lumMod val="60000"/>
+            <a:lumOff val="40000"/>
+          </a:schemeClr>
+        </a:solidFill>
+      </dgm:spPr>
+      <dgm:t>
+        <a:bodyPr/>
+        <a:lstStyle/>
+        <a:p>
+          <a:r>
+            <a:rPr lang="de-DE" b="1" dirty="0" err="1">
+              <a:solidFill>
+                <a:schemeClr val="tx1"/>
+              </a:solidFill>
+            </a:rPr>
+            <a:t>RegEx</a:t>
+          </a:r>
+          <a:endParaRPr lang="de-DE" b="1" dirty="0">
+            <a:solidFill>
+              <a:schemeClr val="tx1"/>
+            </a:solidFill>
+          </a:endParaRPr>
+        </a:p>
+      </dgm:t>
+    </dgm:pt>
+    <dgm:pt modelId="{CFC92801-15A9-45DA-80C4-A0C7FB8D7CEB}" type="parTrans" cxnId="{8FB5E290-DBB8-4930-8D51-4A7019D2B83C}">
+      <dgm:prSet/>
+      <dgm:spPr/>
+      <dgm:t>
+        <a:bodyPr/>
+        <a:lstStyle/>
+        <a:p>
+          <a:endParaRPr lang="de-DE"/>
+        </a:p>
+      </dgm:t>
+    </dgm:pt>
+    <dgm:pt modelId="{46299D77-8AFE-446A-8A11-F569A7F28C4A}" type="sibTrans" cxnId="{8FB5E290-DBB8-4930-8D51-4A7019D2B83C}">
+      <dgm:prSet/>
+      <dgm:spPr/>
+      <dgm:t>
+        <a:bodyPr/>
+        <a:lstStyle/>
+        <a:p>
+          <a:endParaRPr lang="de-DE"/>
+        </a:p>
+      </dgm:t>
+    </dgm:pt>
+    <dgm:pt modelId="{BF0875F9-3AB1-4CA7-A798-F35A9A8FAEC4}">
+      <dgm:prSet phldrT="[Text]"/>
+      <dgm:spPr>
+        <a:solidFill>
+          <a:srgbClr val="FF5050"/>
+        </a:solidFill>
+      </dgm:spPr>
+      <dgm:t>
+        <a:bodyPr/>
+        <a:lstStyle/>
+        <a:p>
+          <a:r>
+            <a:rPr lang="de-DE" b="1" dirty="0">
+              <a:solidFill>
+                <a:schemeClr val="tx1"/>
+              </a:solidFill>
+            </a:rPr>
+            <a:t>NER- und POS-Tagger</a:t>
+          </a:r>
+        </a:p>
+      </dgm:t>
+    </dgm:pt>
+    <dgm:pt modelId="{74D9BBCD-B8C2-4AFD-867E-62FF8BC0959F}" type="parTrans" cxnId="{78FC82E7-0615-45A9-98CC-187ADA880A9B}">
+      <dgm:prSet/>
+      <dgm:spPr/>
+      <dgm:t>
+        <a:bodyPr/>
+        <a:lstStyle/>
+        <a:p>
+          <a:endParaRPr lang="de-DE"/>
+        </a:p>
+      </dgm:t>
+    </dgm:pt>
+    <dgm:pt modelId="{11CDAEAE-1219-471D-9F11-157EFBADD396}" type="sibTrans" cxnId="{78FC82E7-0615-45A9-98CC-187ADA880A9B}">
+      <dgm:prSet/>
+      <dgm:spPr/>
+      <dgm:t>
+        <a:bodyPr/>
+        <a:lstStyle/>
+        <a:p>
+          <a:endParaRPr lang="de-DE"/>
+        </a:p>
+      </dgm:t>
+    </dgm:pt>
+    <dgm:pt modelId="{C07C90DB-AEFD-43AE-B437-96D12F675789}">
+      <dgm:prSet phldrT="[Text]"/>
+      <dgm:spPr>
+        <a:solidFill>
+          <a:schemeClr val="tx2">
+            <a:lumMod val="50000"/>
+            <a:lumOff val="50000"/>
+          </a:schemeClr>
+        </a:solidFill>
+      </dgm:spPr>
+      <dgm:t>
+        <a:bodyPr/>
+        <a:lstStyle/>
+        <a:p>
+          <a:r>
+            <a:rPr lang="de-DE" b="1" dirty="0">
+              <a:solidFill>
+                <a:schemeClr val="tx1"/>
+              </a:solidFill>
+            </a:rPr>
+            <a:t>Aufbereitung</a:t>
+          </a:r>
+        </a:p>
+      </dgm:t>
+    </dgm:pt>
+    <dgm:pt modelId="{6BAAD0AA-A3FE-4DAC-A8B7-EAE770283C71}" type="parTrans" cxnId="{DEB8B79D-0DFB-4533-8853-774BCF272043}">
+      <dgm:prSet/>
+      <dgm:spPr/>
+      <dgm:t>
+        <a:bodyPr/>
+        <a:lstStyle/>
+        <a:p>
+          <a:endParaRPr lang="de-DE"/>
+        </a:p>
+      </dgm:t>
+    </dgm:pt>
+    <dgm:pt modelId="{A1749F01-8DD8-49C3-9BD9-F189BE3DACD5}" type="sibTrans" cxnId="{DEB8B79D-0DFB-4533-8853-774BCF272043}">
+      <dgm:prSet/>
+      <dgm:spPr/>
+      <dgm:t>
+        <a:bodyPr/>
+        <a:lstStyle/>
+        <a:p>
+          <a:endParaRPr lang="de-DE"/>
+        </a:p>
+      </dgm:t>
+    </dgm:pt>
+    <dgm:pt modelId="{0670E3F9-6CA0-466F-B676-D7140EF5CFF4}" type="pres">
+      <dgm:prSet presAssocID="{414000C7-ADC3-4766-9349-83CA1468F5C1}" presName="Name0" presStyleCnt="0">
+        <dgm:presLayoutVars>
+          <dgm:dir/>
+          <dgm:animLvl val="lvl"/>
+          <dgm:resizeHandles val="exact"/>
+        </dgm:presLayoutVars>
+      </dgm:prSet>
+      <dgm:spPr/>
+    </dgm:pt>
+    <dgm:pt modelId="{BED8FB9D-CDC3-42C7-969B-50783561FBAF}" type="pres">
+      <dgm:prSet presAssocID="{48FD45CD-EE92-4336-91F2-90113B781BFA}" presName="parTxOnly" presStyleLbl="node1" presStyleIdx="0" presStyleCnt="5">
+        <dgm:presLayoutVars>
+          <dgm:chMax val="0"/>
+          <dgm:chPref val="0"/>
+          <dgm:bulletEnabled val="1"/>
+        </dgm:presLayoutVars>
+      </dgm:prSet>
+      <dgm:spPr/>
+    </dgm:pt>
+    <dgm:pt modelId="{421B73B7-B2BC-4AB5-B2B0-B91B2C7F0465}" type="pres">
+      <dgm:prSet presAssocID="{4957FF35-44E6-4534-8E6C-54C445FA7D0D}" presName="parTxOnlySpace" presStyleCnt="0"/>
+      <dgm:spPr/>
+    </dgm:pt>
+    <dgm:pt modelId="{C1FB8AFD-D3E3-4A6F-A365-E11AB5666BD9}" type="pres">
+      <dgm:prSet presAssocID="{30C1ABCA-B26C-42B1-AB24-74A6449C708A}" presName="parTxOnly" presStyleLbl="node1" presStyleIdx="1" presStyleCnt="5">
+        <dgm:presLayoutVars>
+          <dgm:chMax val="0"/>
+          <dgm:chPref val="0"/>
+          <dgm:bulletEnabled val="1"/>
+        </dgm:presLayoutVars>
+      </dgm:prSet>
+      <dgm:spPr/>
+    </dgm:pt>
+    <dgm:pt modelId="{FB2ED393-03C9-4C09-B31E-78BA14330512}" type="pres">
+      <dgm:prSet presAssocID="{8B403459-1C2A-4913-A583-CFA455A410D7}" presName="parTxOnlySpace" presStyleCnt="0"/>
+      <dgm:spPr/>
+    </dgm:pt>
+    <dgm:pt modelId="{EA2D0F78-2BCF-4453-82E3-05F0489D2355}" type="pres">
+      <dgm:prSet presAssocID="{4BA94523-0991-41B3-9C00-2B5E4A930CFF}" presName="parTxOnly" presStyleLbl="node1" presStyleIdx="2" presStyleCnt="5">
+        <dgm:presLayoutVars>
+          <dgm:chMax val="0"/>
+          <dgm:chPref val="0"/>
+          <dgm:bulletEnabled val="1"/>
+        </dgm:presLayoutVars>
+      </dgm:prSet>
+      <dgm:spPr/>
+    </dgm:pt>
+    <dgm:pt modelId="{560139ED-922C-4257-BAE7-A0D0F5C58924}" type="pres">
+      <dgm:prSet presAssocID="{46299D77-8AFE-446A-8A11-F569A7F28C4A}" presName="parTxOnlySpace" presStyleCnt="0"/>
+      <dgm:spPr/>
+    </dgm:pt>
+    <dgm:pt modelId="{0403E14C-545B-4C98-9666-306CE1B16243}" type="pres">
+      <dgm:prSet presAssocID="{BF0875F9-3AB1-4CA7-A798-F35A9A8FAEC4}" presName="parTxOnly" presStyleLbl="node1" presStyleIdx="3" presStyleCnt="5">
+        <dgm:presLayoutVars>
+          <dgm:chMax val="0"/>
+          <dgm:chPref val="0"/>
+          <dgm:bulletEnabled val="1"/>
+        </dgm:presLayoutVars>
+      </dgm:prSet>
+      <dgm:spPr/>
+    </dgm:pt>
+    <dgm:pt modelId="{F4B299FE-753F-4EB5-A49B-89FC2FDE99A6}" type="pres">
+      <dgm:prSet presAssocID="{11CDAEAE-1219-471D-9F11-157EFBADD396}" presName="parTxOnlySpace" presStyleCnt="0"/>
+      <dgm:spPr/>
+    </dgm:pt>
+    <dgm:pt modelId="{4C1A87AA-5AB2-4E00-9362-64A29391C2CF}" type="pres">
+      <dgm:prSet presAssocID="{C07C90DB-AEFD-43AE-B437-96D12F675789}" presName="parTxOnly" presStyleLbl="node1" presStyleIdx="4" presStyleCnt="5">
+        <dgm:presLayoutVars>
+          <dgm:chMax val="0"/>
+          <dgm:chPref val="0"/>
+          <dgm:bulletEnabled val="1"/>
+        </dgm:presLayoutVars>
+      </dgm:prSet>
+      <dgm:spPr/>
+    </dgm:pt>
+  </dgm:ptLst>
+  <dgm:cxnLst>
+    <dgm:cxn modelId="{96739218-35E6-4FA8-9E11-01DD0C87C72D}" srcId="{414000C7-ADC3-4766-9349-83CA1468F5C1}" destId="{48FD45CD-EE92-4336-91F2-90113B781BFA}" srcOrd="0" destOrd="0" parTransId="{A0CF16A9-25BF-4A49-977B-087EE1BCBF57}" sibTransId="{4957FF35-44E6-4534-8E6C-54C445FA7D0D}"/>
+    <dgm:cxn modelId="{2CC50835-7944-4B90-93EA-4AC002E4DBAC}" type="presOf" srcId="{C07C90DB-AEFD-43AE-B437-96D12F675789}" destId="{4C1A87AA-5AB2-4E00-9362-64A29391C2CF}" srcOrd="0" destOrd="0" presId="urn:microsoft.com/office/officeart/2005/8/layout/chevron1"/>
+    <dgm:cxn modelId="{6D020D64-A560-4580-9B7A-E85E7D293452}" type="presOf" srcId="{4BA94523-0991-41B3-9C00-2B5E4A930CFF}" destId="{EA2D0F78-2BCF-4453-82E3-05F0489D2355}" srcOrd="0" destOrd="0" presId="urn:microsoft.com/office/officeart/2005/8/layout/chevron1"/>
+    <dgm:cxn modelId="{8FB5E290-DBB8-4930-8D51-4A7019D2B83C}" srcId="{414000C7-ADC3-4766-9349-83CA1468F5C1}" destId="{4BA94523-0991-41B3-9C00-2B5E4A930CFF}" srcOrd="2" destOrd="0" parTransId="{CFC92801-15A9-45DA-80C4-A0C7FB8D7CEB}" sibTransId="{46299D77-8AFE-446A-8A11-F569A7F28C4A}"/>
+    <dgm:cxn modelId="{63971797-1C83-4BB3-AD7F-02DB7D7F2452}" srcId="{414000C7-ADC3-4766-9349-83CA1468F5C1}" destId="{30C1ABCA-B26C-42B1-AB24-74A6449C708A}" srcOrd="1" destOrd="0" parTransId="{8CEAEFEA-52E9-42DA-9F11-4F011505A726}" sibTransId="{8B403459-1C2A-4913-A583-CFA455A410D7}"/>
+    <dgm:cxn modelId="{DEB8B79D-0DFB-4533-8853-774BCF272043}" srcId="{414000C7-ADC3-4766-9349-83CA1468F5C1}" destId="{C07C90DB-AEFD-43AE-B437-96D12F675789}" srcOrd="4" destOrd="0" parTransId="{6BAAD0AA-A3FE-4DAC-A8B7-EAE770283C71}" sibTransId="{A1749F01-8DD8-49C3-9BD9-F189BE3DACD5}"/>
+    <dgm:cxn modelId="{72E137AD-B1FC-407A-B85B-3962BDE1AE5C}" type="presOf" srcId="{30C1ABCA-B26C-42B1-AB24-74A6449C708A}" destId="{C1FB8AFD-D3E3-4A6F-A365-E11AB5666BD9}" srcOrd="0" destOrd="0" presId="urn:microsoft.com/office/officeart/2005/8/layout/chevron1"/>
+    <dgm:cxn modelId="{FB12C1BA-3071-4FD7-A9D9-AFFE2E6D5F85}" type="presOf" srcId="{48FD45CD-EE92-4336-91F2-90113B781BFA}" destId="{BED8FB9D-CDC3-42C7-969B-50783561FBAF}" srcOrd="0" destOrd="0" presId="urn:microsoft.com/office/officeart/2005/8/layout/chevron1"/>
+    <dgm:cxn modelId="{0380D5C6-A08F-465D-B689-18A81D30CA7A}" type="presOf" srcId="{BF0875F9-3AB1-4CA7-A798-F35A9A8FAEC4}" destId="{0403E14C-545B-4C98-9666-306CE1B16243}" srcOrd="0" destOrd="0" presId="urn:microsoft.com/office/officeart/2005/8/layout/chevron1"/>
+    <dgm:cxn modelId="{78FC82E7-0615-45A9-98CC-187ADA880A9B}" srcId="{414000C7-ADC3-4766-9349-83CA1468F5C1}" destId="{BF0875F9-3AB1-4CA7-A798-F35A9A8FAEC4}" srcOrd="3" destOrd="0" parTransId="{74D9BBCD-B8C2-4AFD-867E-62FF8BC0959F}" sibTransId="{11CDAEAE-1219-471D-9F11-157EFBADD396}"/>
+    <dgm:cxn modelId="{D58A82E9-3B07-465E-9C80-6CBA2F0F50C9}" type="presOf" srcId="{414000C7-ADC3-4766-9349-83CA1468F5C1}" destId="{0670E3F9-6CA0-466F-B676-D7140EF5CFF4}" srcOrd="0" destOrd="0" presId="urn:microsoft.com/office/officeart/2005/8/layout/chevron1"/>
+    <dgm:cxn modelId="{A2E7A47B-3DCF-44B4-97B8-F8F70A4F6A27}" type="presParOf" srcId="{0670E3F9-6CA0-466F-B676-D7140EF5CFF4}" destId="{BED8FB9D-CDC3-42C7-969B-50783561FBAF}" srcOrd="0" destOrd="0" presId="urn:microsoft.com/office/officeart/2005/8/layout/chevron1"/>
+    <dgm:cxn modelId="{E52F0EAF-02F2-4DAA-949E-E953AAC4FDB5}" type="presParOf" srcId="{0670E3F9-6CA0-466F-B676-D7140EF5CFF4}" destId="{421B73B7-B2BC-4AB5-B2B0-B91B2C7F0465}" srcOrd="1" destOrd="0" presId="urn:microsoft.com/office/officeart/2005/8/layout/chevron1"/>
+    <dgm:cxn modelId="{56AD5B97-BCEE-4968-A540-7BB7117F92FB}" type="presParOf" srcId="{0670E3F9-6CA0-466F-B676-D7140EF5CFF4}" destId="{C1FB8AFD-D3E3-4A6F-A365-E11AB5666BD9}" srcOrd="2" destOrd="0" presId="urn:microsoft.com/office/officeart/2005/8/layout/chevron1"/>
+    <dgm:cxn modelId="{B27D5CA3-867B-4D20-BFFD-623A823E1B12}" type="presParOf" srcId="{0670E3F9-6CA0-466F-B676-D7140EF5CFF4}" destId="{FB2ED393-03C9-4C09-B31E-78BA14330512}" srcOrd="3" destOrd="0" presId="urn:microsoft.com/office/officeart/2005/8/layout/chevron1"/>
+    <dgm:cxn modelId="{9173D889-C146-4372-8E25-9B65BAD64DF5}" type="presParOf" srcId="{0670E3F9-6CA0-466F-B676-D7140EF5CFF4}" destId="{EA2D0F78-2BCF-4453-82E3-05F0489D2355}" srcOrd="4" destOrd="0" presId="urn:microsoft.com/office/officeart/2005/8/layout/chevron1"/>
+    <dgm:cxn modelId="{9465AED9-6172-40A9-9A58-B8A2C34DB35D}" type="presParOf" srcId="{0670E3F9-6CA0-466F-B676-D7140EF5CFF4}" destId="{560139ED-922C-4257-BAE7-A0D0F5C58924}" srcOrd="5" destOrd="0" presId="urn:microsoft.com/office/officeart/2005/8/layout/chevron1"/>
+    <dgm:cxn modelId="{5E7AF095-54FC-469F-A45D-3AF2E72D8CB7}" type="presParOf" srcId="{0670E3F9-6CA0-466F-B676-D7140EF5CFF4}" destId="{0403E14C-545B-4C98-9666-306CE1B16243}" srcOrd="6" destOrd="0" presId="urn:microsoft.com/office/officeart/2005/8/layout/chevron1"/>
+    <dgm:cxn modelId="{A117522F-B96A-4AA4-9499-57B83B2670DD}" type="presParOf" srcId="{0670E3F9-6CA0-466F-B676-D7140EF5CFF4}" destId="{F4B299FE-753F-4EB5-A49B-89FC2FDE99A6}" srcOrd="7" destOrd="0" presId="urn:microsoft.com/office/officeart/2005/8/layout/chevron1"/>
+    <dgm:cxn modelId="{DF9A6D1D-9649-424C-9C54-F1AC2B0B1427}" type="presParOf" srcId="{0670E3F9-6CA0-466F-B676-D7140EF5CFF4}" destId="{4C1A87AA-5AB2-4E00-9362-64A29391C2CF}" srcOrd="8" destOrd="0" presId="urn:microsoft.com/office/officeart/2005/8/layout/chevron1"/>
+  </dgm:cxnLst>
+  <dgm:bg/>
+  <dgm:whole/>
+  <dgm:extLst>
+    <a:ext uri="http://schemas.microsoft.com/office/drawing/2008/diagram">
+      <dsp:dataModelExt xmlns:dsp="http://schemas.microsoft.com/office/drawing/2008/diagram" relId="rId6" minVer="http://schemas.openxmlformats.org/drawingml/2006/diagram"/>
+    </a:ext>
+  </dgm:extLst>
+</dgm:dataModel>
+</file>
+
+<file path=ppt/diagrams/drawing1.xml><?xml version="1.0" encoding="utf-8"?>
+<dsp:drawing xmlns:dgm="http://schemas.openxmlformats.org/drawingml/2006/diagram" xmlns:dsp="http://schemas.microsoft.com/office/drawing/2008/diagram" xmlns:a="http://schemas.openxmlformats.org/drawingml/2006/main">
+  <dsp:spTree>
+    <dsp:nvGrpSpPr>
+      <dsp:cNvPr id="0" name=""/>
+      <dsp:cNvGrpSpPr/>
+    </dsp:nvGrpSpPr>
+    <dsp:grpSpPr/>
+    <dsp:sp modelId="{BED8FB9D-CDC3-42C7-969B-50783561FBAF}">
+      <dsp:nvSpPr>
+        <dsp:cNvPr id="0" name=""/>
+        <dsp:cNvSpPr/>
+      </dsp:nvSpPr>
+      <dsp:spPr>
+        <a:xfrm>
+          <a:off x="2549" y="292443"/>
+          <a:ext cx="2269016" cy="907606"/>
+        </a:xfrm>
+        <a:prstGeom prst="chevron">
+          <a:avLst/>
+        </a:prstGeom>
+        <a:solidFill>
+          <a:schemeClr val="accent6">
+            <a:lumMod val="60000"/>
+            <a:lumOff val="40000"/>
+          </a:schemeClr>
+        </a:solidFill>
+        <a:ln w="19050" cap="flat" cmpd="sng" algn="ctr">
+          <a:solidFill>
+            <a:schemeClr val="lt1">
+              <a:hueOff val="0"/>
+              <a:satOff val="0"/>
+              <a:lumOff val="0"/>
+              <a:alphaOff val="0"/>
+            </a:schemeClr>
+          </a:solidFill>
+          <a:prstDash val="solid"/>
+          <a:miter lim="800000"/>
+        </a:ln>
+        <a:effectLst/>
+      </dsp:spPr>
+      <dsp:style>
+        <a:lnRef idx="2">
+          <a:scrgbClr r="0" g="0" b="0"/>
+        </a:lnRef>
+        <a:fillRef idx="1">
+          <a:scrgbClr r="0" g="0" b="0"/>
+        </a:fillRef>
+        <a:effectRef idx="0">
+          <a:scrgbClr r="0" g="0" b="0"/>
+        </a:effectRef>
+        <a:fontRef idx="minor">
+          <a:schemeClr val="lt1"/>
+        </a:fontRef>
+      </dsp:style>
+      <dsp:txBody>
+        <a:bodyPr spcFirstLastPara="0" vert="horz" wrap="square" lIns="72009" tIns="24003" rIns="24003" bIns="24003" numCol="1" spcCol="1270" anchor="ctr" anchorCtr="0">
+          <a:noAutofit/>
+        </a:bodyPr>
+        <a:lstStyle/>
+        <a:p>
+          <a:pPr marL="0" lvl="0" indent="0" algn="ctr" defTabSz="800100">
+            <a:lnSpc>
+              <a:spcPct val="90000"/>
+            </a:lnSpc>
+            <a:spcBef>
+              <a:spcPct val="0"/>
+            </a:spcBef>
+            <a:spcAft>
+              <a:spcPct val="35000"/>
+            </a:spcAft>
+            <a:buNone/>
+          </a:pPr>
+          <a:r>
+            <a:rPr lang="de-DE" sz="1800" b="1" kern="1200" dirty="0">
+              <a:solidFill>
+                <a:schemeClr val="tx1"/>
+              </a:solidFill>
+            </a:rPr>
+            <a:t>Binärer Literaturtyp-Klassifizier</a:t>
+          </a:r>
+        </a:p>
+      </dsp:txBody>
+      <dsp:txXfrm>
+        <a:off x="456352" y="292443"/>
+        <a:ext cx="1361410" cy="907606"/>
+      </dsp:txXfrm>
+    </dsp:sp>
+    <dsp:sp modelId="{C1FB8AFD-D3E3-4A6F-A365-E11AB5666BD9}">
+      <dsp:nvSpPr>
+        <dsp:cNvPr id="0" name=""/>
+        <dsp:cNvSpPr/>
+      </dsp:nvSpPr>
+      <dsp:spPr>
+        <a:xfrm>
+          <a:off x="2044664" y="292443"/>
+          <a:ext cx="2269016" cy="907606"/>
+        </a:xfrm>
+        <a:prstGeom prst="chevron">
+          <a:avLst/>
+        </a:prstGeom>
+        <a:solidFill>
+          <a:srgbClr val="82BBEA"/>
+        </a:solidFill>
+        <a:ln w="19050" cap="flat" cmpd="sng" algn="ctr">
+          <a:solidFill>
+            <a:schemeClr val="lt1">
+              <a:hueOff val="0"/>
+              <a:satOff val="0"/>
+              <a:lumOff val="0"/>
+              <a:alphaOff val="0"/>
+            </a:schemeClr>
+          </a:solidFill>
+          <a:prstDash val="solid"/>
+          <a:miter lim="800000"/>
+        </a:ln>
+        <a:effectLst/>
+      </dsp:spPr>
+      <dsp:style>
+        <a:lnRef idx="2">
+          <a:scrgbClr r="0" g="0" b="0"/>
+        </a:lnRef>
+        <a:fillRef idx="1">
+          <a:scrgbClr r="0" g="0" b="0"/>
+        </a:fillRef>
+        <a:effectRef idx="0">
+          <a:scrgbClr r="0" g="0" b="0"/>
+        </a:effectRef>
+        <a:fontRef idx="minor">
+          <a:schemeClr val="lt1"/>
+        </a:fontRef>
+      </dsp:style>
+      <dsp:txBody>
+        <a:bodyPr spcFirstLastPara="0" vert="horz" wrap="square" lIns="72009" tIns="24003" rIns="24003" bIns="24003" numCol="1" spcCol="1270" anchor="ctr" anchorCtr="0">
+          <a:noAutofit/>
+        </a:bodyPr>
+        <a:lstStyle/>
+        <a:p>
+          <a:pPr marL="0" lvl="0" indent="0" algn="ctr" defTabSz="800100">
+            <a:lnSpc>
+              <a:spcPct val="90000"/>
+            </a:lnSpc>
+            <a:spcBef>
+              <a:spcPct val="0"/>
+            </a:spcBef>
+            <a:spcAft>
+              <a:spcPct val="35000"/>
+            </a:spcAft>
+            <a:buNone/>
+          </a:pPr>
+          <a:r>
+            <a:rPr lang="de-DE" sz="1800" b="1" kern="1200" dirty="0">
+              <a:solidFill>
+                <a:schemeClr val="tx1"/>
+              </a:solidFill>
+            </a:rPr>
+            <a:t>NER-Tagger</a:t>
+          </a:r>
+        </a:p>
+      </dsp:txBody>
+      <dsp:txXfrm>
+        <a:off x="2498467" y="292443"/>
+        <a:ext cx="1361410" cy="907606"/>
+      </dsp:txXfrm>
+    </dsp:sp>
+    <dsp:sp modelId="{EA2D0F78-2BCF-4453-82E3-05F0489D2355}">
+      <dsp:nvSpPr>
+        <dsp:cNvPr id="0" name=""/>
+        <dsp:cNvSpPr/>
+      </dsp:nvSpPr>
+      <dsp:spPr>
+        <a:xfrm>
+          <a:off x="4086779" y="292443"/>
+          <a:ext cx="2269016" cy="907606"/>
+        </a:xfrm>
+        <a:prstGeom prst="chevron">
+          <a:avLst/>
+        </a:prstGeom>
+        <a:solidFill>
+          <a:schemeClr val="accent4">
+            <a:lumMod val="60000"/>
+            <a:lumOff val="40000"/>
+          </a:schemeClr>
+        </a:solidFill>
+        <a:ln w="19050" cap="flat" cmpd="sng" algn="ctr">
+          <a:solidFill>
+            <a:schemeClr val="lt1">
+              <a:hueOff val="0"/>
+              <a:satOff val="0"/>
+              <a:lumOff val="0"/>
+              <a:alphaOff val="0"/>
+            </a:schemeClr>
+          </a:solidFill>
+          <a:prstDash val="solid"/>
+          <a:miter lim="800000"/>
+        </a:ln>
+        <a:effectLst/>
+      </dsp:spPr>
+      <dsp:style>
+        <a:lnRef idx="2">
+          <a:scrgbClr r="0" g="0" b="0"/>
+        </a:lnRef>
+        <a:fillRef idx="1">
+          <a:scrgbClr r="0" g="0" b="0"/>
+        </a:fillRef>
+        <a:effectRef idx="0">
+          <a:scrgbClr r="0" g="0" b="0"/>
+        </a:effectRef>
+        <a:fontRef idx="minor">
+          <a:schemeClr val="lt1"/>
+        </a:fontRef>
+      </dsp:style>
+      <dsp:txBody>
+        <a:bodyPr spcFirstLastPara="0" vert="horz" wrap="square" lIns="72009" tIns="24003" rIns="24003" bIns="24003" numCol="1" spcCol="1270" anchor="ctr" anchorCtr="0">
+          <a:noAutofit/>
+        </a:bodyPr>
+        <a:lstStyle/>
+        <a:p>
+          <a:pPr marL="0" lvl="0" indent="0" algn="ctr" defTabSz="800100">
+            <a:lnSpc>
+              <a:spcPct val="90000"/>
+            </a:lnSpc>
+            <a:spcBef>
+              <a:spcPct val="0"/>
+            </a:spcBef>
+            <a:spcAft>
+              <a:spcPct val="35000"/>
+            </a:spcAft>
+            <a:buNone/>
+          </a:pPr>
+          <a:r>
+            <a:rPr lang="de-DE" sz="1800" b="1" kern="1200" dirty="0" err="1">
+              <a:solidFill>
+                <a:schemeClr val="tx1"/>
+              </a:solidFill>
+            </a:rPr>
+            <a:t>RegEx</a:t>
+          </a:r>
+          <a:endParaRPr lang="de-DE" sz="1800" b="1" kern="1200" dirty="0">
+            <a:solidFill>
+              <a:schemeClr val="tx1"/>
+            </a:solidFill>
+          </a:endParaRPr>
+        </a:p>
+      </dsp:txBody>
+      <dsp:txXfrm>
+        <a:off x="4540582" y="292443"/>
+        <a:ext cx="1361410" cy="907606"/>
+      </dsp:txXfrm>
+    </dsp:sp>
+    <dsp:sp modelId="{0403E14C-545B-4C98-9666-306CE1B16243}">
+      <dsp:nvSpPr>
+        <dsp:cNvPr id="0" name=""/>
+        <dsp:cNvSpPr/>
+      </dsp:nvSpPr>
+      <dsp:spPr>
+        <a:xfrm>
+          <a:off x="6128894" y="292443"/>
+          <a:ext cx="2269016" cy="907606"/>
+        </a:xfrm>
+        <a:prstGeom prst="chevron">
+          <a:avLst/>
+        </a:prstGeom>
+        <a:solidFill>
+          <a:srgbClr val="FF5050"/>
+        </a:solidFill>
+        <a:ln w="19050" cap="flat" cmpd="sng" algn="ctr">
+          <a:solidFill>
+            <a:schemeClr val="lt1">
+              <a:hueOff val="0"/>
+              <a:satOff val="0"/>
+              <a:lumOff val="0"/>
+              <a:alphaOff val="0"/>
+            </a:schemeClr>
+          </a:solidFill>
+          <a:prstDash val="solid"/>
+          <a:miter lim="800000"/>
+        </a:ln>
+        <a:effectLst/>
+      </dsp:spPr>
+      <dsp:style>
+        <a:lnRef idx="2">
+          <a:scrgbClr r="0" g="0" b="0"/>
+        </a:lnRef>
+        <a:fillRef idx="1">
+          <a:scrgbClr r="0" g="0" b="0"/>
+        </a:fillRef>
+        <a:effectRef idx="0">
+          <a:scrgbClr r="0" g="0" b="0"/>
+        </a:effectRef>
+        <a:fontRef idx="minor">
+          <a:schemeClr val="lt1"/>
+        </a:fontRef>
+      </dsp:style>
+      <dsp:txBody>
+        <a:bodyPr spcFirstLastPara="0" vert="horz" wrap="square" lIns="72009" tIns="24003" rIns="24003" bIns="24003" numCol="1" spcCol="1270" anchor="ctr" anchorCtr="0">
+          <a:noAutofit/>
+        </a:bodyPr>
+        <a:lstStyle/>
+        <a:p>
+          <a:pPr marL="0" lvl="0" indent="0" algn="ctr" defTabSz="800100">
+            <a:lnSpc>
+              <a:spcPct val="90000"/>
+            </a:lnSpc>
+            <a:spcBef>
+              <a:spcPct val="0"/>
+            </a:spcBef>
+            <a:spcAft>
+              <a:spcPct val="35000"/>
+            </a:spcAft>
+            <a:buNone/>
+          </a:pPr>
+          <a:r>
+            <a:rPr lang="de-DE" sz="1800" b="1" kern="1200" dirty="0">
+              <a:solidFill>
+                <a:schemeClr val="tx1"/>
+              </a:solidFill>
+            </a:rPr>
+            <a:t>NER- und POS-Tagger</a:t>
+          </a:r>
+        </a:p>
+      </dsp:txBody>
+      <dsp:txXfrm>
+        <a:off x="6582697" y="292443"/>
+        <a:ext cx="1361410" cy="907606"/>
+      </dsp:txXfrm>
+    </dsp:sp>
+    <dsp:sp modelId="{4C1A87AA-5AB2-4E00-9362-64A29391C2CF}">
+      <dsp:nvSpPr>
+        <dsp:cNvPr id="0" name=""/>
+        <dsp:cNvSpPr/>
+      </dsp:nvSpPr>
+      <dsp:spPr>
+        <a:xfrm>
+          <a:off x="8171009" y="292443"/>
+          <a:ext cx="2269016" cy="907606"/>
+        </a:xfrm>
+        <a:prstGeom prst="chevron">
+          <a:avLst/>
+        </a:prstGeom>
+        <a:solidFill>
+          <a:schemeClr val="tx2">
+            <a:lumMod val="50000"/>
+            <a:lumOff val="50000"/>
+          </a:schemeClr>
+        </a:solidFill>
+        <a:ln w="19050" cap="flat" cmpd="sng" algn="ctr">
+          <a:solidFill>
+            <a:schemeClr val="lt1">
+              <a:hueOff val="0"/>
+              <a:satOff val="0"/>
+              <a:lumOff val="0"/>
+              <a:alphaOff val="0"/>
+            </a:schemeClr>
+          </a:solidFill>
+          <a:prstDash val="solid"/>
+          <a:miter lim="800000"/>
+        </a:ln>
+        <a:effectLst/>
+      </dsp:spPr>
+      <dsp:style>
+        <a:lnRef idx="2">
+          <a:scrgbClr r="0" g="0" b="0"/>
+        </a:lnRef>
+        <a:fillRef idx="1">
+          <a:scrgbClr r="0" g="0" b="0"/>
+        </a:fillRef>
+        <a:effectRef idx="0">
+          <a:scrgbClr r="0" g="0" b="0"/>
+        </a:effectRef>
+        <a:fontRef idx="minor">
+          <a:schemeClr val="lt1"/>
+        </a:fontRef>
+      </dsp:style>
+      <dsp:txBody>
+        <a:bodyPr spcFirstLastPara="0" vert="horz" wrap="square" lIns="72009" tIns="24003" rIns="24003" bIns="24003" numCol="1" spcCol="1270" anchor="ctr" anchorCtr="0">
+          <a:noAutofit/>
+        </a:bodyPr>
+        <a:lstStyle/>
+        <a:p>
+          <a:pPr marL="0" lvl="0" indent="0" algn="ctr" defTabSz="800100">
+            <a:lnSpc>
+              <a:spcPct val="90000"/>
+            </a:lnSpc>
+            <a:spcBef>
+              <a:spcPct val="0"/>
+            </a:spcBef>
+            <a:spcAft>
+              <a:spcPct val="35000"/>
+            </a:spcAft>
+            <a:buNone/>
+          </a:pPr>
+          <a:r>
+            <a:rPr lang="de-DE" sz="1800" b="1" kern="1200" dirty="0">
+              <a:solidFill>
+                <a:schemeClr val="tx1"/>
+              </a:solidFill>
+            </a:rPr>
+            <a:t>Aufbereitung</a:t>
+          </a:r>
+        </a:p>
+      </dsp:txBody>
+      <dsp:txXfrm>
+        <a:off x="8624812" y="292443"/>
+        <a:ext cx="1361410" cy="907606"/>
+      </dsp:txXfrm>
+    </dsp:sp>
+  </dsp:spTree>
+</dsp:drawing>
+</file>
+
+<file path=ppt/diagrams/layout1.xml><?xml version="1.0" encoding="utf-8"?>
+<dgm:layoutDef xmlns:dgm="http://schemas.openxmlformats.org/drawingml/2006/diagram" xmlns:a="http://schemas.openxmlformats.org/drawingml/2006/main" uniqueId="urn:microsoft.com/office/officeart/2005/8/layout/chevron1">
+  <dgm:title val=""/>
+  <dgm:desc val=""/>
+  <dgm:catLst>
+    <dgm:cat type="process" pri="9000"/>
+  </dgm:catLst>
+  <dgm:sampData useDef="1">
+    <dgm:dataModel>
+      <dgm:ptLst/>
+      <dgm:bg/>
+      <dgm:whole/>
+    </dgm:dataModel>
+  </dgm:sampData>
+  <dgm:styleData>
+    <dgm:dataModel>
+      <dgm:ptLst>
+        <dgm:pt modelId="0" type="doc"/>
+        <dgm:pt modelId="1"/>
+        <dgm:pt modelId="2"/>
+      </dgm:ptLst>
+      <dgm:cxnLst>
+        <dgm:cxn modelId="3" srcId="0" destId="1" srcOrd="0" destOrd="0"/>
+        <dgm:cxn modelId="4" srcId="0" destId="2" srcOrd="1" destOrd="0"/>
+      </dgm:cxnLst>
+      <dgm:bg/>
+      <dgm:whole/>
+    </dgm:dataModel>
+  </dgm:styleData>
+  <dgm:clrData>
+    <dgm:dataModel>
+      <dgm:ptLst>
+        <dgm:pt modelId="0" type="doc"/>
+        <dgm:pt modelId="1"/>
+        <dgm:pt modelId="2"/>
+        <dgm:pt modelId="3"/>
+        <dgm:pt modelId="4"/>
+      </dgm:ptLst>
+      <dgm:cxnLst>
+        <dgm:cxn modelId="5" srcId="0" destId="1" srcOrd="0" destOrd="0"/>
+        <dgm:cxn modelId="6" srcId="0" destId="2" srcOrd="1" destOrd="0"/>
+        <dgm:cxn modelId="7" srcId="0" destId="3" srcOrd="2" destOrd="0"/>
+        <dgm:cxn modelId="8" srcId="0" destId="4" srcOrd="3" destOrd="0"/>
+      </dgm:cxnLst>
+      <dgm:bg/>
+      <dgm:whole/>
+    </dgm:dataModel>
+  </dgm:clrData>
+  <dgm:layoutNode name="Name0">
+    <dgm:varLst>
+      <dgm:dir/>
+      <dgm:animLvl val="lvl"/>
+      <dgm:resizeHandles val="exact"/>
+    </dgm:varLst>
+    <dgm:choose name="Name1">
+      <dgm:if name="Name2" func="var" arg="dir" op="equ" val="norm">
+        <dgm:alg type="lin"/>
+      </dgm:if>
+      <dgm:else name="Name3">
+        <dgm:alg type="lin">
+          <dgm:param type="linDir" val="fromR"/>
+        </dgm:alg>
+      </dgm:else>
+    </dgm:choose>
+    <dgm:shape xmlns:r="http://schemas.openxmlformats.org/officeDocument/2006/relationships" r:blip="">
+      <dgm:adjLst/>
+    </dgm:shape>
+    <dgm:presOf/>
+    <dgm:choose name="Name4">
+      <dgm:if name="Name5" axis="des" func="maxDepth" op="gte" val="2">
+        <dgm:constrLst>
+          <dgm:constr type="h" for="ch" forName="composite" refType="h"/>
+          <dgm:constr type="w" for="ch" forName="composite" refType="w"/>
+          <dgm:constr type="w" for="des" forName="parTx"/>
+          <dgm:constr type="h" for="des" forName="parTx" op="equ"/>
+          <dgm:constr type="w" for="des" forName="desTx"/>
+          <dgm:constr type="h" for="des" forName="desTx" op="equ"/>
+          <dgm:constr type="primFontSz" for="des" forName="parTx" val="65"/>
+          <dgm:constr type="secFontSz" for="des" forName="desTx" refType="primFontSz" refFor="des" refForName="parTx" op="equ"/>
+          <dgm:constr type="h" for="des" forName="parTx" refType="primFontSz" refFor="des" refForName="parTx" fact="1.5"/>
+          <dgm:constr type="h" for="des" forName="desTx" refType="primFontSz" refFor="des" refForName="parTx" fact="0.5"/>
+          <dgm:constr type="w" for="ch" forName="space" op="equ" val="-6"/>
+        </dgm:constrLst>
+        <dgm:ruleLst>
+          <dgm:rule type="w" for="ch" forName="composite" val="0" fact="NaN" max="NaN"/>
+          <dgm:rule type="primFontSz" for="des" forName="parTx" val="5" fact="NaN" max="NaN"/>
+        </dgm:ruleLst>
+        <dgm:forEach name="Name6" axis="ch" ptType="node">
+          <dgm:layoutNode name="composite">
+            <dgm:alg type="composite"/>
+            <dgm:shape xmlns:r="http://schemas.openxmlformats.org/officeDocument/2006/relationships" r:blip="">
+              <dgm:adjLst/>
+            </dgm:shape>
+            <dgm:presOf/>
+            <dgm:choose name="Name7">
+              <dgm:if name="Name8" func="var" arg="dir" op="equ" val="norm">
+                <dgm:constrLst>
+                  <dgm:constr type="l" for="ch" forName="parTx"/>
+                  <dgm:constr type="w" for="ch" forName="parTx" refType="w"/>
+                  <dgm:constr type="t" for="ch" forName="parTx"/>
+                  <dgm:constr type="l" for="ch" forName="desTx"/>
+                  <dgm:constr type="w" for="ch" forName="desTx" refType="w" refFor="ch" refForName="parTx" fact="0.8"/>
+                  <dgm:constr type="t" for="ch" forName="desTx" refType="h" refFor="ch" refForName="parTx" fact="1.125"/>
+                </dgm:constrLst>
+              </dgm:if>
+              <dgm:else name="Name9">
+                <dgm:constrLst>
+                  <dgm:constr type="l" for="ch" forName="parTx"/>
+                  <dgm:constr type="w" for="ch" forName="parTx" refType="w"/>
+                  <dgm:constr type="t" for="ch" forName="parTx"/>
+                  <dgm:constr type="l" for="ch" forName="desTx" refType="w" fact="0.2"/>
+                  <dgm:constr type="w" for="ch" forName="desTx" refType="w" refFor="ch" refForName="parTx" fact="0.8"/>
+                  <dgm:constr type="t" for="ch" forName="desTx" refType="h" refFor="ch" refForName="parTx" fact="1.125"/>
+                </dgm:constrLst>
+              </dgm:else>
+            </dgm:choose>
+            <dgm:ruleLst>
+              <dgm:rule type="h" val="INF" fact="NaN" max="NaN"/>
+            </dgm:ruleLst>
+            <dgm:layoutNode name="parTx">
+              <dgm:varLst>
+                <dgm:chMax val="0"/>
+                <dgm:chPref val="0"/>
+                <dgm:bulletEnabled val="1"/>
+              </dgm:varLst>
+              <dgm:alg type="tx"/>
+              <dgm:choose name="Name10">
+                <dgm:if name="Name11" func="var" arg="dir" op="equ" val="norm">
+                  <dgm:shape xmlns:r="http://schemas.openxmlformats.org/officeDocument/2006/relationships" type="chevron" r:blip="">
+                    <dgm:adjLst/>
+                  </dgm:shape>
+                </dgm:if>
+                <dgm:else name="Name12">
+                  <dgm:shape xmlns:r="http://schemas.openxmlformats.org/officeDocument/2006/relationships" rot="180" type="chevron" r:blip="">
+                    <dgm:adjLst/>
+                  </dgm:shape>
+                </dgm:else>
+              </dgm:choose>
+              <dgm:presOf axis="self" ptType="node"/>
+              <dgm:choose name="Name13">
+                <dgm:if name="Name14" func="var" arg="dir" op="equ" val="norm">
+                  <dgm:constrLst>
+                    <dgm:constr type="h" refType="w" op="lte" fact="0.4"/>
+                    <dgm:constr type="h"/>
+                    <dgm:constr type="tMarg" refType="primFontSz" fact="0.105"/>
+                    <dgm:constr type="bMarg" refType="primFontSz" fact="0.105"/>
+                    <dgm:constr type="lMarg" refType="primFontSz" fact="0.315"/>
+                    <dgm:constr type="rMarg" refType="primFontSz" fact="0.105"/>
+                  </dgm:constrLst>
+                </dgm:if>
+                <dgm:else name="Name15">
+                  <dgm:constrLst>
+                    <dgm:constr type="h" refType="w" op="lte" fact="0.4"/>
+                    <dgm:constr type="h"/>
+                    <dgm:constr type="tMarg" refType="primFontSz" fact="0.105"/>
+                    <dgm:constr type="bMarg" refType="primFontSz" fact="0.105"/>
+                    <dgm:constr type="lMarg" refType="primFontSz" fact="0.105"/>
+                    <dgm:constr type="rMarg" refType="primFontSz" fact="0.315"/>
+                  </dgm:constrLst>
+                </dgm:else>
+              </dgm:choose>
+              <dgm:ruleLst>
+                <dgm:rule type="h" val="INF" fact="NaN" max="NaN"/>
+              </dgm:ruleLst>
+            </dgm:layoutNode>
+            <dgm:layoutNode name="desTx" styleLbl="revTx">
+              <dgm:varLst>
+                <dgm:bulletEnabled val="1"/>
+              </dgm:varLst>
+              <dgm:alg type="tx">
+                <dgm:param type="stBulletLvl" val="1"/>
+              </dgm:alg>
+              <dgm:choose name="Name16">
+                <dgm:if name="Name17" axis="ch" ptType="node" func="cnt" op="gte" val="1">
+                  <dgm:shape xmlns:r="http://schemas.openxmlformats.org/officeDocument/2006/relationships" type="rect" r:blip="">
+                    <dgm:adjLst/>
+                  </dgm:shape>
+                </dgm:if>
+                <dgm:else name="Name18">
+                  <dgm:shape xmlns:r="http://schemas.openxmlformats.org/officeDocument/2006/relationships" type="rect" r:blip="" hideGeom="1">
+                    <dgm:adjLst/>
+                  </dgm:shape>
+                </dgm:else>
+              </dgm:choose>
+              <dgm:presOf axis="des" ptType="node"/>
+              <dgm:constrLst>
+                <dgm:constr type="secFontSz" val="65"/>
+                <dgm:constr type="primFontSz" refType="secFontSz"/>
+                <dgm:constr type="h"/>
+                <dgm:constr type="tMarg"/>
+                <dgm:constr type="bMarg"/>
+                <dgm:constr type="rMarg"/>
+                <dgm:constr type="lMarg"/>
+              </dgm:constrLst>
+              <dgm:ruleLst>
+                <dgm:rule type="h" val="INF" fact="NaN" max="NaN"/>
+              </dgm:ruleLst>
+            </dgm:layoutNode>
+          </dgm:layoutNode>
+          <dgm:forEach name="Name19" axis="followSib" ptType="sibTrans" cnt="1">
+            <dgm:layoutNode name="space">
+              <dgm:alg type="sp"/>
+              <dgm:shape xmlns:r="http://schemas.openxmlformats.org/officeDocument/2006/relationships" r:blip="">
+                <dgm:adjLst/>
+              </dgm:shape>
+              <dgm:presOf/>
+              <dgm:constrLst/>
+              <dgm:ruleLst/>
+            </dgm:layoutNode>
+          </dgm:forEach>
+        </dgm:forEach>
+      </dgm:if>
+      <dgm:else name="Name20">
+        <dgm:constrLst>
+          <dgm:constr type="w" for="ch" forName="parTxOnly" refType="w"/>
+          <dgm:constr type="h" for="des" forName="parTxOnly" op="equ"/>
+          <dgm:constr type="primFontSz" for="des" forName="parTxOnly" op="equ" val="65"/>
+          <dgm:constr type="w" for="ch" forName="parTxOnlySpace" refType="w" refFor="ch" refForName="parTxOnly" fact="-0.1"/>
+        </dgm:constrLst>
+        <dgm:ruleLst/>
+        <dgm:forEach name="Name21" axis="ch" ptType="node">
+          <dgm:layoutNode name="parTxOnly">
+            <dgm:varLst>
+              <dgm:chMax val="0"/>
+              <dgm:chPref val="0"/>
+              <dgm:bulletEnabled val="1"/>
+            </dgm:varLst>
+            <dgm:alg type="tx"/>
+            <dgm:choose name="Name22">
+              <dgm:if name="Name23" func="var" arg="dir" op="equ" val="norm">
+                <dgm:shape xmlns:r="http://schemas.openxmlformats.org/officeDocument/2006/relationships" type="chevron" r:blip="">
+                  <dgm:adjLst/>
+                </dgm:shape>
+              </dgm:if>
+              <dgm:else name="Name24">
+                <dgm:shape xmlns:r="http://schemas.openxmlformats.org/officeDocument/2006/relationships" rot="180" type="chevron" r:blip="">
+                  <dgm:adjLst/>
+                </dgm:shape>
+              </dgm:else>
+            </dgm:choose>
+            <dgm:presOf axis="self" ptType="node"/>
+            <dgm:choose name="Name25">
+              <dgm:if name="Name26" func="var" arg="dir" op="equ" val="norm">
+                <dgm:constrLst>
+                  <dgm:constr type="h" refType="w" op="equ" fact="0.4"/>
+                  <dgm:constr type="tMarg" refType="primFontSz" fact="0.105"/>
+                  <dgm:constr type="bMarg" refType="primFontSz" fact="0.105"/>
+                  <dgm:constr type="lMarg" refType="primFontSz" fact="0.315"/>
+                  <dgm:constr type="rMarg" refType="primFontSz" fact="0.105"/>
+                </dgm:constrLst>
+              </dgm:if>
+              <dgm:else name="Name27">
+                <dgm:constrLst>
+                  <dgm:constr type="h" refType="w" op="equ" fact="0.4"/>
+                  <dgm:constr type="tMarg" refType="primFontSz" fact="0.105"/>
+                  <dgm:constr type="bMarg" refType="primFontSz" fact="0.105"/>
+                  <dgm:constr type="lMarg" refType="primFontSz" fact="0.105"/>
+                  <dgm:constr type="rMarg" refType="primFontSz" fact="0.315"/>
+                </dgm:constrLst>
+              </dgm:else>
+            </dgm:choose>
+            <dgm:ruleLst>
+              <dgm:rule type="primFontSz" val="5" fact="NaN" max="NaN"/>
+            </dgm:ruleLst>
+          </dgm:layoutNode>
+          <dgm:forEach name="Name28" axis="followSib" ptType="sibTrans" cnt="1">
+            <dgm:layoutNode name="parTxOnlySpace">
+              <dgm:alg type="sp"/>
+              <dgm:shape xmlns:r="http://schemas.openxmlformats.org/officeDocument/2006/relationships" r:blip="">
+                <dgm:adjLst/>
+              </dgm:shape>
+              <dgm:presOf/>
+              <dgm:constrLst/>
+              <dgm:ruleLst/>
+            </dgm:layoutNode>
+          </dgm:forEach>
+        </dgm:forEach>
+      </dgm:else>
+    </dgm:choose>
+  </dgm:layoutNode>
+</dgm:layoutDef>
+</file>
+
+<file path=ppt/diagrams/quickStyle1.xml><?xml version="1.0" encoding="utf-8"?>
+<dgm:styleDef xmlns:dgm="http://schemas.openxmlformats.org/drawingml/2006/diagram" xmlns:a="http://schemas.openxmlformats.org/drawingml/2006/main" uniqueId="urn:microsoft.com/office/officeart/2005/8/quickstyle/simple1">
+  <dgm:title val=""/>
+  <dgm:desc val=""/>
+  <dgm:catLst>
+    <dgm:cat type="simple" pri="10100"/>
+  </dgm:catLst>
+  <dgm:scene3d>
+    <a:camera prst="orthographicFront"/>
+    <a:lightRig rig="threePt" dir="t"/>
+  </dgm:scene3d>
+  <dgm:styleLbl name="node0">
+    <dgm:scene3d>
+      <a:camera prst="orthographicFront"/>
+      <a:lightRig rig="threePt" dir="t"/>
+    </dgm:scene3d>
+    <dgm:sp3d/>
+    <dgm:txPr/>
+    <dgm:style>
+      <a:lnRef idx="2">
+        <a:scrgbClr r="0" g="0" b="0"/>
+      </a:lnRef>
+      <a:fillRef idx="1">
+        <a:scrgbClr r="0" g="0" b="0"/>
+      </a:fillRef>
+      <a:effectRef idx="0">
+        <a:scrgbClr r="0" g="0" b="0"/>
+      </a:effectRef>
+      <a:fontRef idx="minor">
+        <a:schemeClr val="lt1"/>
+      </a:fontRef>
+    </dgm:style>
+  </dgm:styleLbl>
+  <dgm:styleLbl name="lnNode1">
+    <dgm:scene3d>
+      <a:camera prst="orthographicFront"/>
+      <a:lightRig rig="threePt" dir="t"/>
+    </dgm:scene3d>
+    <dgm:sp3d/>
+    <dgm:txPr/>
+    <dgm:style>
+      <a:lnRef idx="2">
+        <a:scrgbClr r="0" g="0" b="0"/>
+      </a:lnRef>
+      <a:fillRef idx="1">
+        <a:scrgbClr r="0" g="0" b="0"/>
+      </a:fillRef>
+      <a:effectRef idx="0">
+        <a:scrgbClr r="0" g="0" b="0"/>
+      </a:effectRef>
+      <a:fontRef idx="minor">
+        <a:schemeClr val="lt1"/>
+      </a:fontRef>
+    </dgm:style>
+  </dgm:styleLbl>
+  <dgm:styleLbl name="vennNode1">
+    <dgm:scene3d>
+      <a:camera prst="orthographicFront"/>
+      <a:lightRig rig="threePt" dir="t"/>
+    </dgm:scene3d>
+    <dgm:sp3d/>
+    <dgm:txPr/>
+    <dgm:style>
+      <a:lnRef idx="2">
+        <a:scrgbClr r="0" g="0" b="0"/>
+      </a:lnRef>
+      <a:fillRef idx="1">
+        <a:scrgbClr r="0" g="0" b="0"/>
+      </a:fillRef>
+      <a:effectRef idx="0">
+        <a:scrgbClr r="0" g="0" b="0"/>
+      </a:effectRef>
+      <a:fontRef idx="minor">
+        <a:schemeClr val="tx1"/>
+      </a:fontRef>
+    </dgm:style>
+  </dgm:styleLbl>
+  <dgm:styleLbl name="alignNode1">
+    <dgm:scene3d>
+      <a:camera prst="orthographicFront"/>
+      <a:lightRig rig="threePt" dir="t"/>
+    </dgm:scene3d>
+    <dgm:sp3d/>
+    <dgm:txPr/>
+    <dgm:style>
+      <a:lnRef idx="2">
+        <a:scrgbClr r="0" g="0" b="0"/>
+      </a:lnRef>
+      <a:fillRef idx="1">
+        <a:scrgbClr r="0" g="0" b="0"/>
+      </a:fillRef>
+      <a:effectRef idx="0">
+        <a:scrgbClr r="0" g="0" b="0"/>
+      </a:effectRef>
+      <a:fontRef idx="minor">
+        <a:schemeClr val="lt1"/>
+      </a:fontRef>
+    </dgm:style>
+  </dgm:styleLbl>
+  <dgm:styleLbl name="node1">
+    <dgm:scene3d>
+      <a:camera prst="orthographicFront"/>
+      <a:lightRig rig="threePt" dir="t"/>
+    </dgm:scene3d>
+    <dgm:sp3d/>
+    <dgm:txPr/>
+    <dgm:style>
+      <a:lnRef idx="2">
+        <a:scrgbClr r="0" g="0" b="0"/>
+      </a:lnRef>
+      <a:fillRef idx="1">
+        <a:scrgbClr r="0" g="0" b="0"/>
+      </a:fillRef>
+      <a:effectRef idx="0">
+        <a:scrgbClr r="0" g="0" b="0"/>
+      </a:effectRef>
+      <a:fontRef idx="minor">
+        <a:schemeClr val="lt1"/>
+      </a:fontRef>
+    </dgm:style>
+  </dgm:styleLbl>
+  <dgm:styleLbl name="node2">
+    <dgm:scene3d>
+      <a:camera prst="orthographicFront"/>
+      <a:lightRig rig="threePt" dir="t"/>
+    </dgm:scene3d>
+    <dgm:sp3d/>
+    <dgm:txPr/>
+    <dgm:style>
+      <a:lnRef idx="2">
+        <a:scrgbClr r="0" g="0" b="0"/>
+      </a:lnRef>
+      <a:fillRef idx="1">
+        <a:scrgbClr r="0" g="0" b="0"/>
+      </a:fillRef>
+      <a:effectRef idx="0">
+        <a:scrgbClr r="0" g="0" b="0"/>
+      </a:effectRef>
+      <a:fontRef idx="minor">
+        <a:schemeClr val="lt1"/>
+      </a:fontRef>
+    </dgm:style>
+  </dgm:styleLbl>
+  <dgm:styleLbl name="node3">
+    <dgm:scene3d>
+      <a:camera prst="orthographicFront"/>
+      <a:lightRig rig="threePt" dir="t"/>
+    </dgm:scene3d>
+    <dgm:sp3d/>
+    <dgm:txPr/>
+    <dgm:style>
+      <a:lnRef idx="2">
+        <a:scrgbClr r="0" g="0" b="0"/>
+      </a:lnRef>
+      <a:fillRef idx="1">
+        <a:scrgbClr r="0" g="0" b="0"/>
+      </a:fillRef>
+      <a:effectRef idx="0">
+        <a:scrgbClr r="0" g="0" b="0"/>
+      </a:effectRef>
+      <a:fontRef idx="minor">
+        <a:schemeClr val="lt1"/>
+      </a:fontRef>
+    </dgm:style>
+  </dgm:styleLbl>
+  <dgm:styleLbl name="node4">
+    <dgm:scene3d>
+      <a:camera prst="orthographicFront"/>
+      <a:lightRig rig="threePt" dir="t"/>
+    </dgm:scene3d>
+    <dgm:sp3d/>
+    <dgm:txPr/>
+    <dgm:style>
+      <a:lnRef idx="2">
+        <a:scrgbClr r="0" g="0" b="0"/>
+      </a:lnRef>
+      <a:fillRef idx="1">
+        <a:scrgbClr r="0" g="0" b="0"/>
+      </a:fillRef>
+      <a:effectRef idx="0">
+        <a:scrgbClr r="0" g="0" b="0"/>
+      </a:effectRef>
+      <a:fontRef idx="minor">
+        <a:schemeClr val="lt1"/>
+      </a:fontRef>
+    </dgm:style>
+  </dgm:styleLbl>
+  <dgm:styleLbl name="fgImgPlace1">
+    <dgm:scene3d>
+      <a:camera prst="orthographicFront"/>
+      <a:lightRig rig="threePt" dir="t"/>
+    </dgm:scene3d>
+    <dgm:sp3d/>
+    <dgm:txPr/>
+    <dgm:style>
+      <a:lnRef idx="2">
+        <a:scrgbClr r="0" g="0" b="0"/>
+      </a:lnRef>
+      <a:fillRef idx="1">
+        <a:scrgbClr r="0" g="0" b="0"/>
+      </a:fillRef>
+      <a:effectRef idx="0">
+        <a:scrgbClr r="0" g="0" b="0"/>
+      </a:effectRef>
+      <a:fontRef idx="minor"/>
+    </dgm:style>
+  </dgm:styleLbl>
+  <dgm:styleLbl name="alignImgPlace1">
+    <dgm:scene3d>
+      <a:camera prst="orthographicFront"/>
+      <a:lightRig rig="threePt" dir="t"/>
+    </dgm:scene3d>
+    <dgm:sp3d/>
+    <dgm:txPr/>
+    <dgm:style>
+      <a:lnRef idx="2">
+        <a:scrgbClr r="0" g="0" b="0"/>
+      </a:lnRef>
+      <a:fillRef idx="1">
+        <a:scrgbClr r="0" g="0" b="0"/>
+      </a:fillRef>
+      <a:effectRef idx="0">
+        <a:scrgbClr r="0" g="0" b="0"/>
+      </a:effectRef>
+      <a:fontRef idx="minor"/>
+    </dgm:style>
+  </dgm:styleLbl>
+  <dgm:styleLbl name="bgImgPlace1">
+    <dgm:scene3d>
+      <a:camera prst="orthographicFront"/>
+      <a:lightRig rig="threePt" dir="t"/>
+    </dgm:scene3d>
+    <dgm:sp3d/>
+    <dgm:txPr/>
+    <dgm:style>
+      <a:lnRef idx="2">
+        <a:scrgbClr r="0" g="0" b="0"/>
+      </a:lnRef>
+      <a:fillRef idx="1">
+        <a:scrgbClr r="0" g="0" b="0"/>
+      </a:fillRef>
+      <a:effectRef idx="0">
+        <a:scrgbClr r="0" g="0" b="0"/>
+      </a:effectRef>
+      <a:fontRef idx="minor"/>
+    </dgm:style>
+  </dgm:styleLbl>
+  <dgm:styleLbl name="sibTrans2D1">
+    <dgm:scene3d>
+      <a:camera prst="orthographicFront"/>
+      <a:lightRig rig="threePt" dir="t"/>
+    </dgm:scene3d>
+    <dgm:sp3d/>
+    <dgm:txPr/>
+    <dgm:style>
+      <a:lnRef idx="0">
+        <a:scrgbClr r="0" g="0" b="0"/>
+      </a:lnRef>
+      <a:fillRef idx="1">
+        <a:scrgbClr r="0" g="0" b="0"/>
+      </a:fillRef>
+      <a:effectRef idx="0">
+        <a:scrgbClr r="0" g="0" b="0"/>
+      </a:effectRef>
+      <a:fontRef idx="minor">
+        <a:schemeClr val="lt1"/>
+      </a:fontRef>
+    </dgm:style>
+  </dgm:styleLbl>
+  <dgm:styleLbl name="fgSibTrans2D1">
+    <dgm:scene3d>
+      <a:camera prst="orthographicFront"/>
+      <a:lightRig rig="threePt" dir="t"/>
+    </dgm:scene3d>
+    <dgm:sp3d/>
+    <dgm:txPr/>
+    <dgm:style>
+      <a:lnRef idx="0">
+        <a:scrgbClr r="0" g="0" b="0"/>
+      </a:lnRef>
+      <a:fillRef idx="1">
+        <a:scrgbClr r="0" g="0" b="0"/>
+      </a:fillRef>
+      <a:effectRef idx="0">
+        <a:scrgbClr r="0" g="0" b="0"/>
+      </a:effectRef>
+      <a:fontRef idx="minor">
+        <a:schemeClr val="lt1"/>
+      </a:fontRef>
+    </dgm:style>
+  </dgm:styleLbl>
+  <dgm:styleLbl name="bgSibTrans2D1">
+    <dgm:scene3d>
+      <a:camera prst="orthographicFront"/>
+      <a:lightRig rig="threePt" dir="t"/>
+    </dgm:scene3d>
+    <dgm:sp3d/>
+    <dgm:txPr/>
+    <dgm:style>
+      <a:lnRef idx="0">
+        <a:scrgbClr r="0" g="0" b="0"/>
+      </a:lnRef>
+      <a:fillRef idx="1">
+        <a:scrgbClr r="0" g="0" b="0"/>
+      </a:fillRef>
+      <a:effectRef idx="0">
+        <a:scrgbClr r="0" g="0" b="0"/>
+      </a:effectRef>
+      <a:fontRef idx="minor">
+        <a:schemeClr val="lt1"/>
+      </a:fontRef>
+    </dgm:style>
+  </dgm:styleLbl>
+  <dgm:styleLbl name="sibTrans1D1">
+    <dgm:scene3d>
+      <a:camera prst="orthographicFront"/>
+      <a:lightRig rig="threePt" dir="t"/>
+    </dgm:scene3d>
+    <dgm:sp3d/>
+    <dgm:txPr/>
+    <dgm:style>
+      <a:lnRef idx="1">
+        <a:scrgbClr r="0" g="0" b="0"/>
+      </a:lnRef>
+      <a:fillRef idx="0">
+        <a:scrgbClr r="0" g="0" b="0"/>
+      </a:fillRef>
+      <a:effectRef idx="0">
+        <a:scrgbClr r="0" g="0" b="0"/>
+      </a:effectRef>
+      <a:fontRef idx="minor"/>
+    </dgm:style>
+  </dgm:styleLbl>
+  <dgm:styleLbl name="callout">
+    <dgm:scene3d>
+      <a:camera prst="orthographicFront"/>
+      <a:lightRig rig="threePt" dir="t"/>
+    </dgm:scene3d>
+    <dgm:sp3d/>
+    <dgm:txPr/>
+    <dgm:style>
+      <a:lnRef idx="2">
+        <a:scrgbClr r="0" g="0" b="0"/>
+      </a:lnRef>
+      <a:fillRef idx="1">
+        <a:scrgbClr r="0" g="0" b="0"/>
+      </a:fillRef>
+      <a:effectRef idx="0">
+        <a:scrgbClr r="0" g="0" b="0"/>
+      </a:effectRef>
+      <a:fontRef idx="minor"/>
+    </dgm:style>
+  </dgm:styleLbl>
+  <dgm:styleLbl name="asst0">
+    <dgm:scene3d>
+      <a:camera prst="orthographicFront"/>
+      <a:lightRig rig="threePt" dir="t"/>
+    </dgm:scene3d>
+    <dgm:sp3d/>
+    <dgm:txPr/>
+    <dgm:style>
+      <a:lnRef idx="2">
+        <a:scrgbClr r="0" g="0" b="0"/>
+      </a:lnRef>
+      <a:fillRef idx="1">
+        <a:scrgbClr r="0" g="0" b="0"/>
+      </a:fillRef>
+      <a:effectRef idx="0">
+        <a:scrgbClr r="0" g="0" b="0"/>
+      </a:effectRef>
+      <a:fontRef idx="minor">
+        <a:schemeClr val="lt1"/>
+      </a:fontRef>
+    </dgm:style>
+  </dgm:styleLbl>
+  <dgm:styleLbl name="asst1">
+    <dgm:scene3d>
+      <a:camera prst="orthographicFront"/>
+      <a:lightRig rig="threePt" dir="t"/>
+    </dgm:scene3d>
+    <dgm:sp3d/>
+    <dgm:txPr/>
+    <dgm:style>
+      <a:lnRef idx="2">
+        <a:scrgbClr r="0" g="0" b="0"/>
+      </a:lnRef>
+      <a:fillRef idx="1">
+        <a:scrgbClr r="0" g="0" b="0"/>
+      </a:fillRef>
+      <a:effectRef idx="0">
+        <a:scrgbClr r="0" g="0" b="0"/>
+      </a:effectRef>
+      <a:fontRef idx="minor">
+        <a:schemeClr val="lt1"/>
+      </a:fontRef>
+    </dgm:style>
+  </dgm:styleLbl>
+  <dgm:styleLbl name="asst2">
+    <dgm:scene3d>
+      <a:camera prst="orthographicFront"/>
+      <a:lightRig rig="threePt" dir="t"/>
+    </dgm:scene3d>
+    <dgm:sp3d/>
+    <dgm:txPr/>
+    <dgm:style>
+      <a:lnRef idx="2">
+        <a:scrgbClr r="0" g="0" b="0"/>
+      </a:lnRef>
+      <a:fillRef idx="1">
+        <a:scrgbClr r="0" g="0" b="0"/>
+      </a:fillRef>
+      <a:effectRef idx="0">
+        <a:scrgbClr r="0" g="0" b="0"/>
+      </a:effectRef>
+      <a:fontRef idx="minor">
+        <a:schemeClr val="lt1"/>
+      </a:fontRef>
+    </dgm:style>
+  </dgm:styleLbl>
+  <dgm:styleLbl name="asst3">
+    <dgm:scene3d>
+      <a:camera prst="orthographicFront"/>
+      <a:lightRig rig="threePt" dir="t"/>
+    </dgm:scene3d>
+    <dgm:sp3d/>
+    <dgm:txPr/>
+    <dgm:style>
+      <a:lnRef idx="2">
+        <a:scrgbClr r="0" g="0" b="0"/>
+      </a:lnRef>
+      <a:fillRef idx="1">
+        <a:scrgbClr r="0" g="0" b="0"/>
+      </a:fillRef>
+      <a:effectRef idx="0">
+        <a:scrgbClr r="0" g="0" b="0"/>
+      </a:effectRef>
+      <a:fontRef idx="minor">
+        <a:schemeClr val="lt1"/>
+      </a:fontRef>
+    </dgm:style>
+  </dgm:styleLbl>
+  <dgm:styleLbl name="asst4">
+    <dgm:scene3d>
+      <a:camera prst="orthographicFront"/>
+      <a:lightRig rig="threePt" dir="t"/>
+    </dgm:scene3d>
+    <dgm:sp3d/>
+    <dgm:txPr/>
+    <dgm:style>
+      <a:lnRef idx="2">
+        <a:scrgbClr r="0" g="0" b="0"/>
+      </a:lnRef>
+      <a:fillRef idx="1">
+        <a:scrgbClr r="0" g="0" b="0"/>
+      </a:fillRef>
+      <a:effectRef idx="0">
+        <a:scrgbClr r="0" g="0" b="0"/>
+      </a:effectRef>
+      <a:fontRef idx="minor">
+        <a:schemeClr val="lt1"/>
+      </a:fontRef>
+    </dgm:style>
+  </dgm:styleLbl>
+  <dgm:styleLbl name="parChTrans2D1">
+    <dgm:scene3d>
+      <a:camera prst="orthographicFront"/>
+      <a:lightRig rig="threePt" dir="t"/>
+    </dgm:scene3d>
+    <dgm:sp3d/>
+    <dgm:txPr/>
+    <dgm:style>
+      <a:lnRef idx="2">
+        <a:scrgbClr r="0" g="0" b="0"/>
+      </a:lnRef>
+      <a:fillRef idx="1">
+        <a:scrgbClr r="0" g="0" b="0"/>
+      </a:fillRef>
+      <a:effectRef idx="0">
+        <a:scrgbClr r="0" g="0" b="0"/>
+      </a:effectRef>
+      <a:fontRef idx="minor">
+        <a:schemeClr val="lt1"/>
+      </a:fontRef>
+    </dgm:style>
+  </dgm:styleLbl>
+  <dgm:styleLbl name="parChTrans2D2">
+    <dgm:scene3d>
+      <a:camera prst="orthographicFront"/>
+      <a:lightRig rig="threePt" dir="t"/>
+    </dgm:scene3d>
+    <dgm:sp3d/>
+    <dgm:txPr/>
+    <dgm:style>
+      <a:lnRef idx="2">
+        <a:scrgbClr r="0" g="0" b="0"/>
+      </a:lnRef>
+      <a:fillRef idx="1">
+        <a:scrgbClr r="0" g="0" b="0"/>
+      </a:fillRef>
+      <a:effectRef idx="0">
+        <a:scrgbClr r="0" g="0" b="0"/>
+      </a:effectRef>
+      <a:fontRef idx="minor">
+        <a:schemeClr val="lt1"/>
+      </a:fontRef>
+    </dgm:style>
+  </dgm:styleLbl>
+  <dgm:styleLbl name="parChTrans2D3">
+    <dgm:scene3d>
+      <a:camera prst="orthographicFront"/>
+      <a:lightRig rig="threePt" dir="t"/>
+    </dgm:scene3d>
+    <dgm:sp3d/>
+    <dgm:txPr/>
+    <dgm:style>
+      <a:lnRef idx="2">
+        <a:scrgbClr r="0" g="0" b="0"/>
+      </a:lnRef>
+      <a:fillRef idx="1">
+        <a:scrgbClr r="0" g="0" b="0"/>
+      </a:fillRef>
+      <a:effectRef idx="0">
+        <a:scrgbClr r="0" g="0" b="0"/>
+      </a:effectRef>
+      <a:fontRef idx="minor">
+        <a:schemeClr val="lt1"/>
+      </a:fontRef>
+    </dgm:style>
+  </dgm:styleLbl>
+  <dgm:styleLbl name="parChTrans2D4">
+    <dgm:scene3d>
+      <a:camera prst="orthographicFront"/>
+      <a:lightRig rig="threePt" dir="t"/>
+    </dgm:scene3d>
+    <dgm:sp3d/>
+    <dgm:txPr/>
+    <dgm:style>
+      <a:lnRef idx="2">
+        <a:scrgbClr r="0" g="0" b="0"/>
+      </a:lnRef>
+      <a:fillRef idx="1">
+        <a:scrgbClr r="0" g="0" b="0"/>
+      </a:fillRef>
+      <a:effectRef idx="0">
+        <a:scrgbClr r="0" g="0" b="0"/>
+      </a:effectRef>
+      <a:fontRef idx="minor">
+        <a:schemeClr val="lt1"/>
+      </a:fontRef>
+    </dgm:style>
+  </dgm:styleLbl>
+  <dgm:styleLbl name="parChTrans1D1">
+    <dgm:scene3d>
+      <a:camera prst="orthographicFront"/>
+      <a:lightRig rig="threePt" dir="t"/>
+    </dgm:scene3d>
+    <dgm:sp3d/>
+    <dgm:txPr/>
+    <dgm:style>
+      <a:lnRef idx="2">
+        <a:scrgbClr r="0" g="0" b="0"/>
+      </a:lnRef>
+      <a:fillRef idx="0">
+        <a:scrgbClr r="0" g="0" b="0"/>
+      </a:fillRef>
+      <a:effectRef idx="0">
+        <a:scrgbClr r="0" g="0" b="0"/>
+      </a:effectRef>
+      <a:fontRef idx="minor"/>
+    </dgm:style>
+  </dgm:styleLbl>
+  <dgm:styleLbl name="parChTrans1D2">
+    <dgm:scene3d>
+      <a:camera prst="orthographicFront"/>
+      <a:lightRig rig="threePt" dir="t"/>
+    </dgm:scene3d>
+    <dgm:sp3d/>
+    <dgm:txPr/>
+    <dgm:style>
+      <a:lnRef idx="2">
+        <a:scrgbClr r="0" g="0" b="0"/>
+      </a:lnRef>
+      <a:fillRef idx="0">
+        <a:scrgbClr r="0" g="0" b="0"/>
+      </a:fillRef>
+      <a:effectRef idx="0">
+        <a:scrgbClr r="0" g="0" b="0"/>
+      </a:effectRef>
+      <a:fontRef idx="minor"/>
+    </dgm:style>
+  </dgm:styleLbl>
+  <dgm:styleLbl name="parChTrans1D3">
+    <dgm:scene3d>
+      <a:camera prst="orthographicFront"/>
+      <a:lightRig rig="threePt" dir="t"/>
+    </dgm:scene3d>
+    <dgm:sp3d/>
+    <dgm:txPr/>
+    <dgm:style>
+      <a:lnRef idx="2">
+        <a:scrgbClr r="0" g="0" b="0"/>
+      </a:lnRef>
+      <a:fillRef idx="0">
+        <a:scrgbClr r="0" g="0" b="0"/>
+      </a:fillRef>
+      <a:effectRef idx="0">
+        <a:scrgbClr r="0" g="0" b="0"/>
+      </a:effectRef>
+      <a:fontRef idx="minor"/>
+    </dgm:style>
+  </dgm:styleLbl>
+  <dgm:styleLbl name="parChTrans1D4">
+    <dgm:scene3d>
+      <a:camera prst="orthographicFront"/>
+      <a:lightRig rig="threePt" dir="t"/>
+    </dgm:scene3d>
+    <dgm:sp3d/>
+    <dgm:txPr/>
+    <dgm:style>
+      <a:lnRef idx="2">
+        <a:scrgbClr r="0" g="0" b="0"/>
+      </a:lnRef>
+      <a:fillRef idx="0">
+        <a:scrgbClr r="0" g="0" b="0"/>
+      </a:fillRef>
+      <a:effectRef idx="0">
+        <a:scrgbClr r="0" g="0" b="0"/>
+      </a:effectRef>
+      <a:fontRef idx="minor"/>
+    </dgm:style>
+  </dgm:styleLbl>
+  <dgm:styleLbl name="fgAcc1">
+    <dgm:scene3d>
+      <a:camera prst="orthographicFront"/>
+      <a:lightRig rig="threePt" dir="t"/>
+    </dgm:scene3d>
+    <dgm:sp3d/>
+    <dgm:txPr/>
+    <dgm:style>
+      <a:lnRef idx="2">
+        <a:scrgbClr r="0" g="0" b="0"/>
+      </a:lnRef>
+      <a:fillRef idx="1">
+        <a:scrgbClr r="0" g="0" b="0"/>
+      </a:fillRef>
+      <a:effectRef idx="0">
+        <a:scrgbClr r="0" g="0" b="0"/>
+      </a:effectRef>
+      <a:fontRef idx="minor"/>
+    </dgm:style>
+  </dgm:styleLbl>
+  <dgm:styleLbl name="conFgAcc1">
+    <dgm:scene3d>
+      <a:camera prst="orthographicFront"/>
+      <a:lightRig rig="threePt" dir="t"/>
+    </dgm:scene3d>
+    <dgm:sp3d/>
+    <dgm:txPr/>
+    <dgm:style>
+      <a:lnRef idx="2">
+        <a:scrgbClr r="0" g="0" b="0"/>
+      </a:lnRef>
+      <a:fillRef idx="1">
+        <a:scrgbClr r="0" g="0" b="0"/>
+      </a:fillRef>
+      <a:effectRef idx="0">
+        <a:scrgbClr r="0" g="0" b="0"/>
+      </a:effectRef>
+      <a:fontRef idx="minor"/>
+    </dgm:style>
+  </dgm:styleLbl>
+  <dgm:styleLbl name="alignAcc1">
+    <dgm:scene3d>
+      <a:camera prst="orthographicFront"/>
+      <a:lightRig rig="threePt" dir="t"/>
+    </dgm:scene3d>
+    <dgm:sp3d/>
+    <dgm:txPr/>
+    <dgm:style>
+      <a:lnRef idx="2">
+        <a:scrgbClr r="0" g="0" b="0"/>
+      </a:lnRef>
+      <a:fillRef idx="1">
+        <a:scrgbClr r="0" g="0" b="0"/>
+      </a:fillRef>
+      <a:effectRef idx="0">
+        <a:scrgbClr r="0" g="0" b="0"/>
+      </a:effectRef>
+      <a:fontRef idx="minor"/>
+    </dgm:style>
+  </dgm:styleLbl>
+  <dgm:styleLbl name="trAlignAcc1">
+    <dgm:scene3d>
+      <a:camera prst="orthographicFront"/>
+      <a:lightRig rig="threePt" dir="t"/>
+    </dgm:scene3d>
+    <dgm:sp3d/>
+    <dgm:txPr/>
+    <dgm:style>
+      <a:lnRef idx="1">
+        <a:scrgbClr r="0" g="0" b="0"/>
+      </a:lnRef>
+      <a:fillRef idx="1">
+        <a:scrgbClr r="0" g="0" b="0"/>
+      </a:fillRef>
+      <a:effectRef idx="0">
+        <a:scrgbClr r="0" g="0" b="0"/>
+      </a:effectRef>
+      <a:fontRef idx="minor"/>
+    </dgm:style>
+  </dgm:styleLbl>
+  <dgm:styleLbl name="bgAcc1">
+    <dgm:scene3d>
+      <a:camera prst="orthographicFront"/>
+      <a:lightRig rig="threePt" dir="t"/>
+    </dgm:scene3d>
+    <dgm:sp3d/>
+    <dgm:txPr/>
+    <dgm:style>
+      <a:lnRef idx="2">
+        <a:scrgbClr r="0" g="0" b="0"/>
+      </a:lnRef>
+      <a:fillRef idx="1">
+        <a:scrgbClr r="0" g="0" b="0"/>
+      </a:fillRef>
+      <a:effectRef idx="0">
+        <a:scrgbClr r="0" g="0" b="0"/>
+      </a:effectRef>
+      <a:fontRef idx="minor"/>
+    </dgm:style>
+  </dgm:styleLbl>
+  <dgm:styleLbl name="solidFgAcc1">
+    <dgm:scene3d>
+      <a:camera prst="orthographicFront"/>
+      <a:lightRig rig="threePt" dir="t"/>
+    </dgm:scene3d>
+    <dgm:sp3d/>
+    <dgm:txPr/>
+    <dgm:style>
+      <a:lnRef idx="2">
+        <a:scrgbClr r="0" g="0" b="0"/>
+      </a:lnRef>
+      <a:fillRef idx="1">
+        <a:scrgbClr r="0" g="0" b="0"/>
+      </a:fillRef>
+      <a:effectRef idx="0">
+        <a:scrgbClr r="0" g="0" b="0"/>
+      </a:effectRef>
+      <a:fontRef idx="minor"/>
+    </dgm:style>
+  </dgm:styleLbl>
+  <dgm:styleLbl name="solidAlignAcc1">
+    <dgm:scene3d>
+      <a:camera prst="orthographicFront"/>
+      <a:lightRig rig="threePt" dir="t"/>
+    </dgm:scene3d>
+    <dgm:sp3d/>
+    <dgm:txPr/>
+    <dgm:style>
+      <a:lnRef idx="2">
+        <a:scrgbClr r="0" g="0" b="0"/>
+      </a:lnRef>
+      <a:fillRef idx="1">
+        <a:scrgbClr r="0" g="0" b="0"/>
+      </a:fillRef>
+      <a:effectRef idx="0">
+        <a:scrgbClr r="0" g="0" b="0"/>
+      </a:effectRef>
+      <a:fontRef idx="minor"/>
+    </dgm:style>
+  </dgm:styleLbl>
+  <dgm:styleLbl name="solidBgAcc1">
+    <dgm:scene3d>
+      <a:camera prst="orthographicFront"/>
+      <a:lightRig rig="threePt" dir="t"/>
+    </dgm:scene3d>
+    <dgm:sp3d/>
+    <dgm:txPr/>
+    <dgm:style>
+      <a:lnRef idx="2">
+        <a:scrgbClr r="0" g="0" b="0"/>
+      </a:lnRef>
+      <a:fillRef idx="1">
+        <a:scrgbClr r="0" g="0" b="0"/>
+      </a:fillRef>
+      <a:effectRef idx="0">
+        <a:scrgbClr r="0" g="0" b="0"/>
+      </a:effectRef>
+      <a:fontRef idx="minor"/>
+    </dgm:style>
+  </dgm:styleLbl>
+  <dgm:styleLbl name="fgAccFollowNode1">
+    <dgm:scene3d>
+      <a:camera prst="orthographicFront"/>
+      <a:lightRig rig="threePt" dir="t"/>
+    </dgm:scene3d>
+    <dgm:sp3d/>
+    <dgm:txPr/>
+    <dgm:style>
+      <a:lnRef idx="2">
+        <a:scrgbClr r="0" g="0" b="0"/>
+      </a:lnRef>
+      <a:fillRef idx="1">
+        <a:scrgbClr r="0" g="0" b="0"/>
+      </a:fillRef>
+      <a:effectRef idx="0">
+        <a:scrgbClr r="0" g="0" b="0"/>
+      </a:effectRef>
+      <a:fontRef idx="minor"/>
+    </dgm:style>
+  </dgm:styleLbl>
+  <dgm:styleLbl name="alignAccFollowNode1">
+    <dgm:scene3d>
+      <a:camera prst="orthographicFront"/>
+      <a:lightRig rig="threePt" dir="t"/>
+    </dgm:scene3d>
+    <dgm:sp3d/>
+    <dgm:txPr/>
+    <dgm:style>
+      <a:lnRef idx="2">
+        <a:scrgbClr r="0" g="0" b="0"/>
+      </a:lnRef>
+      <a:fillRef idx="1">
+        <a:scrgbClr r="0" g="0" b="0"/>
+      </a:fillRef>
+      <a:effectRef idx="0">
+        <a:scrgbClr r="0" g="0" b="0"/>
+      </a:effectRef>
+      <a:fontRef idx="minor"/>
+    </dgm:style>
+  </dgm:styleLbl>
+  <dgm:styleLbl name="bgAccFollowNode1">
+    <dgm:scene3d>
+      <a:camera prst="orthographicFront"/>
+      <a:lightRig rig="threePt" dir="t"/>
+    </dgm:scene3d>
+    <dgm:sp3d/>
+    <dgm:txPr/>
+    <dgm:style>
+      <a:lnRef idx="2">
+        <a:scrgbClr r="0" g="0" b="0"/>
+      </a:lnRef>
+      <a:fillRef idx="1">
+        <a:scrgbClr r="0" g="0" b="0"/>
+      </a:fillRef>
+      <a:effectRef idx="0">
+        <a:scrgbClr r="0" g="0" b="0"/>
+      </a:effectRef>
+      <a:fontRef idx="minor"/>
+    </dgm:style>
+  </dgm:styleLbl>
+  <dgm:styleLbl name="fgAcc0">
+    <dgm:scene3d>
+      <a:camera prst="orthographicFront"/>
+      <a:lightRig rig="threePt" dir="t"/>
+    </dgm:scene3d>
+    <dgm:sp3d/>
+    <dgm:txPr/>
+    <dgm:style>
+      <a:lnRef idx="2">
+        <a:scrgbClr r="0" g="0" b="0"/>
+      </a:lnRef>
+      <a:fillRef idx="1">
+        <a:scrgbClr r="0" g="0" b="0"/>
+      </a:fillRef>
+      <a:effectRef idx="0">
+        <a:scrgbClr r="0" g="0" b="0"/>
+      </a:effectRef>
+      <a:fontRef idx="minor"/>
+    </dgm:style>
+  </dgm:styleLbl>
+  <dgm:styleLbl name="fgAcc2">
+    <dgm:scene3d>
+      <a:camera prst="orthographicFront"/>
+      <a:lightRig rig="threePt" dir="t"/>
+    </dgm:scene3d>
+    <dgm:sp3d/>
+    <dgm:txPr/>
+    <dgm:style>
+      <a:lnRef idx="2">
+        <a:scrgbClr r="0" g="0" b="0"/>
+      </a:lnRef>
+      <a:fillRef idx="1">
+        <a:scrgbClr r="0" g="0" b="0"/>
+      </a:fillRef>
+      <a:effectRef idx="0">
+        <a:scrgbClr r="0" g="0" b="0"/>
+      </a:effectRef>
+      <a:fontRef idx="minor"/>
+    </dgm:style>
+  </dgm:styleLbl>
+  <dgm:styleLbl name="fgAcc3">
+    <dgm:scene3d>
+      <a:camera prst="orthographicFront"/>
+      <a:lightRig rig="threePt" dir="t"/>
+    </dgm:scene3d>
+    <dgm:sp3d/>
+    <dgm:txPr/>
+    <dgm:style>
+      <a:lnRef idx="2">
+        <a:scrgbClr r="0" g="0" b="0"/>
+      </a:lnRef>
+      <a:fillRef idx="1">
+        <a:scrgbClr r="0" g="0" b="0"/>
+      </a:fillRef>
+      <a:effectRef idx="0">
+        <a:scrgbClr r="0" g="0" b="0"/>
+      </a:effectRef>
+      <a:fontRef idx="minor"/>
+    </dgm:style>
+  </dgm:styleLbl>
+  <dgm:styleLbl name="fgAcc4">
+    <dgm:scene3d>
+      <a:camera prst="orthographicFront"/>
+      <a:lightRig rig="threePt" dir="t"/>
+    </dgm:scene3d>
+    <dgm:sp3d/>
+    <dgm:txPr/>
+    <dgm:style>
+      <a:lnRef idx="2">
+        <a:scrgbClr r="0" g="0" b="0"/>
+      </a:lnRef>
+      <a:fillRef idx="1">
+        <a:scrgbClr r="0" g="0" b="0"/>
+      </a:fillRef>
+      <a:effectRef idx="0">
+        <a:scrgbClr r="0" g="0" b="0"/>
+      </a:effectRef>
+      <a:fontRef idx="minor"/>
+    </dgm:style>
+  </dgm:styleLbl>
+  <dgm:styleLbl name="bgShp">
+    <dgm:scene3d>
+      <a:camera prst="orthographicFront"/>
+      <a:lightRig rig="threePt" dir="t"/>
+    </dgm:scene3d>
+    <dgm:sp3d/>
+    <dgm:txPr/>
+    <dgm:style>
+      <a:lnRef idx="0">
+        <a:scrgbClr r="0" g="0" b="0"/>
+      </a:lnRef>
+      <a:fillRef idx="1">
+        <a:scrgbClr r="0" g="0" b="0"/>
+      </a:fillRef>
+      <a:effectRef idx="0">
+        <a:scrgbClr r="0" g="0" b="0"/>
+      </a:effectRef>
+      <a:fontRef idx="minor"/>
+    </dgm:style>
+  </dgm:styleLbl>
+  <dgm:styleLbl name="dkBgShp">
+    <dgm:scene3d>
+      <a:camera prst="orthographicFront"/>
+      <a:lightRig rig="threePt" dir="t"/>
+    </dgm:scene3d>
+    <dgm:sp3d/>
+    <dgm:txPr/>
+    <dgm:style>
+      <a:lnRef idx="0">
+        <a:scrgbClr r="0" g="0" b="0"/>
+      </a:lnRef>
+      <a:fillRef idx="1">
+        <a:scrgbClr r="0" g="0" b="0"/>
+      </a:fillRef>
+      <a:effectRef idx="0">
+        <a:scrgbClr r="0" g="0" b="0"/>
+      </a:effectRef>
+      <a:fontRef idx="minor"/>
+    </dgm:style>
+  </dgm:styleLbl>
+  <dgm:styleLbl name="trBgShp">
+    <dgm:scene3d>
+      <a:camera prst="orthographicFront"/>
+      <a:lightRig rig="threePt" dir="t"/>
+    </dgm:scene3d>
+    <dgm:sp3d/>
+    <dgm:txPr/>
+    <dgm:style>
+      <a:lnRef idx="0">
+        <a:scrgbClr r="0" g="0" b="0"/>
+      </a:lnRef>
+      <a:fillRef idx="1">
+        <a:scrgbClr r="0" g="0" b="0"/>
+      </a:fillRef>
+      <a:effectRef idx="0">
+        <a:scrgbClr r="0" g="0" b="0"/>
+      </a:effectRef>
+      <a:fontRef idx="minor"/>
+    </dgm:style>
+  </dgm:styleLbl>
+  <dgm:styleLbl name="fgShp">
+    <dgm:scene3d>
+      <a:camera prst="orthographicFront"/>
+      <a:lightRig rig="threePt" dir="t"/>
+    </dgm:scene3d>
+    <dgm:sp3d/>
+    <dgm:txPr/>
+    <dgm:style>
+      <a:lnRef idx="2">
+        <a:scrgbClr r="0" g="0" b="0"/>
+      </a:lnRef>
+      <a:fillRef idx="1">
+        <a:scrgbClr r="0" g="0" b="0"/>
+      </a:fillRef>
+      <a:effectRef idx="0">
+        <a:scrgbClr r="0" g="0" b="0"/>
+      </a:effectRef>
+      <a:fontRef idx="minor"/>
+    </dgm:style>
+  </dgm:styleLbl>
+  <dgm:styleLbl name="revTx">
+    <dgm:scene3d>
+      <a:camera prst="orthographicFront"/>
+      <a:lightRig rig="threePt" dir="t"/>
+    </dgm:scene3d>
+    <dgm:sp3d/>
+    <dgm:txPr/>
+    <dgm:style>
+      <a:lnRef idx="0">
+        <a:scrgbClr r="0" g="0" b="0"/>
+      </a:lnRef>
+      <a:fillRef idx="0">
+        <a:scrgbClr r="0" g="0" b="0"/>
+      </a:fillRef>
+      <a:effectRef idx="0">
+        <a:scrgbClr r="0" g="0" b="0"/>
+      </a:effectRef>
+      <a:fontRef idx="minor"/>
+    </dgm:style>
+  </dgm:styleLbl>
+</dgm:styleDef>
+</file>
+
 <file path=ppt/notesMasters/notesMaster1.xml><?xml version="1.0" encoding="utf-8"?>
 <p:notesMaster xmlns:a="http://schemas.openxmlformats.org/drawingml/2006/main" xmlns:r="http://schemas.openxmlformats.org/officeDocument/2006/relationships" xmlns:p="http://schemas.openxmlformats.org/presentationml/2006/main">
   <p:cSld>
@@ -203,7 +3245,7 @@
           <a:p>
             <a:fld id="{710F1C6C-D8CC-F94D-BF45-CAC98A227763}" type="datetimeFigureOut">
               <a:rPr lang="de-DE" smtClean="0"/>
-              <a:t>09.06.24</a:t>
+              <a:t>11.06.2024</a:t>
             </a:fld>
             <a:endParaRPr lang="de-DE"/>
           </a:p>
@@ -789,7 +3831,7 @@
           <a:p>
             <a:fld id="{1ECB5883-038C-4696-8E27-1811E470D6D4}" type="datetime1">
               <a:rPr lang="en-US" smtClean="0"/>
-              <a:t>6/9/24</a:t>
+              <a:t>6/11/2024</a:t>
             </a:fld>
             <a:endParaRPr lang="en-US"/>
           </a:p>
@@ -990,7 +4032,7 @@
           <a:p>
             <a:fld id="{61E8A6D4-154B-4E4D-9001-7A6C328D243E}" type="datetime1">
               <a:rPr lang="en-US" smtClean="0"/>
-              <a:t>6/9/24</a:t>
+              <a:t>6/11/2024</a:t>
             </a:fld>
             <a:endParaRPr lang="en-US"/>
           </a:p>
@@ -1201,7 +4243,7 @@
           <a:p>
             <a:fld id="{EF880999-9BD6-4929-BDEC-B84E21C16701}" type="datetime1">
               <a:rPr lang="en-US" smtClean="0"/>
-              <a:t>6/9/24</a:t>
+              <a:t>6/11/2024</a:t>
             </a:fld>
             <a:endParaRPr lang="en-US"/>
           </a:p>
@@ -1402,7 +4444,7 @@
           <a:p>
             <a:fld id="{579F6069-8263-4296-913A-BC2234E8D32B}" type="datetime1">
               <a:rPr lang="en-US" smtClean="0"/>
-              <a:t>6/9/24</a:t>
+              <a:t>6/11/2024</a:t>
             </a:fld>
             <a:endParaRPr lang="en-US"/>
           </a:p>
@@ -1682,7 +4724,7 @@
           <a:p>
             <a:fld id="{BC9F5005-EC25-4FB9-B19B-2437F0B120D2}" type="datetime1">
               <a:rPr lang="en-US" smtClean="0"/>
-              <a:t>6/9/24</a:t>
+              <a:t>6/11/2024</a:t>
             </a:fld>
             <a:endParaRPr lang="en-US"/>
           </a:p>
@@ -1950,7 +4992,7 @@
           <a:p>
             <a:fld id="{0B283B5C-2325-42FF-AF91-C1451D9D66CC}" type="datetime1">
               <a:rPr lang="en-US" smtClean="0"/>
-              <a:t>6/9/24</a:t>
+              <a:t>6/11/2024</a:t>
             </a:fld>
             <a:endParaRPr lang="en-US"/>
           </a:p>
@@ -2369,7 +5411,7 @@
           <a:p>
             <a:fld id="{0F88DB08-3B01-46DD-99F2-F6F6334EA669}" type="datetime1">
               <a:rPr lang="en-US" smtClean="0"/>
-              <a:t>6/9/24</a:t>
+              <a:t>6/11/2024</a:t>
             </a:fld>
             <a:endParaRPr lang="en-US"/>
           </a:p>
@@ -2513,7 +5555,7 @@
           <a:p>
             <a:fld id="{5892AC11-ACC3-4129-BBD7-C580BF1A4EE7}" type="datetime1">
               <a:rPr lang="en-US" smtClean="0"/>
-              <a:t>6/9/24</a:t>
+              <a:t>6/11/2024</a:t>
             </a:fld>
             <a:endParaRPr lang="en-US"/>
           </a:p>
@@ -2629,7 +5671,7 @@
           <a:p>
             <a:fld id="{6D80F7F3-E406-44E2-93AF-674B3F1A2E51}" type="datetime1">
               <a:rPr lang="en-US" smtClean="0"/>
-              <a:t>6/9/24</a:t>
+              <a:t>6/11/2024</a:t>
             </a:fld>
             <a:endParaRPr lang="en-US"/>
           </a:p>
@@ -2947,7 +5989,7 @@
           <a:p>
             <a:fld id="{2FB1DD93-7C9D-4E53-81F0-DDE57FEA7EDB}" type="datetime1">
               <a:rPr lang="en-US" smtClean="0"/>
-              <a:t>6/9/24</a:t>
+              <a:t>6/11/2024</a:t>
             </a:fld>
             <a:endParaRPr lang="en-US"/>
           </a:p>
@@ -3240,7 +6282,7 @@
           <a:p>
             <a:fld id="{3DF7BC28-59DE-4F83-B4A1-497203279FAD}" type="datetime1">
               <a:rPr lang="en-US" smtClean="0"/>
-              <a:t>6/9/24</a:t>
+              <a:t>6/11/2024</a:t>
             </a:fld>
             <a:endParaRPr lang="en-US"/>
           </a:p>
@@ -3540,7 +6582,7 @@
           <a:p>
             <a:fld id="{0BDC4764-F656-4735-9820-9886F8DF1D6A}" type="datetime1">
               <a:rPr lang="en-US" smtClean="0"/>
-              <a:t>6/9/24</a:t>
+              <a:t>6/11/2024</a:t>
             </a:fld>
             <a:endParaRPr lang="en-US" dirty="0"/>
           </a:p>
@@ -4795,7 +7837,7 @@
           <a:p>
             <a:fld id="{579F6069-8263-4296-913A-BC2234E8D32B}" type="datetime1">
               <a:rPr lang="en-US" smtClean="0"/>
-              <a:t>6/9/24</a:t>
+              <a:t>6/11/2024</a:t>
             </a:fld>
             <a:endParaRPr lang="en-US"/>
           </a:p>
@@ -6651,7 +9693,7 @@
           <a:p>
             <a:fld id="{579F6069-8263-4296-913A-BC2234E8D32B}" type="datetime1">
               <a:rPr lang="en-US" smtClean="0"/>
-              <a:t>6/9/24</a:t>
+              <a:t>6/11/2024</a:t>
             </a:fld>
             <a:endParaRPr lang="en-US"/>
           </a:p>
@@ -10283,41 +13325,6 @@
       </p:sp>
       <p:sp>
         <p:nvSpPr>
-          <p:cNvPr id="3" name="Inhaltsplatzhalter 2">
-            <a:extLst>
-              <a:ext uri="{FF2B5EF4-FFF2-40B4-BE49-F238E27FC236}">
-                <a16:creationId xmlns:a16="http://schemas.microsoft.com/office/drawing/2014/main" id="{79C3424A-11A3-F2D2-7DB8-CBC0256484A1}"/>
-              </a:ext>
-            </a:extLst>
-          </p:cNvPr>
-          <p:cNvSpPr>
-            <a:spLocks noGrp="1"/>
-          </p:cNvSpPr>
-          <p:nvPr>
-            <p:ph idx="1"/>
-          </p:nvPr>
-        </p:nvSpPr>
-        <p:spPr>
-          <a:xfrm>
-            <a:off x="877824" y="1478903"/>
-            <a:ext cx="10442448" cy="3321698"/>
-          </a:xfrm>
-        </p:spPr>
-        <p:txBody>
-          <a:bodyPr>
-            <a:normAutofit/>
-          </a:bodyPr>
-          <a:lstStyle/>
-          <a:p>
-            <a:pPr marL="0" indent="0">
-              <a:buNone/>
-            </a:pPr>
-            <a:endParaRPr lang="de-DE" sz="2000" dirty="0"/>
-          </a:p>
-        </p:txBody>
-      </p:sp>
-      <p:sp>
-        <p:nvSpPr>
           <p:cNvPr id="4" name="Datumsplatzhalter 3">
             <a:extLst>
               <a:ext uri="{FF2B5EF4-FFF2-40B4-BE49-F238E27FC236}">
@@ -10339,7 +13346,7 @@
           <a:p>
             <a:fld id="{579F6069-8263-4296-913A-BC2234E8D32B}" type="datetime1">
               <a:rPr lang="en-US" smtClean="0"/>
-              <a:t>6/9/24</a:t>
+              <a:t>6/11/2024</a:t>
             </a:fld>
             <a:endParaRPr lang="en-US"/>
           </a:p>
@@ -10396,6 +13403,736 @@
               <a:t>4</a:t>
             </a:fld>
             <a:endParaRPr lang="en-US"/>
+          </a:p>
+        </p:txBody>
+      </p:sp>
+      <p:graphicFrame>
+        <p:nvGraphicFramePr>
+          <p:cNvPr id="14" name="Inhaltsplatzhalter 8">
+            <a:extLst>
+              <a:ext uri="{FF2B5EF4-FFF2-40B4-BE49-F238E27FC236}">
+                <a16:creationId xmlns:a16="http://schemas.microsoft.com/office/drawing/2014/main" id="{BB7C9777-D33D-3B70-4005-A2CAC3FDA5AF}"/>
+              </a:ext>
+            </a:extLst>
+          </p:cNvPr>
+          <p:cNvGraphicFramePr>
+            <a:graphicFrameLocks noGrp="1"/>
+          </p:cNvGraphicFramePr>
+          <p:nvPr>
+            <p:ph idx="1"/>
+            <p:extLst>
+              <p:ext uri="{D42A27DB-BD31-4B8C-83A1-F6EECF244321}">
+                <p14:modId xmlns:p14="http://schemas.microsoft.com/office/powerpoint/2010/main" val="1003800455"/>
+              </p:ext>
+            </p:extLst>
+          </p:nvPr>
+        </p:nvGraphicFramePr>
+        <p:xfrm>
+          <a:off x="877824" y="1221210"/>
+          <a:ext cx="10442575" cy="1492494"/>
+        </p:xfrm>
+        <a:graphic>
+          <a:graphicData uri="http://schemas.openxmlformats.org/drawingml/2006/diagram">
+            <dgm:relIds xmlns:dgm="http://schemas.openxmlformats.org/drawingml/2006/diagram" xmlns:r="http://schemas.openxmlformats.org/officeDocument/2006/relationships" r:dm="rId2" r:lo="rId3" r:qs="rId4" r:cs="rId5"/>
+          </a:graphicData>
+        </a:graphic>
+      </p:graphicFrame>
+      <p:graphicFrame>
+        <p:nvGraphicFramePr>
+          <p:cNvPr id="15" name="Tabelle 14">
+            <a:extLst>
+              <a:ext uri="{FF2B5EF4-FFF2-40B4-BE49-F238E27FC236}">
+                <a16:creationId xmlns:a16="http://schemas.microsoft.com/office/drawing/2014/main" id="{E58D3868-3BBA-1956-F9A5-A5932B3023D6}"/>
+              </a:ext>
+            </a:extLst>
+          </p:cNvPr>
+          <p:cNvGraphicFramePr>
+            <a:graphicFrameLocks noGrp="1"/>
+          </p:cNvGraphicFramePr>
+          <p:nvPr>
+            <p:extLst>
+              <p:ext uri="{D42A27DB-BD31-4B8C-83A1-F6EECF244321}">
+                <p14:modId xmlns:p14="http://schemas.microsoft.com/office/powerpoint/2010/main" val="2176482236"/>
+              </p:ext>
+            </p:extLst>
+          </p:nvPr>
+        </p:nvGraphicFramePr>
+        <p:xfrm>
+          <a:off x="877824" y="2713704"/>
+          <a:ext cx="10443070" cy="2011680"/>
+        </p:xfrm>
+        <a:graphic>
+          <a:graphicData uri="http://schemas.openxmlformats.org/drawingml/2006/table">
+            <a:tbl>
+              <a:tblPr firstRow="1" bandRow="1">
+                <a:tableStyleId>{5C22544A-7EE6-4342-B048-85BDC9FD1C3A}</a:tableStyleId>
+              </a:tblPr>
+              <a:tblGrid>
+                <a:gridCol w="2088614">
+                  <a:extLst>
+                    <a:ext uri="{9D8B030D-6E8A-4147-A177-3AD203B41FA5}">
+                      <a16:colId xmlns:a16="http://schemas.microsoft.com/office/drawing/2014/main" val="589005045"/>
+                    </a:ext>
+                  </a:extLst>
+                </a:gridCol>
+                <a:gridCol w="2088614">
+                  <a:extLst>
+                    <a:ext uri="{9D8B030D-6E8A-4147-A177-3AD203B41FA5}">
+                      <a16:colId xmlns:a16="http://schemas.microsoft.com/office/drawing/2014/main" val="3344254977"/>
+                    </a:ext>
+                  </a:extLst>
+                </a:gridCol>
+                <a:gridCol w="2088614">
+                  <a:extLst>
+                    <a:ext uri="{9D8B030D-6E8A-4147-A177-3AD203B41FA5}">
+                      <a16:colId xmlns:a16="http://schemas.microsoft.com/office/drawing/2014/main" val="2177437055"/>
+                    </a:ext>
+                  </a:extLst>
+                </a:gridCol>
+                <a:gridCol w="2088614">
+                  <a:extLst>
+                    <a:ext uri="{9D8B030D-6E8A-4147-A177-3AD203B41FA5}">
+                      <a16:colId xmlns:a16="http://schemas.microsoft.com/office/drawing/2014/main" val="3537998432"/>
+                    </a:ext>
+                  </a:extLst>
+                </a:gridCol>
+                <a:gridCol w="2088614">
+                  <a:extLst>
+                    <a:ext uri="{9D8B030D-6E8A-4147-A177-3AD203B41FA5}">
+                      <a16:colId xmlns:a16="http://schemas.microsoft.com/office/drawing/2014/main" val="3627360869"/>
+                    </a:ext>
+                  </a:extLst>
+                </a:gridCol>
+              </a:tblGrid>
+              <a:tr h="370840">
+                <a:tc>
+                  <a:txBody>
+                    <a:bodyPr/>
+                    <a:lstStyle/>
+                    <a:p>
+                      <a:pPr marL="285750" indent="-285750">
+                        <a:buFont typeface="Arial" panose="020B0604020202020204" pitchFamily="34" charset="0"/>
+                        <a:buChar char="•"/>
+                      </a:pPr>
+                      <a:r>
+                        <a:rPr lang="de-DE" b="0" dirty="0" err="1">
+                          <a:solidFill>
+                            <a:schemeClr val="tx1"/>
+                          </a:solidFill>
+                        </a:rPr>
+                        <a:t>book</a:t>
+                      </a:r>
+                      <a:endParaRPr lang="de-DE" b="0" dirty="0">
+                        <a:solidFill>
+                          <a:schemeClr val="tx1"/>
+                        </a:solidFill>
+                      </a:endParaRPr>
+                    </a:p>
+                    <a:p>
+                      <a:pPr marL="285750" indent="-285750">
+                        <a:buFont typeface="Arial" panose="020B0604020202020204" pitchFamily="34" charset="0"/>
+                        <a:buChar char="•"/>
+                      </a:pPr>
+                      <a:r>
+                        <a:rPr lang="de-DE" b="0" dirty="0" err="1">
+                          <a:solidFill>
+                            <a:schemeClr val="tx1"/>
+                          </a:solidFill>
+                        </a:rPr>
+                        <a:t>article</a:t>
+                      </a:r>
+                      <a:endParaRPr lang="de-DE" b="0" dirty="0">
+                        <a:solidFill>
+                          <a:schemeClr val="tx1"/>
+                        </a:solidFill>
+                      </a:endParaRPr>
+                    </a:p>
+                    <a:p>
+                      <a:pPr marL="285750" indent="-285750">
+                        <a:buFont typeface="Arial" panose="020B0604020202020204" pitchFamily="34" charset="0"/>
+                        <a:buChar char="•"/>
+                      </a:pPr>
+                      <a:r>
+                        <a:rPr lang="de-DE" b="0" dirty="0" err="1">
+                          <a:solidFill>
+                            <a:schemeClr val="tx1"/>
+                          </a:solidFill>
+                        </a:rPr>
+                        <a:t>proceedings</a:t>
+                      </a:r>
+                      <a:endParaRPr lang="de-DE" b="0" dirty="0">
+                        <a:solidFill>
+                          <a:schemeClr val="tx1"/>
+                        </a:solidFill>
+                      </a:endParaRPr>
+                    </a:p>
+                    <a:p>
+                      <a:pPr marL="285750" indent="-285750">
+                        <a:buFont typeface="Arial" panose="020B0604020202020204" pitchFamily="34" charset="0"/>
+                        <a:buChar char="•"/>
+                      </a:pPr>
+                      <a:r>
+                        <a:rPr lang="de-DE" b="0" dirty="0" err="1">
+                          <a:solidFill>
+                            <a:schemeClr val="tx1"/>
+                          </a:solidFill>
+                        </a:rPr>
+                        <a:t>inproceedings</a:t>
+                      </a:r>
+                      <a:endParaRPr lang="de-DE" b="0" dirty="0">
+                        <a:solidFill>
+                          <a:schemeClr val="tx1"/>
+                        </a:solidFill>
+                      </a:endParaRPr>
+                    </a:p>
+                    <a:p>
+                      <a:pPr marL="285750" indent="-285750">
+                        <a:buFont typeface="Arial" panose="020B0604020202020204" pitchFamily="34" charset="0"/>
+                        <a:buChar char="•"/>
+                      </a:pPr>
+                      <a:r>
+                        <a:rPr lang="de-DE" b="0" dirty="0" err="1">
+                          <a:solidFill>
+                            <a:schemeClr val="tx1"/>
+                          </a:solidFill>
+                        </a:rPr>
+                        <a:t>incollection</a:t>
+                      </a:r>
+                      <a:endParaRPr lang="de-DE" b="0" dirty="0">
+                        <a:solidFill>
+                          <a:schemeClr val="tx1"/>
+                        </a:solidFill>
+                      </a:endParaRPr>
+                    </a:p>
+                    <a:p>
+                      <a:pPr marL="285750" indent="-285750">
+                        <a:buFont typeface="Arial" panose="020B0604020202020204" pitchFamily="34" charset="0"/>
+                        <a:buChar char="•"/>
+                      </a:pPr>
+                      <a:r>
+                        <a:rPr lang="de-DE" b="0" dirty="0" err="1">
+                          <a:solidFill>
+                            <a:schemeClr val="tx1"/>
+                          </a:solidFill>
+                        </a:rPr>
+                        <a:t>phdthesis</a:t>
+                      </a:r>
+                      <a:endParaRPr lang="de-DE" b="0" dirty="0">
+                        <a:solidFill>
+                          <a:schemeClr val="tx1"/>
+                        </a:solidFill>
+                      </a:endParaRPr>
+                    </a:p>
+                  </a:txBody>
+                  <a:tcPr>
+                    <a:lnL w="12700" cmpd="sng">
+                      <a:noFill/>
+                    </a:lnL>
+                    <a:lnR w="12700" cmpd="sng">
+                      <a:noFill/>
+                    </a:lnR>
+                    <a:lnT w="12700" cmpd="sng">
+                      <a:noFill/>
+                    </a:lnT>
+                    <a:lnB w="38100" cmpd="sng">
+                      <a:noFill/>
+                    </a:lnB>
+                    <a:lnTlToBr w="12700" cmpd="sng">
+                      <a:noFill/>
+                      <a:prstDash val="solid"/>
+                    </a:lnTlToBr>
+                    <a:lnBlToTr w="12700" cmpd="sng">
+                      <a:noFill/>
+                      <a:prstDash val="solid"/>
+                    </a:lnBlToTr>
+                    <a:noFill/>
+                  </a:tcPr>
+                </a:tc>
+                <a:tc>
+                  <a:txBody>
+                    <a:bodyPr/>
+                    <a:lstStyle/>
+                    <a:p>
+                      <a:pPr marL="285750" indent="-285750">
+                        <a:buFont typeface="Arial" panose="020B0604020202020204" pitchFamily="34" charset="0"/>
+                        <a:buChar char="•"/>
+                      </a:pPr>
+                      <a:r>
+                        <a:rPr lang="de-DE" b="0" dirty="0" err="1">
+                          <a:solidFill>
+                            <a:schemeClr val="tx1"/>
+                          </a:solidFill>
+                        </a:rPr>
+                        <a:t>authors</a:t>
+                      </a:r>
+                      <a:endParaRPr lang="de-DE" b="0" dirty="0">
+                        <a:solidFill>
+                          <a:schemeClr val="tx1"/>
+                        </a:solidFill>
+                      </a:endParaRPr>
+                    </a:p>
+                    <a:p>
+                      <a:pPr marL="285750" indent="-285750">
+                        <a:buFont typeface="Arial" panose="020B0604020202020204" pitchFamily="34" charset="0"/>
+                        <a:buChar char="•"/>
+                      </a:pPr>
+                      <a:r>
+                        <a:rPr lang="de-DE" b="0" dirty="0" err="1">
+                          <a:solidFill>
+                            <a:schemeClr val="tx1"/>
+                          </a:solidFill>
+                        </a:rPr>
+                        <a:t>editors</a:t>
+                      </a:r>
+                      <a:endParaRPr lang="de-DE" b="0" dirty="0">
+                        <a:solidFill>
+                          <a:schemeClr val="tx1"/>
+                        </a:solidFill>
+                      </a:endParaRPr>
+                    </a:p>
+                  </a:txBody>
+                  <a:tcPr>
+                    <a:lnL w="12700" cmpd="sng">
+                      <a:noFill/>
+                    </a:lnL>
+                    <a:lnR w="12700" cmpd="sng">
+                      <a:noFill/>
+                    </a:lnR>
+                    <a:lnT w="12700" cmpd="sng">
+                      <a:noFill/>
+                    </a:lnT>
+                    <a:lnB w="38100" cmpd="sng">
+                      <a:noFill/>
+                    </a:lnB>
+                    <a:lnTlToBr w="12700" cmpd="sng">
+                      <a:noFill/>
+                      <a:prstDash val="solid"/>
+                    </a:lnTlToBr>
+                    <a:lnBlToTr w="12700" cmpd="sng">
+                      <a:noFill/>
+                      <a:prstDash val="solid"/>
+                    </a:lnBlToTr>
+                    <a:noFill/>
+                  </a:tcPr>
+                </a:tc>
+                <a:tc>
+                  <a:txBody>
+                    <a:bodyPr/>
+                    <a:lstStyle/>
+                    <a:p>
+                      <a:pPr marL="285750" indent="-285750">
+                        <a:buFont typeface="Arial" panose="020B0604020202020204" pitchFamily="34" charset="0"/>
+                        <a:buChar char="•"/>
+                      </a:pPr>
+                      <a:r>
+                        <a:rPr lang="de-DE" b="0" dirty="0" err="1">
+                          <a:solidFill>
+                            <a:schemeClr val="tx1"/>
+                          </a:solidFill>
+                        </a:rPr>
+                        <a:t>year</a:t>
+                      </a:r>
+                      <a:endParaRPr lang="de-DE" b="0" dirty="0">
+                        <a:solidFill>
+                          <a:schemeClr val="tx1"/>
+                        </a:solidFill>
+                      </a:endParaRPr>
+                    </a:p>
+                    <a:p>
+                      <a:pPr marL="285750" indent="-285750">
+                        <a:buFont typeface="Arial" panose="020B0604020202020204" pitchFamily="34" charset="0"/>
+                        <a:buChar char="•"/>
+                      </a:pPr>
+                      <a:r>
+                        <a:rPr lang="de-DE" b="0" dirty="0" err="1">
+                          <a:solidFill>
+                            <a:schemeClr val="tx1"/>
+                          </a:solidFill>
+                        </a:rPr>
+                        <a:t>volume</a:t>
+                      </a:r>
+                      <a:endParaRPr lang="de-DE" b="0" dirty="0">
+                        <a:solidFill>
+                          <a:schemeClr val="tx1"/>
+                        </a:solidFill>
+                      </a:endParaRPr>
+                    </a:p>
+                    <a:p>
+                      <a:pPr marL="285750" indent="-285750">
+                        <a:buFont typeface="Arial" panose="020B0604020202020204" pitchFamily="34" charset="0"/>
+                        <a:buChar char="•"/>
+                      </a:pPr>
+                      <a:r>
+                        <a:rPr lang="de-DE" b="0" dirty="0" err="1">
+                          <a:solidFill>
+                            <a:schemeClr val="tx1"/>
+                          </a:solidFill>
+                        </a:rPr>
+                        <a:t>number</a:t>
+                      </a:r>
+                      <a:endParaRPr lang="de-DE" b="0" dirty="0">
+                        <a:solidFill>
+                          <a:schemeClr val="tx1"/>
+                        </a:solidFill>
+                      </a:endParaRPr>
+                    </a:p>
+                    <a:p>
+                      <a:pPr marL="285750" indent="-285750">
+                        <a:buFont typeface="Arial" panose="020B0604020202020204" pitchFamily="34" charset="0"/>
+                        <a:buChar char="•"/>
+                      </a:pPr>
+                      <a:r>
+                        <a:rPr lang="de-DE" b="0" dirty="0" err="1">
+                          <a:solidFill>
+                            <a:schemeClr val="tx1"/>
+                          </a:solidFill>
+                        </a:rPr>
+                        <a:t>edition</a:t>
+                      </a:r>
+                      <a:endParaRPr lang="de-DE" b="0" dirty="0">
+                        <a:solidFill>
+                          <a:schemeClr val="tx1"/>
+                        </a:solidFill>
+                      </a:endParaRPr>
+                    </a:p>
+                    <a:p>
+                      <a:pPr marL="285750" indent="-285750">
+                        <a:buFont typeface="Arial" panose="020B0604020202020204" pitchFamily="34" charset="0"/>
+                        <a:buChar char="•"/>
+                      </a:pPr>
+                      <a:r>
+                        <a:rPr lang="de-DE" b="0" dirty="0" err="1">
+                          <a:solidFill>
+                            <a:schemeClr val="tx1"/>
+                          </a:solidFill>
+                        </a:rPr>
+                        <a:t>pages</a:t>
+                      </a:r>
+                      <a:endParaRPr lang="de-DE" b="0" dirty="0">
+                        <a:solidFill>
+                          <a:schemeClr val="tx1"/>
+                        </a:solidFill>
+                      </a:endParaRPr>
+                    </a:p>
+                    <a:p>
+                      <a:pPr marL="285750" indent="-285750">
+                        <a:buFont typeface="Arial" panose="020B0604020202020204" pitchFamily="34" charset="0"/>
+                        <a:buChar char="•"/>
+                      </a:pPr>
+                      <a:r>
+                        <a:rPr lang="de-DE" b="0" dirty="0" err="1">
+                          <a:solidFill>
+                            <a:schemeClr val="tx1"/>
+                          </a:solidFill>
+                        </a:rPr>
+                        <a:t>url</a:t>
+                      </a:r>
+                      <a:endParaRPr lang="de-DE" b="0" dirty="0">
+                        <a:solidFill>
+                          <a:schemeClr val="tx1"/>
+                        </a:solidFill>
+                      </a:endParaRPr>
+                    </a:p>
+                    <a:p>
+                      <a:pPr marL="285750" indent="-285750">
+                        <a:buFont typeface="Arial" panose="020B0604020202020204" pitchFamily="34" charset="0"/>
+                        <a:buChar char="•"/>
+                      </a:pPr>
+                      <a:r>
+                        <a:rPr lang="de-DE" b="0" dirty="0" err="1">
+                          <a:solidFill>
+                            <a:schemeClr val="tx1"/>
+                          </a:solidFill>
+                        </a:rPr>
+                        <a:t>doi</a:t>
+                      </a:r>
+                      <a:endParaRPr lang="de-DE" b="0" dirty="0">
+                        <a:solidFill>
+                          <a:schemeClr val="tx1"/>
+                        </a:solidFill>
+                      </a:endParaRPr>
+                    </a:p>
+                  </a:txBody>
+                  <a:tcPr>
+                    <a:lnL w="12700" cmpd="sng">
+                      <a:noFill/>
+                    </a:lnL>
+                    <a:lnR w="12700" cmpd="sng">
+                      <a:noFill/>
+                    </a:lnR>
+                    <a:lnT w="12700" cmpd="sng">
+                      <a:noFill/>
+                    </a:lnT>
+                    <a:lnB w="38100" cmpd="sng">
+                      <a:noFill/>
+                    </a:lnB>
+                    <a:lnTlToBr w="12700" cmpd="sng">
+                      <a:noFill/>
+                      <a:prstDash val="solid"/>
+                    </a:lnTlToBr>
+                    <a:lnBlToTr w="12700" cmpd="sng">
+                      <a:noFill/>
+                      <a:prstDash val="solid"/>
+                    </a:lnBlToTr>
+                    <a:noFill/>
+                  </a:tcPr>
+                </a:tc>
+                <a:tc>
+                  <a:txBody>
+                    <a:bodyPr/>
+                    <a:lstStyle/>
+                    <a:p>
+                      <a:pPr marL="285750" indent="-285750">
+                        <a:buFont typeface="Arial" panose="020B0604020202020204" pitchFamily="34" charset="0"/>
+                        <a:buChar char="•"/>
+                      </a:pPr>
+                      <a:r>
+                        <a:rPr lang="de-DE" b="0" dirty="0">
+                          <a:solidFill>
+                            <a:schemeClr val="tx1"/>
+                          </a:solidFill>
+                        </a:rPr>
+                        <a:t>title</a:t>
+                      </a:r>
+                    </a:p>
+                    <a:p>
+                      <a:pPr marL="285750" indent="-285750">
+                        <a:buFont typeface="Arial" panose="020B0604020202020204" pitchFamily="34" charset="0"/>
+                        <a:buChar char="•"/>
+                      </a:pPr>
+                      <a:r>
+                        <a:rPr lang="de-DE" b="0" dirty="0" err="1">
+                          <a:solidFill>
+                            <a:schemeClr val="tx1"/>
+                          </a:solidFill>
+                        </a:rPr>
+                        <a:t>booktitle</a:t>
+                      </a:r>
+                      <a:endParaRPr lang="de-DE" b="0" dirty="0">
+                        <a:solidFill>
+                          <a:schemeClr val="tx1"/>
+                        </a:solidFill>
+                      </a:endParaRPr>
+                    </a:p>
+                    <a:p>
+                      <a:pPr marL="285750" indent="-285750">
+                        <a:buFont typeface="Arial" panose="020B0604020202020204" pitchFamily="34" charset="0"/>
+                        <a:buChar char="•"/>
+                      </a:pPr>
+                      <a:r>
+                        <a:rPr lang="de-DE" b="0" dirty="0" err="1">
+                          <a:solidFill>
+                            <a:schemeClr val="tx1"/>
+                          </a:solidFill>
+                        </a:rPr>
+                        <a:t>series</a:t>
+                      </a:r>
+                      <a:endParaRPr lang="de-DE" b="0" dirty="0">
+                        <a:solidFill>
+                          <a:schemeClr val="tx1"/>
+                        </a:solidFill>
+                      </a:endParaRPr>
+                    </a:p>
+                    <a:p>
+                      <a:pPr marL="285750" indent="-285750">
+                        <a:buFont typeface="Arial" panose="020B0604020202020204" pitchFamily="34" charset="0"/>
+                        <a:buChar char="•"/>
+                      </a:pPr>
+                      <a:r>
+                        <a:rPr lang="de-DE" b="0" dirty="0" err="1">
+                          <a:solidFill>
+                            <a:schemeClr val="tx1"/>
+                          </a:solidFill>
+                        </a:rPr>
+                        <a:t>publisher</a:t>
+                      </a:r>
+                      <a:endParaRPr lang="de-DE" b="0" dirty="0">
+                        <a:solidFill>
+                          <a:schemeClr val="tx1"/>
+                        </a:solidFill>
+                      </a:endParaRPr>
+                    </a:p>
+                  </a:txBody>
+                  <a:tcPr>
+                    <a:lnL w="12700" cmpd="sng">
+                      <a:noFill/>
+                    </a:lnL>
+                    <a:lnR w="12700" cap="flat" cmpd="sng" algn="ctr">
+                      <a:noFill/>
+                      <a:prstDash val="solid"/>
+                      <a:round/>
+                      <a:headEnd type="none" w="med" len="med"/>
+                      <a:tailEnd type="none" w="med" len="med"/>
+                    </a:lnR>
+                    <a:lnT w="12700" cmpd="sng">
+                      <a:noFill/>
+                    </a:lnT>
+                    <a:lnB w="38100" cmpd="sng">
+                      <a:noFill/>
+                    </a:lnB>
+                    <a:lnTlToBr w="12700" cmpd="sng">
+                      <a:noFill/>
+                      <a:prstDash val="solid"/>
+                    </a:lnTlToBr>
+                    <a:lnBlToTr w="12700" cmpd="sng">
+                      <a:noFill/>
+                      <a:prstDash val="solid"/>
+                    </a:lnBlToTr>
+                    <a:solidFill>
+                      <a:srgbClr val="F4F4F4"/>
+                    </a:solidFill>
+                  </a:tcPr>
+                </a:tc>
+                <a:tc>
+                  <a:txBody>
+                    <a:bodyPr/>
+                    <a:lstStyle/>
+                    <a:p>
+                      <a:endParaRPr lang="de-DE" dirty="0"/>
+                    </a:p>
+                  </a:txBody>
+                  <a:tcPr>
+                    <a:lnL w="12700" cap="flat" cmpd="sng" algn="ctr">
+                      <a:noFill/>
+                      <a:prstDash val="solid"/>
+                      <a:round/>
+                      <a:headEnd type="none" w="med" len="med"/>
+                      <a:tailEnd type="none" w="med" len="med"/>
+                    </a:lnL>
+                    <a:lnR w="12700" cap="flat" cmpd="sng" algn="ctr">
+                      <a:noFill/>
+                      <a:prstDash val="solid"/>
+                      <a:round/>
+                      <a:headEnd type="none" w="med" len="med"/>
+                      <a:tailEnd type="none" w="med" len="med"/>
+                    </a:lnR>
+                    <a:lnT w="12700" cap="flat" cmpd="sng" algn="ctr">
+                      <a:noFill/>
+                      <a:prstDash val="solid"/>
+                      <a:round/>
+                      <a:headEnd type="none" w="med" len="med"/>
+                      <a:tailEnd type="none" w="med" len="med"/>
+                    </a:lnT>
+                    <a:lnB w="12700" cap="flat" cmpd="sng" algn="ctr">
+                      <a:noFill/>
+                      <a:prstDash val="solid"/>
+                      <a:round/>
+                      <a:headEnd type="none" w="med" len="med"/>
+                      <a:tailEnd type="none" w="med" len="med"/>
+                    </a:lnB>
+                    <a:lnTlToBr w="12700" cmpd="sng">
+                      <a:noFill/>
+                      <a:prstDash val="solid"/>
+                    </a:lnTlToBr>
+                    <a:lnBlToTr w="12700" cmpd="sng">
+                      <a:noFill/>
+                      <a:prstDash val="solid"/>
+                    </a:lnBlToTr>
+                    <a:solidFill>
+                      <a:srgbClr val="F4F4F4"/>
+                    </a:solidFill>
+                  </a:tcPr>
+                </a:tc>
+                <a:extLst>
+                  <a:ext uri="{0D108BD9-81ED-4DB2-BD59-A6C34878D82A}">
+                    <a16:rowId xmlns:a16="http://schemas.microsoft.com/office/drawing/2014/main" val="625881202"/>
+                  </a:ext>
+                </a:extLst>
+              </a:tr>
+            </a:tbl>
+          </a:graphicData>
+        </a:graphic>
+      </p:graphicFrame>
+      <p:sp>
+        <p:nvSpPr>
+          <p:cNvPr id="16" name="Textfeld 15">
+            <a:extLst>
+              <a:ext uri="{FF2B5EF4-FFF2-40B4-BE49-F238E27FC236}">
+                <a16:creationId xmlns:a16="http://schemas.microsoft.com/office/drawing/2014/main" id="{2A98EDB6-1737-F42F-5509-EF34F43B364E}"/>
+              </a:ext>
+            </a:extLst>
+          </p:cNvPr>
+          <p:cNvSpPr txBox="1"/>
+          <p:nvPr/>
+        </p:nvSpPr>
+        <p:spPr>
+          <a:xfrm>
+            <a:off x="877824" y="4936573"/>
+            <a:ext cx="9396886" cy="1477328"/>
+          </a:xfrm>
+          <a:prstGeom prst="rect">
+            <a:avLst/>
+          </a:prstGeom>
+          <a:noFill/>
+        </p:spPr>
+        <p:txBody>
+          <a:bodyPr wrap="square" rtlCol="0">
+            <a:spAutoFit/>
+          </a:bodyPr>
+          <a:lstStyle/>
+          <a:p>
+            <a:pPr marL="285750" indent="-285750">
+              <a:buFont typeface="Arial" panose="020B0604020202020204" pitchFamily="34" charset="0"/>
+              <a:buChar char="•"/>
+            </a:pPr>
+            <a:r>
+              <a:rPr lang="de-DE" dirty="0"/>
+              <a:t>Binärer Literaturtyp-Klassifizierer (</a:t>
+            </a:r>
+            <a:r>
+              <a:rPr lang="de-DE" dirty="0" err="1"/>
+              <a:t>distilbert</a:t>
+            </a:r>
+            <a:r>
+              <a:rPr lang="de-DE" dirty="0"/>
+              <a:t>-base-</a:t>
+            </a:r>
+            <a:r>
+              <a:rPr lang="de-DE" dirty="0" err="1"/>
+              <a:t>uncased</a:t>
+            </a:r>
+            <a:r>
+              <a:rPr lang="de-DE" dirty="0"/>
+              <a:t>): Ein Klassifizierer spezialisiert sich auf das Erkennen eines Typs</a:t>
+            </a:r>
+          </a:p>
+          <a:p>
+            <a:pPr marL="742950" lvl="1" indent="-285750">
+              <a:buFont typeface="Wingdings" panose="05000000000000000000" pitchFamily="2" charset="2"/>
+              <a:buChar char="Ø"/>
+            </a:pPr>
+            <a:r>
+              <a:rPr lang="de-DE" dirty="0"/>
+              <a:t>Bsp.: Book-Klassifizierer schätzt, ob String Book ist oder nicht </a:t>
+            </a:r>
+          </a:p>
+          <a:p>
+            <a:pPr marL="742950" lvl="1" indent="-285750">
+              <a:buFont typeface="Wingdings" panose="05000000000000000000" pitchFamily="2" charset="2"/>
+              <a:buChar char="Ø"/>
+            </a:pPr>
+            <a:r>
+              <a:rPr lang="de-DE" dirty="0"/>
+              <a:t>Klassifizierer mit höchsten score kommt zum Zuge</a:t>
+            </a:r>
+          </a:p>
+          <a:p>
+            <a:pPr marL="285750" indent="-285750">
+              <a:buFont typeface="Arial" panose="020B0604020202020204" pitchFamily="34" charset="0"/>
+              <a:buChar char="•"/>
+            </a:pPr>
+            <a:r>
+              <a:rPr lang="de-DE" dirty="0"/>
+              <a:t>Tagger: </a:t>
+            </a:r>
+            <a:r>
+              <a:rPr lang="de-DE" dirty="0" err="1"/>
+              <a:t>Hugging</a:t>
+            </a:r>
+            <a:r>
+              <a:rPr lang="de-DE" dirty="0"/>
+              <a:t> Face Transformer Bibliothek</a:t>
+            </a:r>
           </a:p>
         </p:txBody>
       </p:sp>
@@ -10535,7 +14272,7 @@
                   <a:spcPts val="600"/>
                 </a:spcAft>
               </a:pPr>
-              <a:t>6/9/24</a:t>
+              <a:t>6/11/2024</a:t>
             </a:fld>
             <a:endParaRPr lang="en-US"/>
           </a:p>
@@ -11077,7 +14814,7 @@
           <a:p>
             <a:fld id="{579F6069-8263-4296-913A-BC2234E8D32B}" type="datetime1">
               <a:rPr lang="en-US" smtClean="0"/>
-              <a:t>6/9/24</a:t>
+              <a:t>6/11/2024</a:t>
             </a:fld>
             <a:endParaRPr lang="en-US"/>
           </a:p>
@@ -11785,7 +15522,7 @@
           <a:p>
             <a:fld id="{579F6069-8263-4296-913A-BC2234E8D32B}" type="datetime1">
               <a:rPr lang="en-US" smtClean="0"/>
-              <a:t>6/9/24</a:t>
+              <a:t>6/11/2024</a:t>
             </a:fld>
             <a:endParaRPr lang="en-US"/>
           </a:p>

--- a/Durchstich Vortrag.pptx
+++ b/Durchstich Vortrag.pptx
@@ -134,12 +134,12 @@
   <pc:docChgLst>
     <pc:chgData name="Lars Lafleur" userId="a0e371033217b6e9" providerId="LiveId" clId="{613702A7-9DB3-449F-9CF5-799F5E55BFA4}"/>
     <pc:docChg chg="undo redo custSel addSld delSld modSld">
-      <pc:chgData name="Lars Lafleur" userId="a0e371033217b6e9" providerId="LiveId" clId="{613702A7-9DB3-449F-9CF5-799F5E55BFA4}" dt="2024-06-11T12:14:59.149" v="1301" actId="20577"/>
+      <pc:chgData name="Lars Lafleur" userId="a0e371033217b6e9" providerId="LiveId" clId="{613702A7-9DB3-449F-9CF5-799F5E55BFA4}" dt="2024-06-11T12:21:42.688" v="1352" actId="20577"/>
       <pc:docMkLst>
         <pc:docMk/>
       </pc:docMkLst>
       <pc:sldChg chg="addSp delSp modSp mod">
-        <pc:chgData name="Lars Lafleur" userId="a0e371033217b6e9" providerId="LiveId" clId="{613702A7-9DB3-449F-9CF5-799F5E55BFA4}" dt="2024-06-11T12:14:59.149" v="1301" actId="20577"/>
+        <pc:chgData name="Lars Lafleur" userId="a0e371033217b6e9" providerId="LiveId" clId="{613702A7-9DB3-449F-9CF5-799F5E55BFA4}" dt="2024-06-11T12:21:42.688" v="1352" actId="20577"/>
         <pc:sldMkLst>
           <pc:docMk/>
           <pc:sldMk cId="4226524386" sldId="259"/>
@@ -169,7 +169,7 @@
           </ac:spMkLst>
         </pc:spChg>
         <pc:spChg chg="add mod">
-          <ac:chgData name="Lars Lafleur" userId="a0e371033217b6e9" providerId="LiveId" clId="{613702A7-9DB3-449F-9CF5-799F5E55BFA4}" dt="2024-06-11T12:14:59.149" v="1301" actId="20577"/>
+          <ac:chgData name="Lars Lafleur" userId="a0e371033217b6e9" providerId="LiveId" clId="{613702A7-9DB3-449F-9CF5-799F5E55BFA4}" dt="2024-06-11T12:21:42.688" v="1352" actId="20577"/>
           <ac:spMkLst>
             <pc:docMk/>
             <pc:sldMk cId="4226524386" sldId="259"/>
@@ -14076,6 +14076,24 @@
               <a:buChar char="•"/>
             </a:pPr>
             <a:r>
+              <a:rPr lang="de-DE"/>
+              <a:t>Klassifizierer und Tagger aus </a:t>
+            </a:r>
+            <a:r>
+              <a:rPr lang="de-DE" dirty="0" err="1"/>
+              <a:t>Hugging</a:t>
+            </a:r>
+            <a:r>
+              <a:rPr lang="de-DE" dirty="0"/>
+              <a:t> Face Transformer Bibliothek</a:t>
+            </a:r>
+          </a:p>
+          <a:p>
+            <a:pPr marL="285750" indent="-285750">
+              <a:buFont typeface="Arial" panose="020B0604020202020204" pitchFamily="34" charset="0"/>
+              <a:buChar char="•"/>
+            </a:pPr>
+            <a:r>
               <a:rPr lang="de-DE" dirty="0"/>
               <a:t>Binärer Literaturtyp-Klassifizierer (</a:t>
             </a:r>
@@ -14114,24 +14132,6 @@
             <a:r>
               <a:rPr lang="de-DE" dirty="0"/>
               <a:t>Klassifizierer mit höchsten score kommt zum Zuge</a:t>
-            </a:r>
-          </a:p>
-          <a:p>
-            <a:pPr marL="285750" indent="-285750">
-              <a:buFont typeface="Arial" panose="020B0604020202020204" pitchFamily="34" charset="0"/>
-              <a:buChar char="•"/>
-            </a:pPr>
-            <a:r>
-              <a:rPr lang="de-DE" dirty="0"/>
-              <a:t>Tagger: </a:t>
-            </a:r>
-            <a:r>
-              <a:rPr lang="de-DE" dirty="0" err="1"/>
-              <a:t>Hugging</a:t>
-            </a:r>
-            <a:r>
-              <a:rPr lang="de-DE" dirty="0"/>
-              <a:t> Face Transformer Bibliothek</a:t>
             </a:r>
           </a:p>
         </p:txBody>

--- a/Durchstich Vortrag.pptx
+++ b/Durchstich Vortrag.pptx
@@ -134,12 +134,12 @@
   <pc:docChgLst>
     <pc:chgData name="Lars Lafleur" userId="a0e371033217b6e9" providerId="LiveId" clId="{613702A7-9DB3-449F-9CF5-799F5E55BFA4}"/>
     <pc:docChg chg="undo redo custSel addSld delSld modSld">
-      <pc:chgData name="Lars Lafleur" userId="a0e371033217b6e9" providerId="LiveId" clId="{613702A7-9DB3-449F-9CF5-799F5E55BFA4}" dt="2024-06-11T12:21:42.688" v="1352" actId="20577"/>
+      <pc:chgData name="Lars Lafleur" userId="a0e371033217b6e9" providerId="LiveId" clId="{613702A7-9DB3-449F-9CF5-799F5E55BFA4}" dt="2024-06-11T12:24:02.785" v="1353" actId="20577"/>
       <pc:docMkLst>
         <pc:docMk/>
       </pc:docMkLst>
       <pc:sldChg chg="addSp delSp modSp mod">
-        <pc:chgData name="Lars Lafleur" userId="a0e371033217b6e9" providerId="LiveId" clId="{613702A7-9DB3-449F-9CF5-799F5E55BFA4}" dt="2024-06-11T12:21:42.688" v="1352" actId="20577"/>
+        <pc:chgData name="Lars Lafleur" userId="a0e371033217b6e9" providerId="LiveId" clId="{613702A7-9DB3-449F-9CF5-799F5E55BFA4}" dt="2024-06-11T12:24:02.785" v="1353" actId="20577"/>
         <pc:sldMkLst>
           <pc:docMk/>
           <pc:sldMk cId="4226524386" sldId="259"/>
@@ -169,7 +169,7 @@
           </ac:spMkLst>
         </pc:spChg>
         <pc:spChg chg="add mod">
-          <ac:chgData name="Lars Lafleur" userId="a0e371033217b6e9" providerId="LiveId" clId="{613702A7-9DB3-449F-9CF5-799F5E55BFA4}" dt="2024-06-11T12:21:42.688" v="1352" actId="20577"/>
+          <ac:chgData name="Lars Lafleur" userId="a0e371033217b6e9" providerId="LiveId" clId="{613702A7-9DB3-449F-9CF5-799F5E55BFA4}" dt="2024-06-11T12:24:02.785" v="1353" actId="20577"/>
           <ac:spMkLst>
             <pc:docMk/>
             <pc:sldMk cId="4226524386" sldId="259"/>
@@ -14076,7 +14076,7 @@
               <a:buChar char="•"/>
             </a:pPr>
             <a:r>
-              <a:rPr lang="de-DE"/>
+              <a:rPr lang="de-DE" dirty="0"/>
               <a:t>Klassifizierer und Tagger aus </a:t>
             </a:r>
             <a:r>
@@ -14085,7 +14085,15 @@
             </a:r>
             <a:r>
               <a:rPr lang="de-DE" dirty="0"/>
-              <a:t> Face Transformer Bibliothek</a:t>
+              <a:t> </a:t>
+            </a:r>
+            <a:r>
+              <a:rPr lang="de-DE"/>
+              <a:t>Face Transformers </a:t>
+            </a:r>
+            <a:r>
+              <a:rPr lang="de-DE" dirty="0"/>
+              <a:t>Bibliothek</a:t>
             </a:r>
           </a:p>
           <a:p>

--- a/Durchstich Vortrag.pptx
+++ b/Durchstich Vortrag.pptx
@@ -5,7 +5,7 @@
     <p:sldMasterId id="2147483712" r:id="rId1"/>
   </p:sldMasterIdLst>
   <p:notesMasterIdLst>
-    <p:notesMasterId r:id="rId9"/>
+    <p:notesMasterId r:id="rId10"/>
   </p:notesMasterIdLst>
   <p:sldIdLst>
     <p:sldId id="256" r:id="rId2"/>
@@ -15,6 +15,7 @@
     <p:sldId id="262" r:id="rId6"/>
     <p:sldId id="261" r:id="rId7"/>
     <p:sldId id="260" r:id="rId8"/>
+    <p:sldId id="263" r:id="rId9"/>
   </p:sldIdLst>
   <p:sldSz cx="12192000" cy="6858000"/>
   <p:notesSz cx="6858000" cy="9144000"/>
@@ -9771,20 +9772,12 @@
             </a:r>
           </a:p>
           <a:p>
-            <a:pPr>
-              <a:buFontTx/>
-              <a:buChar char="-"/>
-            </a:pPr>
             <a:r>
               <a:rPr lang="de-DE" dirty="0"/>
               <a:t>Diverse Sammlungen im Internet</a:t>
             </a:r>
           </a:p>
           <a:p>
-            <a:pPr>
-              <a:buFontTx/>
-              <a:buChar char="-"/>
-            </a:pPr>
             <a:r>
               <a:rPr lang="de-DE" dirty="0" err="1"/>
               <a:t>Mocking</a:t>
@@ -13354,31 +13347,6 @@
       </p:sp>
       <p:sp>
         <p:nvSpPr>
-          <p:cNvPr id="5" name="Fußzeilenplatzhalter 4">
-            <a:extLst>
-              <a:ext uri="{FF2B5EF4-FFF2-40B4-BE49-F238E27FC236}">
-                <a16:creationId xmlns:a16="http://schemas.microsoft.com/office/drawing/2014/main" id="{4466D1B8-A89B-A999-B63F-8C7373B8A951}"/>
-              </a:ext>
-            </a:extLst>
-          </p:cNvPr>
-          <p:cNvSpPr>
-            <a:spLocks noGrp="1"/>
-          </p:cNvSpPr>
-          <p:nvPr>
-            <p:ph type="ftr" sz="quarter" idx="11"/>
-          </p:nvPr>
-        </p:nvSpPr>
-        <p:spPr/>
-        <p:txBody>
-          <a:bodyPr/>
-          <a:lstStyle/>
-          <a:p>
-            <a:endParaRPr lang="en-US" dirty="0"/>
-          </a:p>
-        </p:txBody>
-      </p:sp>
-      <p:sp>
-        <p:nvSpPr>
           <p:cNvPr id="6" name="Foliennummernplatzhalter 5">
             <a:extLst>
               <a:ext uri="{FF2B5EF4-FFF2-40B4-BE49-F238E27FC236}">
@@ -14085,15 +14053,7 @@
             </a:r>
             <a:r>
               <a:rPr lang="de-DE" dirty="0"/>
-              <a:t> </a:t>
-            </a:r>
-            <a:r>
-              <a:rPr lang="de-DE"/>
-              <a:t>Face Transformers </a:t>
-            </a:r>
-            <a:r>
-              <a:rPr lang="de-DE" dirty="0"/>
-              <a:t>Bibliothek</a:t>
+              <a:t> Face Transformers Bibliothek</a:t>
             </a:r>
           </a:p>
           <a:p>
@@ -14139,7 +14099,7 @@
             </a:pPr>
             <a:r>
               <a:rPr lang="de-DE" dirty="0"/>
-              <a:t>Klassifizierer mit höchsten score kommt zum Zuge</a:t>
+              <a:t>Klassifizierer mit höchstem Score kommt zum Zuge</a:t>
             </a:r>
           </a:p>
         </p:txBody>
@@ -14283,46 +14243,6 @@
               <a:t>6/11/2024</a:t>
             </a:fld>
             <a:endParaRPr lang="en-US"/>
-          </a:p>
-        </p:txBody>
-      </p:sp>
-      <p:sp>
-        <p:nvSpPr>
-          <p:cNvPr id="12" name="Footer Placeholder 5">
-            <a:extLst>
-              <a:ext uri="{FF2B5EF4-FFF2-40B4-BE49-F238E27FC236}">
-                <a16:creationId xmlns:a16="http://schemas.microsoft.com/office/drawing/2014/main" id="{0226FB61-145B-57A7-148A-92C02E129861}"/>
-              </a:ext>
-            </a:extLst>
-          </p:cNvPr>
-          <p:cNvSpPr>
-            <a:spLocks noGrp="1"/>
-          </p:cNvSpPr>
-          <p:nvPr>
-            <p:ph type="ftr" sz="quarter" idx="11"/>
-          </p:nvPr>
-        </p:nvSpPr>
-        <p:spPr>
-          <a:xfrm>
-            <a:off x="7132320" y="6356350"/>
-            <a:ext cx="4297680" cy="365125"/>
-          </a:xfrm>
-        </p:spPr>
-        <p:txBody>
-          <a:bodyPr anchor="ctr">
-            <a:normAutofit/>
-          </a:bodyPr>
-          <a:lstStyle/>
-          <a:p>
-            <a:pPr>
-              <a:spcAft>
-                <a:spcPts val="600"/>
-              </a:spcAft>
-            </a:pPr>
-            <a:r>
-              <a:rPr lang="en-US"/>
-              <a:t>Sample Footer Text</a:t>
-            </a:r>
           </a:p>
         </p:txBody>
       </p:sp>
@@ -14724,7 +14644,7 @@
         </p:nvSpPr>
         <p:spPr>
           <a:xfrm>
-            <a:off x="915924" y="4872038"/>
+            <a:off x="920686" y="4564984"/>
             <a:ext cx="10442448" cy="1562100"/>
           </a:xfrm>
         </p:spPr>
@@ -14750,8 +14670,6 @@
               <a:spcBef>
                 <a:spcPts val="0"/>
               </a:spcBef>
-              <a:buFontTx/>
-              <a:buChar char="-"/>
             </a:pPr>
             <a:r>
               <a:rPr lang="de-DE" sz="1800" dirty="0"/>
@@ -14763,8 +14681,6 @@
               <a:spcBef>
                 <a:spcPts val="0"/>
               </a:spcBef>
-              <a:buFontTx/>
-              <a:buChar char="-"/>
             </a:pPr>
             <a:r>
               <a:rPr lang="de-DE" sz="1800" dirty="0"/>
@@ -14776,8 +14692,6 @@
               <a:spcBef>
                 <a:spcPts val="0"/>
               </a:spcBef>
-              <a:buFontTx/>
-              <a:buChar char="-"/>
             </a:pPr>
             <a:r>
               <a:rPr lang="de-DE" sz="1800" dirty="0"/>
@@ -14789,8 +14703,6 @@
               <a:spcBef>
                 <a:spcPts val="0"/>
               </a:spcBef>
-              <a:buFontTx/>
-              <a:buChar char="-"/>
             </a:pPr>
             <a:r>
               <a:rPr lang="de-DE" sz="1800" dirty="0"/>
@@ -14825,31 +14737,6 @@
               <a:t>6/11/2024</a:t>
             </a:fld>
             <a:endParaRPr lang="en-US"/>
-          </a:p>
-        </p:txBody>
-      </p:sp>
-      <p:sp>
-        <p:nvSpPr>
-          <p:cNvPr id="5" name="Fußzeilenplatzhalter 4">
-            <a:extLst>
-              <a:ext uri="{FF2B5EF4-FFF2-40B4-BE49-F238E27FC236}">
-                <a16:creationId xmlns:a16="http://schemas.microsoft.com/office/drawing/2014/main" id="{4466D1B8-A89B-A999-B63F-8C7373B8A951}"/>
-              </a:ext>
-            </a:extLst>
-          </p:cNvPr>
-          <p:cNvSpPr>
-            <a:spLocks noGrp="1"/>
-          </p:cNvSpPr>
-          <p:nvPr>
-            <p:ph type="ftr" sz="quarter" idx="11"/>
-          </p:nvPr>
-        </p:nvSpPr>
-        <p:spPr/>
-        <p:txBody>
-          <a:bodyPr/>
-          <a:lstStyle/>
-          <a:p>
-            <a:endParaRPr lang="en-US" dirty="0"/>
           </a:p>
         </p:txBody>
       </p:sp>
@@ -14904,8 +14791,8 @@
         </p:blipFill>
         <p:spPr>
           <a:xfrm>
-            <a:off x="2143668" y="1285249"/>
-            <a:ext cx="8200482" cy="3461176"/>
+            <a:off x="2715168" y="1358979"/>
+            <a:ext cx="7052720" cy="2976740"/>
           </a:xfrm>
           <a:prstGeom prst="rect">
             <a:avLst/>
@@ -15459,10 +15346,6 @@
             <a:endParaRPr lang="de-DE" sz="1600" dirty="0"/>
           </a:p>
           <a:p>
-            <a:pPr lvl="1"/>
-            <a:endParaRPr lang="de-DE" sz="1600" dirty="0"/>
-          </a:p>
-          <a:p>
             <a:pPr marL="228600" lvl="1" indent="0">
               <a:buNone/>
             </a:pPr>
@@ -15481,7 +15364,7 @@
             <a:pPr lvl="1"/>
             <a:r>
               <a:rPr lang="de-DE" sz="1600" dirty="0"/>
-              <a:t>Erzeugung einer Benutzeroberfläche</a:t>
+              <a:t>Erzeugung/Feinschliff der Benutzeroberfläche</a:t>
             </a:r>
           </a:p>
           <a:p>
@@ -15495,14 +15378,14 @@
             <a:pPr lvl="1"/>
             <a:r>
               <a:rPr lang="de-DE" sz="1600" dirty="0"/>
-              <a:t>Autovervollständigung abgekürzter Begriffe (Vornamen, Journals)</a:t>
+              <a:t>Visualisierung der Evaluationsergebnisse</a:t>
             </a:r>
           </a:p>
           <a:p>
             <a:pPr lvl="1"/>
             <a:r>
               <a:rPr lang="de-DE" sz="1600" dirty="0"/>
-              <a:t>Visualisierung der </a:t>
+              <a:t>Ggf. Autovervollständigung abgekürzter Begriffe (Vornamen, Journals)</a:t>
             </a:r>
           </a:p>
         </p:txBody>
@@ -15533,34 +15416,6 @@
               <a:t>6/11/2024</a:t>
             </a:fld>
             <a:endParaRPr lang="en-US"/>
-          </a:p>
-        </p:txBody>
-      </p:sp>
-      <p:sp>
-        <p:nvSpPr>
-          <p:cNvPr id="5" name="Fußzeilenplatzhalter 4">
-            <a:extLst>
-              <a:ext uri="{FF2B5EF4-FFF2-40B4-BE49-F238E27FC236}">
-                <a16:creationId xmlns:a16="http://schemas.microsoft.com/office/drawing/2014/main" id="{8EB161E8-8985-90B1-15B2-A879086EBB94}"/>
-              </a:ext>
-            </a:extLst>
-          </p:cNvPr>
-          <p:cNvSpPr>
-            <a:spLocks noGrp="1"/>
-          </p:cNvSpPr>
-          <p:nvPr>
-            <p:ph type="ftr" sz="quarter" idx="11"/>
-          </p:nvPr>
-        </p:nvSpPr>
-        <p:spPr/>
-        <p:txBody>
-          <a:bodyPr/>
-          <a:lstStyle/>
-          <a:p>
-            <a:r>
-              <a:rPr lang="en-US"/>
-              <a:t>Sample Footer Text</a:t>
-            </a:r>
           </a:p>
         </p:txBody>
       </p:sp>
@@ -15871,7 +15726,7 @@
                                         <p:tgtEl>
                                           <p:spTgt spid="3">
                                             <p:txEl>
-                                              <p:pRg st="7" end="7"/>
+                                              <p:pRg st="6" end="6"/>
                                             </p:txEl>
                                           </p:spTgt>
                                         </p:tgtEl>
@@ -15889,7 +15744,7 @@
                                         <p:tgtEl>
                                           <p:spTgt spid="3">
                                             <p:txEl>
-                                              <p:pRg st="7" end="7"/>
+                                              <p:pRg st="6" end="6"/>
                                             </p:txEl>
                                           </p:spTgt>
                                         </p:tgtEl>
@@ -15932,7 +15787,7 @@
                                         <p:tgtEl>
                                           <p:spTgt spid="3">
                                             <p:txEl>
-                                              <p:pRg st="8" end="8"/>
+                                              <p:pRg st="7" end="7"/>
                                             </p:txEl>
                                           </p:spTgt>
                                         </p:tgtEl>
@@ -15950,7 +15805,7 @@
                                         <p:tgtEl>
                                           <p:spTgt spid="3">
                                             <p:txEl>
-                                              <p:pRg st="8" end="8"/>
+                                              <p:pRg st="7" end="7"/>
                                             </p:txEl>
                                           </p:spTgt>
                                         </p:tgtEl>
@@ -15993,7 +15848,7 @@
                                         <p:tgtEl>
                                           <p:spTgt spid="3">
                                             <p:txEl>
-                                              <p:pRg st="9" end="9"/>
+                                              <p:pRg st="8" end="8"/>
                                             </p:txEl>
                                           </p:spTgt>
                                         </p:tgtEl>
@@ -16011,7 +15866,7 @@
                                         <p:tgtEl>
                                           <p:spTgt spid="3">
                                             <p:txEl>
-                                              <p:pRg st="9" end="9"/>
+                                              <p:pRg st="8" end="8"/>
                                             </p:txEl>
                                           </p:spTgt>
                                         </p:tgtEl>
@@ -16054,7 +15909,7 @@
                                         <p:tgtEl>
                                           <p:spTgt spid="3">
                                             <p:txEl>
-                                              <p:pRg st="10" end="10"/>
+                                              <p:pRg st="9" end="9"/>
                                             </p:txEl>
                                           </p:spTgt>
                                         </p:tgtEl>
@@ -16072,7 +15927,7 @@
                                         <p:tgtEl>
                                           <p:spTgt spid="3">
                                             <p:txEl>
-                                              <p:pRg st="10" end="10"/>
+                                              <p:pRg st="9" end="9"/>
                                             </p:txEl>
                                           </p:spTgt>
                                         </p:tgtEl>
@@ -16115,7 +15970,7 @@
                                         <p:tgtEl>
                                           <p:spTgt spid="3">
                                             <p:txEl>
-                                              <p:pRg st="11" end="11"/>
+                                              <p:pRg st="10" end="10"/>
                                             </p:txEl>
                                           </p:spTgt>
                                         </p:tgtEl>
@@ -16133,7 +15988,7 @@
                                         <p:tgtEl>
                                           <p:spTgt spid="3">
                                             <p:txEl>
-                                              <p:pRg st="11" end="11"/>
+                                              <p:pRg st="10" end="10"/>
                                             </p:txEl>
                                           </p:spTgt>
                                         </p:tgtEl>
@@ -16173,6 +16028,160 @@
       <p:bldP spid="3" grpId="0" uiExpand="1" build="p"/>
     </p:bldLst>
   </p:timing>
+</p:sld>
+</file>
+
+<file path=ppt/slides/slide8.xml><?xml version="1.0" encoding="utf-8"?>
+<p:sld xmlns:a="http://schemas.openxmlformats.org/drawingml/2006/main" xmlns:r="http://schemas.openxmlformats.org/officeDocument/2006/relationships" xmlns:p="http://schemas.openxmlformats.org/presentationml/2006/main">
+  <p:cSld>
+    <p:spTree>
+      <p:nvGrpSpPr>
+        <p:cNvPr id="1" name=""/>
+        <p:cNvGrpSpPr/>
+        <p:nvPr/>
+      </p:nvGrpSpPr>
+      <p:grpSpPr>
+        <a:xfrm>
+          <a:off x="0" y="0"/>
+          <a:ext cx="0" cy="0"/>
+          <a:chOff x="0" y="0"/>
+          <a:chExt cx="0" cy="0"/>
+        </a:xfrm>
+      </p:grpSpPr>
+      <p:sp>
+        <p:nvSpPr>
+          <p:cNvPr id="3" name="Inhaltsplatzhalter 2">
+            <a:extLst>
+              <a:ext uri="{FF2B5EF4-FFF2-40B4-BE49-F238E27FC236}">
+                <a16:creationId xmlns:a16="http://schemas.microsoft.com/office/drawing/2014/main" id="{9150E465-A7C6-ADC3-2638-FE3FBB26F758}"/>
+              </a:ext>
+            </a:extLst>
+          </p:cNvPr>
+          <p:cNvSpPr>
+            <a:spLocks noGrp="1"/>
+          </p:cNvSpPr>
+          <p:nvPr>
+            <p:ph idx="1"/>
+          </p:nvPr>
+        </p:nvSpPr>
+        <p:spPr>
+          <a:xfrm>
+            <a:off x="877824" y="1066800"/>
+            <a:ext cx="10442448" cy="4995003"/>
+          </a:xfrm>
+        </p:spPr>
+        <p:txBody>
+          <a:bodyPr/>
+          <a:lstStyle/>
+          <a:p>
+            <a:pPr marL="0" indent="0">
+              <a:buNone/>
+            </a:pPr>
+            <a:r>
+              <a:rPr lang="de-DE" dirty="0"/>
+              <a:t>			</a:t>
+            </a:r>
+          </a:p>
+          <a:p>
+            <a:pPr marL="0" indent="0">
+              <a:buNone/>
+            </a:pPr>
+            <a:endParaRPr lang="de-DE" dirty="0"/>
+          </a:p>
+          <a:p>
+            <a:pPr marL="0" indent="0">
+              <a:buNone/>
+            </a:pPr>
+            <a:endParaRPr lang="de-DE" dirty="0"/>
+          </a:p>
+          <a:p>
+            <a:pPr marL="0" indent="0">
+              <a:buNone/>
+            </a:pPr>
+            <a:r>
+              <a:rPr lang="de-DE" sz="3600" dirty="0"/>
+              <a:t>			</a:t>
+            </a:r>
+          </a:p>
+          <a:p>
+            <a:pPr marL="0" indent="0">
+              <a:buNone/>
+            </a:pPr>
+            <a:r>
+              <a:rPr lang="de-DE" sz="3600" dirty="0"/>
+              <a:t>			       Feedback/Fragen?</a:t>
+            </a:r>
+          </a:p>
+        </p:txBody>
+      </p:sp>
+      <p:sp>
+        <p:nvSpPr>
+          <p:cNvPr id="4" name="Datumsplatzhalter 3">
+            <a:extLst>
+              <a:ext uri="{FF2B5EF4-FFF2-40B4-BE49-F238E27FC236}">
+                <a16:creationId xmlns:a16="http://schemas.microsoft.com/office/drawing/2014/main" id="{73C6B035-7C10-2EA5-3BFC-4D52514750FC}"/>
+              </a:ext>
+            </a:extLst>
+          </p:cNvPr>
+          <p:cNvSpPr>
+            <a:spLocks noGrp="1"/>
+          </p:cNvSpPr>
+          <p:nvPr>
+            <p:ph type="dt" sz="half" idx="10"/>
+          </p:nvPr>
+        </p:nvSpPr>
+        <p:spPr/>
+        <p:txBody>
+          <a:bodyPr/>
+          <a:lstStyle/>
+          <a:p>
+            <a:fld id="{579F6069-8263-4296-913A-BC2234E8D32B}" type="datetime1">
+              <a:rPr lang="en-US" smtClean="0"/>
+              <a:t>6/11/2024</a:t>
+            </a:fld>
+            <a:endParaRPr lang="en-US"/>
+          </a:p>
+        </p:txBody>
+      </p:sp>
+      <p:sp>
+        <p:nvSpPr>
+          <p:cNvPr id="6" name="Foliennummernplatzhalter 5">
+            <a:extLst>
+              <a:ext uri="{FF2B5EF4-FFF2-40B4-BE49-F238E27FC236}">
+                <a16:creationId xmlns:a16="http://schemas.microsoft.com/office/drawing/2014/main" id="{7F4CEA4B-6BE1-E65E-836F-0C070AD52595}"/>
+              </a:ext>
+            </a:extLst>
+          </p:cNvPr>
+          <p:cNvSpPr>
+            <a:spLocks noGrp="1"/>
+          </p:cNvSpPr>
+          <p:nvPr>
+            <p:ph type="sldNum" sz="quarter" idx="12"/>
+          </p:nvPr>
+        </p:nvSpPr>
+        <p:spPr/>
+        <p:txBody>
+          <a:bodyPr/>
+          <a:lstStyle/>
+          <a:p>
+            <a:fld id="{C68AC1EC-23E2-4F0E-A5A4-674EC8DB954E}" type="slidenum">
+              <a:rPr lang="en-US" smtClean="0"/>
+              <a:t>8</a:t>
+            </a:fld>
+            <a:endParaRPr lang="en-US"/>
+          </a:p>
+        </p:txBody>
+      </p:sp>
+    </p:spTree>
+    <p:extLst>
+      <p:ext uri="{BB962C8B-B14F-4D97-AF65-F5344CB8AC3E}">
+        <p14:creationId xmlns:p14="http://schemas.microsoft.com/office/powerpoint/2010/main" val="2591551910"/>
+      </p:ext>
+    </p:extLst>
+  </p:cSld>
+  <p:clrMapOvr>
+    <a:masterClrMapping/>
+  </p:clrMapOvr>
 </p:sld>
 </file>
 

--- a/Durchstich Vortrag.pptx
+++ b/Durchstich Vortrag.pptx
@@ -135,12 +135,12 @@
   <pc:docChgLst>
     <pc:chgData name="Lars Lafleur" userId="a0e371033217b6e9" providerId="LiveId" clId="{613702A7-9DB3-449F-9CF5-799F5E55BFA4}"/>
     <pc:docChg chg="undo redo custSel addSld delSld modSld">
-      <pc:chgData name="Lars Lafleur" userId="a0e371033217b6e9" providerId="LiveId" clId="{613702A7-9DB3-449F-9CF5-799F5E55BFA4}" dt="2024-06-11T12:24:02.785" v="1353" actId="20577"/>
+      <pc:chgData name="Lars Lafleur" userId="a0e371033217b6e9" providerId="LiveId" clId="{613702A7-9DB3-449F-9CF5-799F5E55BFA4}" dt="2024-06-11T20:41:01.966" v="1379" actId="20577"/>
       <pc:docMkLst>
         <pc:docMk/>
       </pc:docMkLst>
       <pc:sldChg chg="addSp delSp modSp mod">
-        <pc:chgData name="Lars Lafleur" userId="a0e371033217b6e9" providerId="LiveId" clId="{613702A7-9DB3-449F-9CF5-799F5E55BFA4}" dt="2024-06-11T12:24:02.785" v="1353" actId="20577"/>
+        <pc:chgData name="Lars Lafleur" userId="a0e371033217b6e9" providerId="LiveId" clId="{613702A7-9DB3-449F-9CF5-799F5E55BFA4}" dt="2024-06-11T20:41:01.966" v="1379" actId="20577"/>
         <pc:sldMkLst>
           <pc:docMk/>
           <pc:sldMk cId="4226524386" sldId="259"/>
@@ -218,7 +218,7 @@
           </ac:graphicFrameMkLst>
         </pc:graphicFrameChg>
         <pc:graphicFrameChg chg="add mod modGraphic">
-          <ac:chgData name="Lars Lafleur" userId="a0e371033217b6e9" providerId="LiveId" clId="{613702A7-9DB3-449F-9CF5-799F5E55BFA4}" dt="2024-06-11T12:14:47.482" v="1300" actId="20577"/>
+          <ac:chgData name="Lars Lafleur" userId="a0e371033217b6e9" providerId="LiveId" clId="{613702A7-9DB3-449F-9CF5-799F5E55BFA4}" dt="2024-06-11T20:41:01.966" v="1379" actId="20577"/>
           <ac:graphicFrameMkLst>
             <pc:docMk/>
             <pc:sldMk cId="4226524386" sldId="259"/>
@@ -13420,7 +13420,7 @@
           <p:nvPr>
             <p:extLst>
               <p:ext uri="{D42A27DB-BD31-4B8C-83A1-F6EECF244321}">
-                <p14:modId xmlns:p14="http://schemas.microsoft.com/office/powerpoint/2010/main" val="2176482236"/>
+                <p14:modId xmlns:p14="http://schemas.microsoft.com/office/powerpoint/2010/main" val="3071488144"/>
               </p:ext>
             </p:extLst>
           </p:nvPr>
@@ -13907,12 +13907,67 @@
                         <a:buChar char="•"/>
                       </a:pPr>
                       <a:r>
+                        <a:rPr lang="de-DE" b="0" dirty="0">
+                          <a:solidFill>
+                            <a:schemeClr val="tx1"/>
+                          </a:solidFill>
+                        </a:rPr>
+                        <a:t>Publisher</a:t>
+                      </a:r>
+                    </a:p>
+                    <a:p>
+                      <a:pPr marL="285750" indent="-285750">
+                        <a:buFont typeface="Arial" panose="020B0604020202020204" pitchFamily="34" charset="0"/>
+                        <a:buChar char="•"/>
+                      </a:pPr>
+                      <a:r>
+                        <a:rPr lang="de-DE" b="0" dirty="0">
+                          <a:solidFill>
+                            <a:schemeClr val="tx1"/>
+                          </a:solidFill>
+                        </a:rPr>
+                        <a:t>Journal</a:t>
+                      </a:r>
+                    </a:p>
+                    <a:p>
+                      <a:pPr marL="285750" indent="-285750">
+                        <a:buFont typeface="Arial" panose="020B0604020202020204" pitchFamily="34" charset="0"/>
+                        <a:buChar char="•"/>
+                      </a:pPr>
+                      <a:r>
+                        <a:rPr lang="de-DE" b="0" dirty="0">
+                          <a:solidFill>
+                            <a:schemeClr val="tx1"/>
+                          </a:solidFill>
+                        </a:rPr>
+                        <a:t>s</a:t>
+                      </a:r>
+                      <a:r>
+                        <a:rPr lang="de-DE" b="0">
+                          <a:solidFill>
+                            <a:schemeClr val="tx1"/>
+                          </a:solidFill>
+                        </a:rPr>
+                        <a:t>chool</a:t>
+                      </a:r>
+                      <a:endParaRPr lang="de-DE" b="0" dirty="0">
+                        <a:solidFill>
+                          <a:schemeClr val="tx1"/>
+                        </a:solidFill>
+                      </a:endParaRPr>
+                    </a:p>
+                    <a:p>
+                      <a:pPr marL="285750" indent="-285750">
+                        <a:buFont typeface="Arial" panose="020B0604020202020204" pitchFamily="34" charset="0"/>
+                        <a:buChar char="•"/>
+                      </a:pPr>
+                      <a:r>
                         <a:rPr lang="de-DE" b="0" dirty="0" err="1">
                           <a:solidFill>
                             <a:schemeClr val="tx1"/>
                           </a:solidFill>
                         </a:rPr>
-                        <a:t>publisher</a:t>
+                        <a:t>month</a:t>
                       </a:r>
                       <a:endParaRPr lang="de-DE" b="0" dirty="0">
                         <a:solidFill>

--- a/Durchstich Vortrag.pptx
+++ b/Durchstich Vortrag.pptx
@@ -135,12 +135,12 @@
   <pc:docChgLst>
     <pc:chgData name="Lars Lafleur" userId="a0e371033217b6e9" providerId="LiveId" clId="{613702A7-9DB3-449F-9CF5-799F5E55BFA4}"/>
     <pc:docChg chg="undo redo custSel addSld delSld modSld">
-      <pc:chgData name="Lars Lafleur" userId="a0e371033217b6e9" providerId="LiveId" clId="{613702A7-9DB3-449F-9CF5-799F5E55BFA4}" dt="2024-06-11T20:41:01.966" v="1379" actId="20577"/>
+      <pc:chgData name="Lars Lafleur" userId="a0e371033217b6e9" providerId="LiveId" clId="{613702A7-9DB3-449F-9CF5-799F5E55BFA4}" dt="2024-06-12T15:05:04.803" v="1402" actId="20577"/>
       <pc:docMkLst>
         <pc:docMk/>
       </pc:docMkLst>
       <pc:sldChg chg="addSp delSp modSp mod">
-        <pc:chgData name="Lars Lafleur" userId="a0e371033217b6e9" providerId="LiveId" clId="{613702A7-9DB3-449F-9CF5-799F5E55BFA4}" dt="2024-06-11T20:41:01.966" v="1379" actId="20577"/>
+        <pc:chgData name="Lars Lafleur" userId="a0e371033217b6e9" providerId="LiveId" clId="{613702A7-9DB3-449F-9CF5-799F5E55BFA4}" dt="2024-06-12T15:05:04.803" v="1402" actId="20577"/>
         <pc:sldMkLst>
           <pc:docMk/>
           <pc:sldMk cId="4226524386" sldId="259"/>
@@ -170,7 +170,7 @@
           </ac:spMkLst>
         </pc:spChg>
         <pc:spChg chg="add mod">
-          <ac:chgData name="Lars Lafleur" userId="a0e371033217b6e9" providerId="LiveId" clId="{613702A7-9DB3-449F-9CF5-799F5E55BFA4}" dt="2024-06-11T12:24:02.785" v="1353" actId="20577"/>
+          <ac:chgData name="Lars Lafleur" userId="a0e371033217b6e9" providerId="LiveId" clId="{613702A7-9DB3-449F-9CF5-799F5E55BFA4}" dt="2024-06-12T15:04:15.535" v="1401" actId="1076"/>
           <ac:spMkLst>
             <pc:docMk/>
             <pc:sldMk cId="4226524386" sldId="259"/>
@@ -218,7 +218,7 @@
           </ac:graphicFrameMkLst>
         </pc:graphicFrameChg>
         <pc:graphicFrameChg chg="add mod modGraphic">
-          <ac:chgData name="Lars Lafleur" userId="a0e371033217b6e9" providerId="LiveId" clId="{613702A7-9DB3-449F-9CF5-799F5E55BFA4}" dt="2024-06-11T20:41:01.966" v="1379" actId="20577"/>
+          <ac:chgData name="Lars Lafleur" userId="a0e371033217b6e9" providerId="LiveId" clId="{613702A7-9DB3-449F-9CF5-799F5E55BFA4}" dt="2024-06-12T15:05:04.803" v="1402" actId="20577"/>
           <ac:graphicFrameMkLst>
             <pc:docMk/>
             <pc:sldMk cId="4226524386" sldId="259"/>
@@ -3246,7 +3246,7 @@
           <a:p>
             <a:fld id="{710F1C6C-D8CC-F94D-BF45-CAC98A227763}" type="datetimeFigureOut">
               <a:rPr lang="de-DE" smtClean="0"/>
-              <a:t>11.06.2024</a:t>
+              <a:t>12.06.2024</a:t>
             </a:fld>
             <a:endParaRPr lang="de-DE"/>
           </a:p>
@@ -3832,7 +3832,7 @@
           <a:p>
             <a:fld id="{1ECB5883-038C-4696-8E27-1811E470D6D4}" type="datetime1">
               <a:rPr lang="en-US" smtClean="0"/>
-              <a:t>6/11/2024</a:t>
+              <a:t>6/12/2024</a:t>
             </a:fld>
             <a:endParaRPr lang="en-US"/>
           </a:p>
@@ -4033,7 +4033,7 @@
           <a:p>
             <a:fld id="{61E8A6D4-154B-4E4D-9001-7A6C328D243E}" type="datetime1">
               <a:rPr lang="en-US" smtClean="0"/>
-              <a:t>6/11/2024</a:t>
+              <a:t>6/12/2024</a:t>
             </a:fld>
             <a:endParaRPr lang="en-US"/>
           </a:p>
@@ -4244,7 +4244,7 @@
           <a:p>
             <a:fld id="{EF880999-9BD6-4929-BDEC-B84E21C16701}" type="datetime1">
               <a:rPr lang="en-US" smtClean="0"/>
-              <a:t>6/11/2024</a:t>
+              <a:t>6/12/2024</a:t>
             </a:fld>
             <a:endParaRPr lang="en-US"/>
           </a:p>
@@ -4445,7 +4445,7 @@
           <a:p>
             <a:fld id="{579F6069-8263-4296-913A-BC2234E8D32B}" type="datetime1">
               <a:rPr lang="en-US" smtClean="0"/>
-              <a:t>6/11/2024</a:t>
+              <a:t>6/12/2024</a:t>
             </a:fld>
             <a:endParaRPr lang="en-US"/>
           </a:p>
@@ -4725,7 +4725,7 @@
           <a:p>
             <a:fld id="{BC9F5005-EC25-4FB9-B19B-2437F0B120D2}" type="datetime1">
               <a:rPr lang="en-US" smtClean="0"/>
-              <a:t>6/11/2024</a:t>
+              <a:t>6/12/2024</a:t>
             </a:fld>
             <a:endParaRPr lang="en-US"/>
           </a:p>
@@ -4993,7 +4993,7 @@
           <a:p>
             <a:fld id="{0B283B5C-2325-42FF-AF91-C1451D9D66CC}" type="datetime1">
               <a:rPr lang="en-US" smtClean="0"/>
-              <a:t>6/11/2024</a:t>
+              <a:t>6/12/2024</a:t>
             </a:fld>
             <a:endParaRPr lang="en-US"/>
           </a:p>
@@ -5412,7 +5412,7 @@
           <a:p>
             <a:fld id="{0F88DB08-3B01-46DD-99F2-F6F6334EA669}" type="datetime1">
               <a:rPr lang="en-US" smtClean="0"/>
-              <a:t>6/11/2024</a:t>
+              <a:t>6/12/2024</a:t>
             </a:fld>
             <a:endParaRPr lang="en-US"/>
           </a:p>
@@ -5556,7 +5556,7 @@
           <a:p>
             <a:fld id="{5892AC11-ACC3-4129-BBD7-C580BF1A4EE7}" type="datetime1">
               <a:rPr lang="en-US" smtClean="0"/>
-              <a:t>6/11/2024</a:t>
+              <a:t>6/12/2024</a:t>
             </a:fld>
             <a:endParaRPr lang="en-US"/>
           </a:p>
@@ -5672,7 +5672,7 @@
           <a:p>
             <a:fld id="{6D80F7F3-E406-44E2-93AF-674B3F1A2E51}" type="datetime1">
               <a:rPr lang="en-US" smtClean="0"/>
-              <a:t>6/11/2024</a:t>
+              <a:t>6/12/2024</a:t>
             </a:fld>
             <a:endParaRPr lang="en-US"/>
           </a:p>
@@ -5990,7 +5990,7 @@
           <a:p>
             <a:fld id="{2FB1DD93-7C9D-4E53-81F0-DDE57FEA7EDB}" type="datetime1">
               <a:rPr lang="en-US" smtClean="0"/>
-              <a:t>6/11/2024</a:t>
+              <a:t>6/12/2024</a:t>
             </a:fld>
             <a:endParaRPr lang="en-US"/>
           </a:p>
@@ -6283,7 +6283,7 @@
           <a:p>
             <a:fld id="{3DF7BC28-59DE-4F83-B4A1-497203279FAD}" type="datetime1">
               <a:rPr lang="en-US" smtClean="0"/>
-              <a:t>6/11/2024</a:t>
+              <a:t>6/12/2024</a:t>
             </a:fld>
             <a:endParaRPr lang="en-US"/>
           </a:p>
@@ -6583,7 +6583,7 @@
           <a:p>
             <a:fld id="{0BDC4764-F656-4735-9820-9886F8DF1D6A}" type="datetime1">
               <a:rPr lang="en-US" smtClean="0"/>
-              <a:t>6/11/2024</a:t>
+              <a:t>6/12/2024</a:t>
             </a:fld>
             <a:endParaRPr lang="en-US" dirty="0"/>
           </a:p>
@@ -7838,7 +7838,7 @@
           <a:p>
             <a:fld id="{579F6069-8263-4296-913A-BC2234E8D32B}" type="datetime1">
               <a:rPr lang="en-US" smtClean="0"/>
-              <a:t>6/11/2024</a:t>
+              <a:t>6/12/2024</a:t>
             </a:fld>
             <a:endParaRPr lang="en-US"/>
           </a:p>
@@ -9694,7 +9694,7 @@
           <a:p>
             <a:fld id="{579F6069-8263-4296-913A-BC2234E8D32B}" type="datetime1">
               <a:rPr lang="en-US" smtClean="0"/>
-              <a:t>6/11/2024</a:t>
+              <a:t>6/12/2024</a:t>
             </a:fld>
             <a:endParaRPr lang="en-US"/>
           </a:p>
@@ -13339,7 +13339,7 @@
           <a:p>
             <a:fld id="{579F6069-8263-4296-913A-BC2234E8D32B}" type="datetime1">
               <a:rPr lang="en-US" smtClean="0"/>
-              <a:t>6/11/2024</a:t>
+              <a:t>6/12/2024</a:t>
             </a:fld>
             <a:endParaRPr lang="en-US"/>
           </a:p>
@@ -13420,14 +13420,14 @@
           <p:nvPr>
             <p:extLst>
               <p:ext uri="{D42A27DB-BD31-4B8C-83A1-F6EECF244321}">
-                <p14:modId xmlns:p14="http://schemas.microsoft.com/office/powerpoint/2010/main" val="3071488144"/>
+                <p14:modId xmlns:p14="http://schemas.microsoft.com/office/powerpoint/2010/main" val="1290535734"/>
               </p:ext>
             </p:extLst>
           </p:nvPr>
         </p:nvGraphicFramePr>
         <p:xfrm>
           <a:off x="877824" y="2713704"/>
-          <a:ext cx="10443070" cy="2011680"/>
+          <a:ext cx="10443070" cy="2286000"/>
         </p:xfrm>
         <a:graphic>
           <a:graphicData uri="http://schemas.openxmlformats.org/drawingml/2006/table">
@@ -13935,20 +13935,12 @@
                         <a:buChar char="•"/>
                       </a:pPr>
                       <a:r>
-                        <a:rPr lang="de-DE" b="0" dirty="0">
+                        <a:rPr lang="de-DE" b="0" dirty="0" err="1">
                           <a:solidFill>
                             <a:schemeClr val="tx1"/>
                           </a:solidFill>
                         </a:rPr>
-                        <a:t>s</a:t>
-                      </a:r>
-                      <a:r>
-                        <a:rPr lang="de-DE" b="0">
-                          <a:solidFill>
-                            <a:schemeClr val="tx1"/>
-                          </a:solidFill>
-                        </a:rPr>
-                        <a:t>chool</a:t>
+                        <a:t>school</a:t>
                       </a:r>
                       <a:endParaRPr lang="de-DE" b="0" dirty="0">
                         <a:solidFill>
@@ -13968,6 +13960,25 @@
                           </a:solidFill>
                         </a:rPr>
                         <a:t>month</a:t>
+                      </a:r>
+                      <a:endParaRPr lang="de-DE" b="0" dirty="0">
+                        <a:solidFill>
+                          <a:schemeClr val="tx1"/>
+                        </a:solidFill>
+                      </a:endParaRPr>
+                    </a:p>
+                    <a:p>
+                      <a:pPr marL="285750" indent="-285750">
+                        <a:buFont typeface="Arial" panose="020B0604020202020204" pitchFamily="34" charset="0"/>
+                        <a:buChar char="•"/>
+                      </a:pPr>
+                      <a:r>
+                        <a:rPr lang="de-DE" b="0" dirty="0" err="1">
+                          <a:solidFill>
+                            <a:schemeClr val="tx1"/>
+                          </a:solidFill>
+                        </a:rPr>
+                        <a:t>address</a:t>
                       </a:r>
                       <a:endParaRPr lang="de-DE" b="0" dirty="0">
                         <a:solidFill>
@@ -14080,7 +14091,7 @@
         </p:nvSpPr>
         <p:spPr>
           <a:xfrm>
-            <a:off x="877824" y="4936573"/>
+            <a:off x="871108" y="5061584"/>
             <a:ext cx="9396886" cy="1477328"/>
           </a:xfrm>
           <a:prstGeom prst="rect">
@@ -14295,7 +14306,7 @@
                   <a:spcPts val="600"/>
                 </a:spcAft>
               </a:pPr>
-              <a:t>6/11/2024</a:t>
+              <a:t>6/12/2024</a:t>
             </a:fld>
             <a:endParaRPr lang="en-US"/>
           </a:p>
@@ -14789,7 +14800,7 @@
           <a:p>
             <a:fld id="{579F6069-8263-4296-913A-BC2234E8D32B}" type="datetime1">
               <a:rPr lang="en-US" smtClean="0"/>
-              <a:t>6/11/2024</a:t>
+              <a:t>6/12/2024</a:t>
             </a:fld>
             <a:endParaRPr lang="en-US"/>
           </a:p>
@@ -15468,7 +15479,7 @@
           <a:p>
             <a:fld id="{579F6069-8263-4296-913A-BC2234E8D32B}" type="datetime1">
               <a:rPr lang="en-US" smtClean="0"/>
-              <a:t>6/11/2024</a:t>
+              <a:t>6/12/2024</a:t>
             </a:fld>
             <a:endParaRPr lang="en-US"/>
           </a:p>
@@ -16192,7 +16203,7 @@
           <a:p>
             <a:fld id="{579F6069-8263-4296-913A-BC2234E8D32B}" type="datetime1">
               <a:rPr lang="en-US" smtClean="0"/>
-              <a:t>6/11/2024</a:t>
+              <a:t>6/12/2024</a:t>
             </a:fld>
             <a:endParaRPr lang="en-US"/>
           </a:p>

--- a/Durchstich Vortrag.pptx
+++ b/Durchstich Vortrag.pptx
@@ -125,7 +125,7 @@
 <file path=ppt/revisionInfo.xml><?xml version="1.0" encoding="utf-8"?>
 <p1510:revInfo xmlns:a="http://schemas.openxmlformats.org/drawingml/2006/main" xmlns:r="http://schemas.openxmlformats.org/officeDocument/2006/relationships" xmlns:p1510="http://schemas.microsoft.com/office/powerpoint/2015/10/main">
   <p1510:revLst>
-    <p1510:client id="{613702A7-9DB3-449F-9CF5-799F5E55BFA4}" v="454" dt="2024-06-11T12:06:37.655"/>
+    <p1510:client id="{613702A7-9DB3-449F-9CF5-799F5E55BFA4}" v="456" dt="2024-06-12T19:58:31.995"/>
   </p1510:revLst>
 </p1510:revInfo>
 </file>
@@ -135,12 +135,12 @@
   <pc:docChgLst>
     <pc:chgData name="Lars Lafleur" userId="a0e371033217b6e9" providerId="LiveId" clId="{613702A7-9DB3-449F-9CF5-799F5E55BFA4}"/>
     <pc:docChg chg="undo redo custSel addSld delSld modSld">
-      <pc:chgData name="Lars Lafleur" userId="a0e371033217b6e9" providerId="LiveId" clId="{613702A7-9DB3-449F-9CF5-799F5E55BFA4}" dt="2024-06-12T15:05:04.803" v="1402" actId="20577"/>
+      <pc:chgData name="Lars Lafleur" userId="a0e371033217b6e9" providerId="LiveId" clId="{613702A7-9DB3-449F-9CF5-799F5E55BFA4}" dt="2024-06-12T20:00:32.184" v="1554" actId="20577"/>
       <pc:docMkLst>
         <pc:docMk/>
       </pc:docMkLst>
       <pc:sldChg chg="addSp delSp modSp mod">
-        <pc:chgData name="Lars Lafleur" userId="a0e371033217b6e9" providerId="LiveId" clId="{613702A7-9DB3-449F-9CF5-799F5E55BFA4}" dt="2024-06-12T15:05:04.803" v="1402" actId="20577"/>
+        <pc:chgData name="Lars Lafleur" userId="a0e371033217b6e9" providerId="LiveId" clId="{613702A7-9DB3-449F-9CF5-799F5E55BFA4}" dt="2024-06-12T20:00:32.184" v="1554" actId="20577"/>
         <pc:sldMkLst>
           <pc:docMk/>
           <pc:sldMk cId="4226524386" sldId="259"/>
@@ -170,7 +170,7 @@
           </ac:spMkLst>
         </pc:spChg>
         <pc:spChg chg="add mod">
-          <ac:chgData name="Lars Lafleur" userId="a0e371033217b6e9" providerId="LiveId" clId="{613702A7-9DB3-449F-9CF5-799F5E55BFA4}" dt="2024-06-12T15:04:15.535" v="1401" actId="1076"/>
+          <ac:chgData name="Lars Lafleur" userId="a0e371033217b6e9" providerId="LiveId" clId="{613702A7-9DB3-449F-9CF5-799F5E55BFA4}" dt="2024-06-12T20:00:32.184" v="1554" actId="20577"/>
           <ac:spMkLst>
             <pc:docMk/>
             <pc:sldMk cId="4226524386" sldId="259"/>
@@ -218,7 +218,7 @@
           </ac:graphicFrameMkLst>
         </pc:graphicFrameChg>
         <pc:graphicFrameChg chg="add mod modGraphic">
-          <ac:chgData name="Lars Lafleur" userId="a0e371033217b6e9" providerId="LiveId" clId="{613702A7-9DB3-449F-9CF5-799F5E55BFA4}" dt="2024-06-12T15:05:04.803" v="1402" actId="20577"/>
+          <ac:chgData name="Lars Lafleur" userId="a0e371033217b6e9" providerId="LiveId" clId="{613702A7-9DB3-449F-9CF5-799F5E55BFA4}" dt="2024-06-12T19:59:27.552" v="1536" actId="20577"/>
           <ac:graphicFrameMkLst>
             <pc:docMk/>
             <pc:sldMk cId="4226524386" sldId="259"/>
@@ -13420,14 +13420,14 @@
           <p:nvPr>
             <p:extLst>
               <p:ext uri="{D42A27DB-BD31-4B8C-83A1-F6EECF244321}">
-                <p14:modId xmlns:p14="http://schemas.microsoft.com/office/powerpoint/2010/main" val="1290535734"/>
+                <p14:modId xmlns:p14="http://schemas.microsoft.com/office/powerpoint/2010/main" val="3129371780"/>
               </p:ext>
             </p:extLst>
           </p:nvPr>
         </p:nvGraphicFramePr>
         <p:xfrm>
           <a:off x="877824" y="2713704"/>
-          <a:ext cx="10443070" cy="2286000"/>
+          <a:ext cx="10443070" cy="2042160"/>
         </p:xfrm>
         <a:graphic>
           <a:graphicData uri="http://schemas.openxmlformats.org/drawingml/2006/table">
@@ -13483,14 +13483,14 @@
                         <a:buChar char="•"/>
                       </a:pPr>
                       <a:r>
-                        <a:rPr lang="de-DE" b="0" dirty="0" err="1">
+                        <a:rPr lang="de-DE" sz="1600" b="0" dirty="0" err="1">
                           <a:solidFill>
                             <a:schemeClr val="tx1"/>
                           </a:solidFill>
                         </a:rPr>
                         <a:t>book</a:t>
                       </a:r>
-                      <a:endParaRPr lang="de-DE" b="0" dirty="0">
+                      <a:endParaRPr lang="de-DE" sz="1600" b="0" dirty="0">
                         <a:solidFill>
                           <a:schemeClr val="tx1"/>
                         </a:solidFill>
@@ -13502,14 +13502,14 @@
                         <a:buChar char="•"/>
                       </a:pPr>
                       <a:r>
-                        <a:rPr lang="de-DE" b="0" dirty="0" err="1">
+                        <a:rPr lang="de-DE" sz="1600" b="0" dirty="0" err="1">
                           <a:solidFill>
                             <a:schemeClr val="tx1"/>
                           </a:solidFill>
                         </a:rPr>
                         <a:t>article</a:t>
                       </a:r>
-                      <a:endParaRPr lang="de-DE" b="0" dirty="0">
+                      <a:endParaRPr lang="de-DE" sz="1600" b="0" dirty="0">
                         <a:solidFill>
                           <a:schemeClr val="tx1"/>
                         </a:solidFill>
@@ -13521,14 +13521,14 @@
                         <a:buChar char="•"/>
                       </a:pPr>
                       <a:r>
-                        <a:rPr lang="de-DE" b="0" dirty="0" err="1">
+                        <a:rPr lang="de-DE" sz="1600" b="0" dirty="0" err="1">
                           <a:solidFill>
                             <a:schemeClr val="tx1"/>
                           </a:solidFill>
                         </a:rPr>
                         <a:t>proceedings</a:t>
                       </a:r>
-                      <a:endParaRPr lang="de-DE" b="0" dirty="0">
+                      <a:endParaRPr lang="de-DE" sz="1600" b="0" dirty="0">
                         <a:solidFill>
                           <a:schemeClr val="tx1"/>
                         </a:solidFill>
@@ -13540,14 +13540,14 @@
                         <a:buChar char="•"/>
                       </a:pPr>
                       <a:r>
-                        <a:rPr lang="de-DE" b="0" dirty="0" err="1">
+                        <a:rPr lang="de-DE" sz="1600" b="0" dirty="0" err="1">
                           <a:solidFill>
                             <a:schemeClr val="tx1"/>
                           </a:solidFill>
                         </a:rPr>
                         <a:t>inproceedings</a:t>
                       </a:r>
-                      <a:endParaRPr lang="de-DE" b="0" dirty="0">
+                      <a:endParaRPr lang="de-DE" sz="1600" b="0" dirty="0">
                         <a:solidFill>
                           <a:schemeClr val="tx1"/>
                         </a:solidFill>
@@ -13559,14 +13559,14 @@
                         <a:buChar char="•"/>
                       </a:pPr>
                       <a:r>
-                        <a:rPr lang="de-DE" b="0" dirty="0" err="1">
+                        <a:rPr lang="de-DE" sz="1600" b="0" dirty="0" err="1">
                           <a:solidFill>
                             <a:schemeClr val="tx1"/>
                           </a:solidFill>
                         </a:rPr>
                         <a:t>incollection</a:t>
                       </a:r>
-                      <a:endParaRPr lang="de-DE" b="0" dirty="0">
+                      <a:endParaRPr lang="de-DE" sz="1600" b="0" dirty="0">
                         <a:solidFill>
                           <a:schemeClr val="tx1"/>
                         </a:solidFill>
@@ -13578,14 +13578,14 @@
                         <a:buChar char="•"/>
                       </a:pPr>
                       <a:r>
-                        <a:rPr lang="de-DE" b="0" dirty="0" err="1">
+                        <a:rPr lang="de-DE" sz="1600" b="0" dirty="0" err="1">
                           <a:solidFill>
                             <a:schemeClr val="tx1"/>
                           </a:solidFill>
                         </a:rPr>
                         <a:t>phdthesis</a:t>
                       </a:r>
-                      <a:endParaRPr lang="de-DE" b="0" dirty="0">
+                      <a:endParaRPr lang="de-DE" sz="1600" b="0" dirty="0">
                         <a:solidFill>
                           <a:schemeClr val="tx1"/>
                         </a:solidFill>
@@ -13626,14 +13626,14 @@
                         <a:buChar char="•"/>
                       </a:pPr>
                       <a:r>
-                        <a:rPr lang="de-DE" b="0" dirty="0" err="1">
+                        <a:rPr lang="de-DE" sz="1600" b="0" dirty="0" err="1">
                           <a:solidFill>
                             <a:schemeClr val="tx1"/>
                           </a:solidFill>
                         </a:rPr>
                         <a:t>authors</a:t>
                       </a:r>
-                      <a:endParaRPr lang="de-DE" b="0" dirty="0">
+                      <a:endParaRPr lang="de-DE" sz="1600" b="0" dirty="0">
                         <a:solidFill>
                           <a:schemeClr val="tx1"/>
                         </a:solidFill>
@@ -13645,14 +13645,14 @@
                         <a:buChar char="•"/>
                       </a:pPr>
                       <a:r>
-                        <a:rPr lang="de-DE" b="0" dirty="0" err="1">
+                        <a:rPr lang="de-DE" sz="1600" b="0" dirty="0" err="1">
                           <a:solidFill>
                             <a:schemeClr val="tx1"/>
                           </a:solidFill>
                         </a:rPr>
                         <a:t>editors</a:t>
                       </a:r>
-                      <a:endParaRPr lang="de-DE" b="0" dirty="0">
+                      <a:endParaRPr lang="de-DE" sz="1600" b="0" dirty="0">
                         <a:solidFill>
                           <a:schemeClr val="tx1"/>
                         </a:solidFill>
@@ -13693,14 +13693,14 @@
                         <a:buChar char="•"/>
                       </a:pPr>
                       <a:r>
-                        <a:rPr lang="de-DE" b="0" dirty="0" err="1">
+                        <a:rPr lang="de-DE" sz="1600" b="0" dirty="0" err="1">
                           <a:solidFill>
                             <a:schemeClr val="tx1"/>
                           </a:solidFill>
                         </a:rPr>
                         <a:t>year</a:t>
                       </a:r>
-                      <a:endParaRPr lang="de-DE" b="0" dirty="0">
+                      <a:endParaRPr lang="de-DE" sz="1600" b="0" dirty="0">
                         <a:solidFill>
                           <a:schemeClr val="tx1"/>
                         </a:solidFill>
@@ -13712,14 +13712,14 @@
                         <a:buChar char="•"/>
                       </a:pPr>
                       <a:r>
-                        <a:rPr lang="de-DE" b="0" dirty="0" err="1">
+                        <a:rPr lang="de-DE" sz="1600" b="0" dirty="0" err="1">
                           <a:solidFill>
                             <a:schemeClr val="tx1"/>
                           </a:solidFill>
                         </a:rPr>
                         <a:t>volume</a:t>
                       </a:r>
-                      <a:endParaRPr lang="de-DE" b="0" dirty="0">
+                      <a:endParaRPr lang="de-DE" sz="1600" b="0" dirty="0">
                         <a:solidFill>
                           <a:schemeClr val="tx1"/>
                         </a:solidFill>
@@ -13731,14 +13731,14 @@
                         <a:buChar char="•"/>
                       </a:pPr>
                       <a:r>
-                        <a:rPr lang="de-DE" b="0" dirty="0" err="1">
+                        <a:rPr lang="de-DE" sz="1600" b="0" dirty="0" err="1">
                           <a:solidFill>
                             <a:schemeClr val="tx1"/>
                           </a:solidFill>
                         </a:rPr>
                         <a:t>number</a:t>
                       </a:r>
-                      <a:endParaRPr lang="de-DE" b="0" dirty="0">
+                      <a:endParaRPr lang="de-DE" sz="1600" b="0" dirty="0">
                         <a:solidFill>
                           <a:schemeClr val="tx1"/>
                         </a:solidFill>
@@ -13750,14 +13750,14 @@
                         <a:buChar char="•"/>
                       </a:pPr>
                       <a:r>
-                        <a:rPr lang="de-DE" b="0" dirty="0" err="1">
+                        <a:rPr lang="de-DE" sz="1600" b="0" dirty="0" err="1">
                           <a:solidFill>
                             <a:schemeClr val="tx1"/>
                           </a:solidFill>
                         </a:rPr>
                         <a:t>edition</a:t>
                       </a:r>
-                      <a:endParaRPr lang="de-DE" b="0" dirty="0">
+                      <a:endParaRPr lang="de-DE" sz="1600" b="0" dirty="0">
                         <a:solidFill>
                           <a:schemeClr val="tx1"/>
                         </a:solidFill>
@@ -13769,14 +13769,14 @@
                         <a:buChar char="•"/>
                       </a:pPr>
                       <a:r>
-                        <a:rPr lang="de-DE" b="0" dirty="0" err="1">
+                        <a:rPr lang="de-DE" sz="1600" b="0" dirty="0" err="1">
                           <a:solidFill>
                             <a:schemeClr val="tx1"/>
                           </a:solidFill>
                         </a:rPr>
                         <a:t>pages</a:t>
                       </a:r>
-                      <a:endParaRPr lang="de-DE" b="0" dirty="0">
+                      <a:endParaRPr lang="de-DE" sz="1600" b="0" dirty="0">
                         <a:solidFill>
                           <a:schemeClr val="tx1"/>
                         </a:solidFill>
@@ -13788,14 +13788,14 @@
                         <a:buChar char="•"/>
                       </a:pPr>
                       <a:r>
-                        <a:rPr lang="de-DE" b="0" dirty="0" err="1">
+                        <a:rPr lang="de-DE" sz="1600" b="0" dirty="0" err="1">
                           <a:solidFill>
                             <a:schemeClr val="tx1"/>
                           </a:solidFill>
                         </a:rPr>
                         <a:t>url</a:t>
                       </a:r>
-                      <a:endParaRPr lang="de-DE" b="0" dirty="0">
+                      <a:endParaRPr lang="de-DE" sz="1600" b="0" dirty="0">
                         <a:solidFill>
                           <a:schemeClr val="tx1"/>
                         </a:solidFill>
@@ -13807,14 +13807,14 @@
                         <a:buChar char="•"/>
                       </a:pPr>
                       <a:r>
-                        <a:rPr lang="de-DE" b="0" dirty="0" err="1">
+                        <a:rPr lang="de-DE" sz="1600" b="0" dirty="0" err="1">
                           <a:solidFill>
                             <a:schemeClr val="tx1"/>
                           </a:solidFill>
                         </a:rPr>
                         <a:t>doi</a:t>
                       </a:r>
-                      <a:endParaRPr lang="de-DE" b="0" dirty="0">
+                      <a:endParaRPr lang="de-DE" sz="1600" b="0" dirty="0">
                         <a:solidFill>
                           <a:schemeClr val="tx1"/>
                         </a:solidFill>
@@ -13855,7 +13855,7 @@
                         <a:buChar char="•"/>
                       </a:pPr>
                       <a:r>
-                        <a:rPr lang="de-DE" b="0" dirty="0">
+                        <a:rPr lang="de-DE" sz="1600" b="0" dirty="0">
                           <a:solidFill>
                             <a:schemeClr val="tx1"/>
                           </a:solidFill>
@@ -13869,14 +13869,14 @@
                         <a:buChar char="•"/>
                       </a:pPr>
                       <a:r>
-                        <a:rPr lang="de-DE" b="0" dirty="0" err="1">
+                        <a:rPr lang="de-DE" sz="1600" b="0" dirty="0" err="1">
                           <a:solidFill>
                             <a:schemeClr val="tx1"/>
                           </a:solidFill>
                         </a:rPr>
                         <a:t>booktitle</a:t>
                       </a:r>
-                      <a:endParaRPr lang="de-DE" b="0" dirty="0">
+                      <a:endParaRPr lang="de-DE" sz="1600" b="0" dirty="0">
                         <a:solidFill>
                           <a:schemeClr val="tx1"/>
                         </a:solidFill>
@@ -13888,14 +13888,41 @@
                         <a:buChar char="•"/>
                       </a:pPr>
                       <a:r>
-                        <a:rPr lang="de-DE" b="0" dirty="0" err="1">
+                        <a:rPr lang="de-DE" sz="1600" b="0" dirty="0">
                           <a:solidFill>
                             <a:schemeClr val="tx1"/>
                           </a:solidFill>
                         </a:rPr>
-                        <a:t>series</a:t>
+                        <a:t>Series</a:t>
                       </a:r>
-                      <a:endParaRPr lang="de-DE" b="0" dirty="0">
+                    </a:p>
+                    <a:p>
+                      <a:pPr marL="285750" marR="0" lvl="0" indent="-285750" algn="l" defTabSz="914400" rtl="0" eaLnBrk="1" fontAlgn="auto" latinLnBrk="0" hangingPunct="1">
+                        <a:lnSpc>
+                          <a:spcPct val="100000"/>
+                        </a:lnSpc>
+                        <a:spcBef>
+                          <a:spcPts val="0"/>
+                        </a:spcBef>
+                        <a:spcAft>
+                          <a:spcPts val="0"/>
+                        </a:spcAft>
+                        <a:buClrTx/>
+                        <a:buSzTx/>
+                        <a:buFont typeface="Arial" panose="020B0604020202020204" pitchFamily="34" charset="0"/>
+                        <a:buChar char="•"/>
+                        <a:tabLst/>
+                        <a:defRPr/>
+                      </a:pPr>
+                      <a:r>
+                        <a:rPr lang="de-DE" sz="1600" b="0" dirty="0" err="1">
+                          <a:solidFill>
+                            <a:schemeClr val="tx1"/>
+                          </a:solidFill>
+                        </a:rPr>
+                        <a:t>journal</a:t>
+                      </a:r>
+                      <a:endParaRPr lang="de-DE" sz="1600" b="0" dirty="0">
                         <a:solidFill>
                           <a:schemeClr val="tx1"/>
                         </a:solidFill>
@@ -13907,42 +13934,14 @@
                         <a:buChar char="•"/>
                       </a:pPr>
                       <a:r>
-                        <a:rPr lang="de-DE" b="0" dirty="0">
+                        <a:rPr lang="de-DE" sz="1600" b="0" dirty="0" err="1">
                           <a:solidFill>
                             <a:schemeClr val="tx1"/>
                           </a:solidFill>
                         </a:rPr>
-                        <a:t>Publisher</a:t>
+                        <a:t>publisher</a:t>
                       </a:r>
-                    </a:p>
-                    <a:p>
-                      <a:pPr marL="285750" indent="-285750">
-                        <a:buFont typeface="Arial" panose="020B0604020202020204" pitchFamily="34" charset="0"/>
-                        <a:buChar char="•"/>
-                      </a:pPr>
-                      <a:r>
-                        <a:rPr lang="de-DE" b="0" dirty="0">
-                          <a:solidFill>
-                            <a:schemeClr val="tx1"/>
-                          </a:solidFill>
-                        </a:rPr>
-                        <a:t>Journal</a:t>
-                      </a:r>
-                    </a:p>
-                    <a:p>
-                      <a:pPr marL="285750" indent="-285750">
-                        <a:buFont typeface="Arial" panose="020B0604020202020204" pitchFamily="34" charset="0"/>
-                        <a:buChar char="•"/>
-                      </a:pPr>
-                      <a:r>
-                        <a:rPr lang="de-DE" b="0" dirty="0" err="1">
-                          <a:solidFill>
-                            <a:schemeClr val="tx1"/>
-                          </a:solidFill>
-                        </a:rPr>
-                        <a:t>school</a:t>
-                      </a:r>
-                      <a:endParaRPr lang="de-DE" b="0" dirty="0">
+                      <a:endParaRPr lang="de-DE" sz="1600" b="0" dirty="0">
                         <a:solidFill>
                           <a:schemeClr val="tx1"/>
                         </a:solidFill>
@@ -13954,14 +13953,14 @@
                         <a:buChar char="•"/>
                       </a:pPr>
                       <a:r>
-                        <a:rPr lang="de-DE" b="0" dirty="0" err="1">
+                        <a:rPr lang="de-DE" sz="1600" b="0" dirty="0" err="1">
                           <a:solidFill>
                             <a:schemeClr val="tx1"/>
                           </a:solidFill>
                         </a:rPr>
-                        <a:t>month</a:t>
+                        <a:t>school</a:t>
                       </a:r>
-                      <a:endParaRPr lang="de-DE" b="0" dirty="0">
+                      <a:endParaRPr lang="de-DE" sz="1600" b="0" dirty="0">
                         <a:solidFill>
                           <a:schemeClr val="tx1"/>
                         </a:solidFill>
@@ -13973,14 +13972,33 @@
                         <a:buChar char="•"/>
                       </a:pPr>
                       <a:r>
-                        <a:rPr lang="de-DE" b="0" dirty="0" err="1">
+                        <a:rPr lang="de-DE" sz="1600" b="0" dirty="0" err="1">
+                          <a:solidFill>
+                            <a:schemeClr val="tx1"/>
+                          </a:solidFill>
+                        </a:rPr>
+                        <a:t>month</a:t>
+                      </a:r>
+                      <a:endParaRPr lang="de-DE" sz="1600" b="0" dirty="0">
+                        <a:solidFill>
+                          <a:schemeClr val="tx1"/>
+                        </a:solidFill>
+                      </a:endParaRPr>
+                    </a:p>
+                    <a:p>
+                      <a:pPr marL="285750" indent="-285750">
+                        <a:buFont typeface="Arial" panose="020B0604020202020204" pitchFamily="34" charset="0"/>
+                        <a:buChar char="•"/>
+                      </a:pPr>
+                      <a:r>
+                        <a:rPr lang="de-DE" sz="1600" b="0" dirty="0" err="1">
                           <a:solidFill>
                             <a:schemeClr val="tx1"/>
                           </a:solidFill>
                         </a:rPr>
                         <a:t>address</a:t>
                       </a:r>
-                      <a:endParaRPr lang="de-DE" b="0" dirty="0">
+                      <a:endParaRPr lang="de-DE" sz="1600" b="0" dirty="0">
                         <a:solidFill>
                           <a:schemeClr val="tx1"/>
                         </a:solidFill>
@@ -14022,7 +14040,32 @@
                     <a:bodyPr/>
                     <a:lstStyle/>
                     <a:p>
-                      <a:endParaRPr lang="de-DE" dirty="0"/>
+                      <a:pPr marL="285750" indent="-285750">
+                        <a:buFont typeface="Arial" panose="020B0604020202020204" pitchFamily="34" charset="0"/>
+                        <a:buChar char="•"/>
+                      </a:pPr>
+                      <a:r>
+                        <a:rPr lang="de-DE" sz="1600" b="0" dirty="0">
+                          <a:solidFill>
+                            <a:schemeClr val="tx1"/>
+                          </a:solidFill>
+                        </a:rPr>
+                        <a:t>Standardisierung</a:t>
+                      </a:r>
+                    </a:p>
+                    <a:p>
+                      <a:pPr marL="285750" indent="-285750">
+                        <a:buFont typeface="Arial" panose="020B0604020202020204" pitchFamily="34" charset="0"/>
+                        <a:buChar char="•"/>
+                      </a:pPr>
+                      <a:r>
+                        <a:rPr lang="de-DE" sz="1600" b="0" dirty="0">
+                          <a:solidFill>
+                            <a:schemeClr val="tx1"/>
+                          </a:solidFill>
+                        </a:rPr>
+                        <a:t>Vervollständigung</a:t>
+                      </a:r>
                     </a:p>
                   </a:txBody>
                   <a:tcPr>
@@ -14092,7 +14135,7 @@
         <p:spPr>
           <a:xfrm>
             <a:off x="871108" y="5061584"/>
-            <a:ext cx="9396886" cy="1477328"/>
+            <a:ext cx="9396886" cy="1200329"/>
           </a:xfrm>
           <a:prstGeom prst="rect">
             <a:avLst/>
@@ -14129,7 +14172,7 @@
             </a:pPr>
             <a:r>
               <a:rPr lang="de-DE" dirty="0"/>
-              <a:t>Binärer Literaturtyp-Klassifizierer (</a:t>
+              <a:t>ein binärer Literaturtyp-Klassifizierer (Finetuning </a:t>
             </a:r>
             <a:r>
               <a:rPr lang="de-DE" dirty="0" err="1"/>
@@ -14145,28 +14188,55 @@
             </a:r>
             <a:r>
               <a:rPr lang="de-DE" dirty="0"/>
-              <a:t>): Ein Klassifizierer spezialisiert sich auf das Erkennen eines Typs</a:t>
-            </a:r>
-          </a:p>
-          <a:p>
-            <a:pPr marL="742950" lvl="1" indent="-285750">
-              <a:buFont typeface="Wingdings" panose="05000000000000000000" pitchFamily="2" charset="2"/>
-              <a:buChar char="Ø"/>
+              <a:t>) </a:t>
+            </a:r>
+            <a:r>
+              <a:rPr lang="de-DE"/>
+              <a:t>spezialisiert sich auf </a:t>
+            </a:r>
+            <a:r>
+              <a:rPr lang="de-DE" dirty="0"/>
+              <a:t>das Erkennen eines Typs</a:t>
+            </a:r>
+          </a:p>
+          <a:p>
+            <a:pPr marL="285750" indent="-285750">
+              <a:buFont typeface="Arial" panose="020B0604020202020204" pitchFamily="34" charset="0"/>
+              <a:buChar char="•"/>
             </a:pPr>
             <a:r>
               <a:rPr lang="de-DE" dirty="0"/>
-              <a:t>Bsp.: Book-Klassifizierer schätzt, ob String Book ist oder nicht </a:t>
-            </a:r>
-          </a:p>
-          <a:p>
-            <a:pPr marL="742950" lvl="1" indent="-285750">
-              <a:buFont typeface="Wingdings" panose="05000000000000000000" pitchFamily="2" charset="2"/>
-              <a:buChar char="Ø"/>
-            </a:pPr>
+              <a:t>Vervollständigung mithilfe externer Quellen: </a:t>
+            </a:r>
+            <a:r>
+              <a:rPr lang="de-DE" dirty="0" err="1"/>
+              <a:t>Pybliometrics</a:t>
+            </a:r>
             <a:r>
               <a:rPr lang="de-DE" dirty="0"/>
-              <a:t>Klassifizierer mit höchstem Score kommt zum Zuge</a:t>
-            </a:r>
+              <a:t>, </a:t>
+            </a:r>
+            <a:r>
+              <a:rPr lang="de-DE" dirty="0" err="1"/>
+              <a:t>Scholarly</a:t>
+            </a:r>
+            <a:r>
+              <a:rPr lang="de-DE" dirty="0"/>
+              <a:t>, </a:t>
+            </a:r>
+            <a:r>
+              <a:rPr lang="de-DE" dirty="0" err="1"/>
+              <a:t>Arxiv</a:t>
+            </a:r>
+            <a:r>
+              <a:rPr lang="de-DE" dirty="0"/>
+              <a:t>, </a:t>
+            </a:r>
+            <a:r>
+              <a:rPr lang="de-DE" dirty="0" err="1"/>
+              <a:t>Pybliographer</a:t>
+            </a:r>
+            <a:endParaRPr lang="de-DE" dirty="0"/>
           </a:p>
         </p:txBody>
       </p:sp>

--- a/Durchstich Vortrag.pptx
+++ b/Durchstich Vortrag.pptx
@@ -3246,7 +3246,7 @@
           <a:p>
             <a:fld id="{710F1C6C-D8CC-F94D-BF45-CAC98A227763}" type="datetimeFigureOut">
               <a:rPr lang="de-DE" smtClean="0"/>
-              <a:t>12.06.2024</a:t>
+              <a:t>13.06.2024</a:t>
             </a:fld>
             <a:endParaRPr lang="de-DE"/>
           </a:p>
@@ -3832,7 +3832,7 @@
           <a:p>
             <a:fld id="{1ECB5883-038C-4696-8E27-1811E470D6D4}" type="datetime1">
               <a:rPr lang="en-US" smtClean="0"/>
-              <a:t>6/12/2024</a:t>
+              <a:t>6/13/2024</a:t>
             </a:fld>
             <a:endParaRPr lang="en-US"/>
           </a:p>
@@ -4033,7 +4033,7 @@
           <a:p>
             <a:fld id="{61E8A6D4-154B-4E4D-9001-7A6C328D243E}" type="datetime1">
               <a:rPr lang="en-US" smtClean="0"/>
-              <a:t>6/12/2024</a:t>
+              <a:t>6/13/2024</a:t>
             </a:fld>
             <a:endParaRPr lang="en-US"/>
           </a:p>
@@ -4244,7 +4244,7 @@
           <a:p>
             <a:fld id="{EF880999-9BD6-4929-BDEC-B84E21C16701}" type="datetime1">
               <a:rPr lang="en-US" smtClean="0"/>
-              <a:t>6/12/2024</a:t>
+              <a:t>6/13/2024</a:t>
             </a:fld>
             <a:endParaRPr lang="en-US"/>
           </a:p>
@@ -4445,7 +4445,7 @@
           <a:p>
             <a:fld id="{579F6069-8263-4296-913A-BC2234E8D32B}" type="datetime1">
               <a:rPr lang="en-US" smtClean="0"/>
-              <a:t>6/12/2024</a:t>
+              <a:t>6/13/2024</a:t>
             </a:fld>
             <a:endParaRPr lang="en-US"/>
           </a:p>
@@ -4725,7 +4725,7 @@
           <a:p>
             <a:fld id="{BC9F5005-EC25-4FB9-B19B-2437F0B120D2}" type="datetime1">
               <a:rPr lang="en-US" smtClean="0"/>
-              <a:t>6/12/2024</a:t>
+              <a:t>6/13/2024</a:t>
             </a:fld>
             <a:endParaRPr lang="en-US"/>
           </a:p>
@@ -4993,7 +4993,7 @@
           <a:p>
             <a:fld id="{0B283B5C-2325-42FF-AF91-C1451D9D66CC}" type="datetime1">
               <a:rPr lang="en-US" smtClean="0"/>
-              <a:t>6/12/2024</a:t>
+              <a:t>6/13/2024</a:t>
             </a:fld>
             <a:endParaRPr lang="en-US"/>
           </a:p>
@@ -5412,7 +5412,7 @@
           <a:p>
             <a:fld id="{0F88DB08-3B01-46DD-99F2-F6F6334EA669}" type="datetime1">
               <a:rPr lang="en-US" smtClean="0"/>
-              <a:t>6/12/2024</a:t>
+              <a:t>6/13/2024</a:t>
             </a:fld>
             <a:endParaRPr lang="en-US"/>
           </a:p>
@@ -5556,7 +5556,7 @@
           <a:p>
             <a:fld id="{5892AC11-ACC3-4129-BBD7-C580BF1A4EE7}" type="datetime1">
               <a:rPr lang="en-US" smtClean="0"/>
-              <a:t>6/12/2024</a:t>
+              <a:t>6/13/2024</a:t>
             </a:fld>
             <a:endParaRPr lang="en-US"/>
           </a:p>
@@ -5672,7 +5672,7 @@
           <a:p>
             <a:fld id="{6D80F7F3-E406-44E2-93AF-674B3F1A2E51}" type="datetime1">
               <a:rPr lang="en-US" smtClean="0"/>
-              <a:t>6/12/2024</a:t>
+              <a:t>6/13/2024</a:t>
             </a:fld>
             <a:endParaRPr lang="en-US"/>
           </a:p>
@@ -5990,7 +5990,7 @@
           <a:p>
             <a:fld id="{2FB1DD93-7C9D-4E53-81F0-DDE57FEA7EDB}" type="datetime1">
               <a:rPr lang="en-US" smtClean="0"/>
-              <a:t>6/12/2024</a:t>
+              <a:t>6/13/2024</a:t>
             </a:fld>
             <a:endParaRPr lang="en-US"/>
           </a:p>
@@ -6283,7 +6283,7 @@
           <a:p>
             <a:fld id="{3DF7BC28-59DE-4F83-B4A1-497203279FAD}" type="datetime1">
               <a:rPr lang="en-US" smtClean="0"/>
-              <a:t>6/12/2024</a:t>
+              <a:t>6/13/2024</a:t>
             </a:fld>
             <a:endParaRPr lang="en-US"/>
           </a:p>
@@ -6583,7 +6583,7 @@
           <a:p>
             <a:fld id="{0BDC4764-F656-4735-9820-9886F8DF1D6A}" type="datetime1">
               <a:rPr lang="en-US" smtClean="0"/>
-              <a:t>6/12/2024</a:t>
+              <a:t>6/13/2024</a:t>
             </a:fld>
             <a:endParaRPr lang="en-US" dirty="0"/>
           </a:p>
@@ -7838,7 +7838,7 @@
           <a:p>
             <a:fld id="{579F6069-8263-4296-913A-BC2234E8D32B}" type="datetime1">
               <a:rPr lang="en-US" smtClean="0"/>
-              <a:t>6/12/2024</a:t>
+              <a:t>6/13/2024</a:t>
             </a:fld>
             <a:endParaRPr lang="en-US"/>
           </a:p>
@@ -9694,7 +9694,7 @@
           <a:p>
             <a:fld id="{579F6069-8263-4296-913A-BC2234E8D32B}" type="datetime1">
               <a:rPr lang="en-US" smtClean="0"/>
-              <a:t>6/12/2024</a:t>
+              <a:t>6/13/2024</a:t>
             </a:fld>
             <a:endParaRPr lang="en-US"/>
           </a:p>
@@ -12343,33 +12343,15 @@
                                   </p:childTnLst>
                                 </p:cTn>
                               </p:par>
-                            </p:childTnLst>
-                          </p:cTn>
-                        </p:par>
-                      </p:childTnLst>
-                    </p:cTn>
-                  </p:par>
-                  <p:par>
-                    <p:cTn id="8" fill="hold">
-                      <p:stCondLst>
-                        <p:cond delay="indefinite"/>
-                      </p:stCondLst>
-                      <p:childTnLst>
-                        <p:par>
-                          <p:cTn id="9" fill="hold">
-                            <p:stCondLst>
-                              <p:cond delay="0"/>
-                            </p:stCondLst>
-                            <p:childTnLst>
                               <p:par>
-                                <p:cTn id="10" presetID="10" presetClass="entr" presetSubtype="0" fill="hold" nodeType="clickEffect">
+                                <p:cTn id="8" presetID="10" presetClass="entr" presetSubtype="0" fill="hold" nodeType="withEffect">
                                   <p:stCondLst>
                                     <p:cond delay="0"/>
                                   </p:stCondLst>
                                   <p:childTnLst>
                                     <p:set>
                                       <p:cBhvr>
-                                        <p:cTn id="11" dur="1" fill="hold">
+                                        <p:cTn id="9" dur="1" fill="hold">
                                           <p:stCondLst>
                                             <p:cond delay="0"/>
                                           </p:stCondLst>
@@ -12391,7 +12373,7 @@
                                     </p:set>
                                     <p:animEffect transition="in" filter="fade">
                                       <p:cBhvr>
-                                        <p:cTn id="12" dur="500"/>
+                                        <p:cTn id="10" dur="500"/>
                                         <p:tgtEl>
                                           <p:spTgt spid="9">
                                             <p:txEl>
@@ -12404,33 +12386,15 @@
                                   </p:childTnLst>
                                 </p:cTn>
                               </p:par>
-                            </p:childTnLst>
-                          </p:cTn>
-                        </p:par>
-                      </p:childTnLst>
-                    </p:cTn>
-                  </p:par>
-                  <p:par>
-                    <p:cTn id="13" fill="hold">
-                      <p:stCondLst>
-                        <p:cond delay="indefinite"/>
-                      </p:stCondLst>
-                      <p:childTnLst>
-                        <p:par>
-                          <p:cTn id="14" fill="hold">
-                            <p:stCondLst>
-                              <p:cond delay="0"/>
-                            </p:stCondLst>
-                            <p:childTnLst>
                               <p:par>
-                                <p:cTn id="15" presetID="10" presetClass="entr" presetSubtype="0" fill="hold" nodeType="clickEffect">
+                                <p:cTn id="11" presetID="10" presetClass="entr" presetSubtype="0" fill="hold" nodeType="withEffect">
                                   <p:stCondLst>
                                     <p:cond delay="0"/>
                                   </p:stCondLst>
                                   <p:childTnLst>
                                     <p:set>
                                       <p:cBhvr>
-                                        <p:cTn id="16" dur="1" fill="hold">
+                                        <p:cTn id="12" dur="1" fill="hold">
                                           <p:stCondLst>
                                             <p:cond delay="0"/>
                                           </p:stCondLst>
@@ -12452,7 +12416,7 @@
                                     </p:set>
                                     <p:animEffect transition="in" filter="fade">
                                       <p:cBhvr>
-                                        <p:cTn id="17" dur="500"/>
+                                        <p:cTn id="13" dur="500"/>
                                         <p:tgtEl>
                                           <p:spTgt spid="9">
                                             <p:txEl>
@@ -12472,26 +12436,26 @@
                     </p:cTn>
                   </p:par>
                   <p:par>
-                    <p:cTn id="18" fill="hold">
+                    <p:cTn id="14" fill="hold">
                       <p:stCondLst>
                         <p:cond delay="indefinite"/>
                       </p:stCondLst>
                       <p:childTnLst>
                         <p:par>
-                          <p:cTn id="19" fill="hold">
+                          <p:cTn id="15" fill="hold">
                             <p:stCondLst>
                               <p:cond delay="0"/>
                             </p:stCondLst>
                             <p:childTnLst>
                               <p:par>
-                                <p:cTn id="20" presetID="10" presetClass="entr" presetSubtype="0" fill="hold" grpId="0" nodeType="clickEffect">
+                                <p:cTn id="16" presetID="10" presetClass="entr" presetSubtype="0" fill="hold" grpId="0" nodeType="clickEffect">
                                   <p:stCondLst>
                                     <p:cond delay="0"/>
                                   </p:stCondLst>
                                   <p:childTnLst>
                                     <p:set>
                                       <p:cBhvr>
-                                        <p:cTn id="21" dur="1" fill="hold">
+                                        <p:cTn id="17" dur="1" fill="hold">
                                           <p:stCondLst>
                                             <p:cond delay="0"/>
                                           </p:stCondLst>
@@ -12509,7 +12473,7 @@
                                     </p:set>
                                     <p:animEffect transition="in" filter="fade">
                                       <p:cBhvr>
-                                        <p:cTn id="22" dur="500"/>
+                                        <p:cTn id="18" dur="500"/>
                                         <p:tgtEl>
                                           <p:spTgt spid="13"/>
                                         </p:tgtEl>
@@ -12525,26 +12489,26 @@
                     </p:cTn>
                   </p:par>
                   <p:par>
-                    <p:cTn id="23" fill="hold">
+                    <p:cTn id="19" fill="hold">
                       <p:stCondLst>
                         <p:cond delay="indefinite"/>
                       </p:stCondLst>
                       <p:childTnLst>
                         <p:par>
-                          <p:cTn id="24" fill="hold">
+                          <p:cTn id="20" fill="hold">
                             <p:stCondLst>
                               <p:cond delay="0"/>
                             </p:stCondLst>
                             <p:childTnLst>
                               <p:par>
-                                <p:cTn id="25" presetID="10" presetClass="entr" presetSubtype="0" fill="hold" grpId="0" nodeType="clickEffect">
+                                <p:cTn id="21" presetID="10" presetClass="entr" presetSubtype="0" fill="hold" grpId="0" nodeType="clickEffect">
                                   <p:stCondLst>
                                     <p:cond delay="0"/>
                                   </p:stCondLst>
                                   <p:childTnLst>
                                     <p:set>
                                       <p:cBhvr>
-                                        <p:cTn id="26" dur="1" fill="hold">
+                                        <p:cTn id="22" dur="1" fill="hold">
                                           <p:stCondLst>
                                             <p:cond delay="0"/>
                                           </p:stCondLst>
@@ -12562,7 +12526,7 @@
                                     </p:set>
                                     <p:animEffect transition="in" filter="fade">
                                       <p:cBhvr>
-                                        <p:cTn id="27" dur="500"/>
+                                        <p:cTn id="23" dur="500"/>
                                         <p:tgtEl>
                                           <p:spTgt spid="50"/>
                                         </p:tgtEl>
@@ -12578,26 +12542,26 @@
                     </p:cTn>
                   </p:par>
                   <p:par>
-                    <p:cTn id="28" fill="hold">
+                    <p:cTn id="24" fill="hold">
                       <p:stCondLst>
                         <p:cond delay="indefinite"/>
                       </p:stCondLst>
                       <p:childTnLst>
                         <p:par>
-                          <p:cTn id="29" fill="hold">
+                          <p:cTn id="25" fill="hold">
                             <p:stCondLst>
                               <p:cond delay="0"/>
                             </p:stCondLst>
                             <p:childTnLst>
                               <p:par>
-                                <p:cTn id="30" presetID="10" presetClass="entr" presetSubtype="0" fill="hold" nodeType="clickEffect">
+                                <p:cTn id="26" presetID="10" presetClass="entr" presetSubtype="0" fill="hold" nodeType="clickEffect">
                                   <p:stCondLst>
                                     <p:cond delay="0"/>
                                   </p:stCondLst>
                                   <p:childTnLst>
                                     <p:set>
                                       <p:cBhvr>
-                                        <p:cTn id="31" dur="1" fill="hold">
+                                        <p:cTn id="27" dur="1" fill="hold">
                                           <p:stCondLst>
                                             <p:cond delay="0"/>
                                           </p:stCondLst>
@@ -12615,7 +12579,7 @@
                                     </p:set>
                                     <p:animEffect transition="in" filter="fade">
                                       <p:cBhvr>
-                                        <p:cTn id="32" dur="250"/>
+                                        <p:cTn id="28" dur="250"/>
                                         <p:tgtEl>
                                           <p:spTgt spid="20"/>
                                         </p:tgtEl>
@@ -12625,14 +12589,14 @@
                                 </p:cTn>
                               </p:par>
                               <p:par>
-                                <p:cTn id="33" presetID="10" presetClass="entr" presetSubtype="0" fill="hold" grpId="0" nodeType="withEffect">
+                                <p:cTn id="29" presetID="10" presetClass="entr" presetSubtype="0" fill="hold" grpId="0" nodeType="withEffect">
                                   <p:stCondLst>
                                     <p:cond delay="0"/>
                                   </p:stCondLst>
                                   <p:childTnLst>
                                     <p:set>
                                       <p:cBhvr>
-                                        <p:cTn id="34" dur="1" fill="hold">
+                                        <p:cTn id="30" dur="1" fill="hold">
                                           <p:stCondLst>
                                             <p:cond delay="0"/>
                                           </p:stCondLst>
@@ -12650,7 +12614,7 @@
                                     </p:set>
                                     <p:animEffect transition="in" filter="fade">
                                       <p:cBhvr>
-                                        <p:cTn id="35" dur="250"/>
+                                        <p:cTn id="31" dur="250"/>
                                         <p:tgtEl>
                                           <p:spTgt spid="21"/>
                                         </p:tgtEl>
@@ -12660,14 +12624,14 @@
                                 </p:cTn>
                               </p:par>
                               <p:par>
-                                <p:cTn id="36" presetID="10" presetClass="entr" presetSubtype="0" fill="hold" grpId="0" nodeType="withEffect">
+                                <p:cTn id="32" presetID="10" presetClass="entr" presetSubtype="0" fill="hold" grpId="0" nodeType="withEffect">
                                   <p:stCondLst>
                                     <p:cond delay="0"/>
                                   </p:stCondLst>
                                   <p:childTnLst>
                                     <p:set>
                                       <p:cBhvr>
-                                        <p:cTn id="37" dur="1" fill="hold">
+                                        <p:cTn id="33" dur="1" fill="hold">
                                           <p:stCondLst>
                                             <p:cond delay="0"/>
                                           </p:stCondLst>
@@ -12685,7 +12649,7 @@
                                     </p:set>
                                     <p:animEffect transition="in" filter="fade">
                                       <p:cBhvr>
-                                        <p:cTn id="38" dur="250"/>
+                                        <p:cTn id="34" dur="250"/>
                                         <p:tgtEl>
                                           <p:spTgt spid="18"/>
                                         </p:tgtEl>
@@ -12695,14 +12659,14 @@
                                 </p:cTn>
                               </p:par>
                               <p:par>
-                                <p:cTn id="39" presetID="10" presetClass="entr" presetSubtype="0" fill="hold" grpId="0" nodeType="withEffect">
+                                <p:cTn id="35" presetID="10" presetClass="entr" presetSubtype="0" fill="hold" grpId="0" nodeType="withEffect">
                                   <p:stCondLst>
                                     <p:cond delay="250"/>
                                   </p:stCondLst>
                                   <p:childTnLst>
                                     <p:set>
                                       <p:cBhvr>
-                                        <p:cTn id="40" dur="1" fill="hold">
+                                        <p:cTn id="36" dur="1" fill="hold">
                                           <p:stCondLst>
                                             <p:cond delay="0"/>
                                           </p:stCondLst>
@@ -12720,7 +12684,7 @@
                                     </p:set>
                                     <p:animEffect transition="in" filter="fade">
                                       <p:cBhvr>
-                                        <p:cTn id="41" dur="250"/>
+                                        <p:cTn id="37" dur="250"/>
                                         <p:tgtEl>
                                           <p:spTgt spid="26"/>
                                         </p:tgtEl>
@@ -12730,14 +12694,14 @@
                                 </p:cTn>
                               </p:par>
                               <p:par>
-                                <p:cTn id="42" presetID="10" presetClass="entr" presetSubtype="0" fill="hold" nodeType="withEffect">
+                                <p:cTn id="38" presetID="10" presetClass="entr" presetSubtype="0" fill="hold" nodeType="withEffect">
                                   <p:stCondLst>
                                     <p:cond delay="250"/>
                                   </p:stCondLst>
                                   <p:childTnLst>
                                     <p:set>
                                       <p:cBhvr>
-                                        <p:cTn id="43" dur="1" fill="hold">
+                                        <p:cTn id="39" dur="1" fill="hold">
                                           <p:stCondLst>
                                             <p:cond delay="0"/>
                                           </p:stCondLst>
@@ -12755,7 +12719,7 @@
                                     </p:set>
                                     <p:animEffect transition="in" filter="fade">
                                       <p:cBhvr>
-                                        <p:cTn id="44" dur="250"/>
+                                        <p:cTn id="40" dur="250"/>
                                         <p:tgtEl>
                                           <p:spTgt spid="24"/>
                                         </p:tgtEl>
@@ -12765,14 +12729,14 @@
                                 </p:cTn>
                               </p:par>
                               <p:par>
-                                <p:cTn id="45" presetID="10" presetClass="entr" presetSubtype="0" fill="hold" grpId="0" nodeType="withEffect">
+                                <p:cTn id="41" presetID="10" presetClass="entr" presetSubtype="0" fill="hold" grpId="0" nodeType="withEffect">
                                   <p:stCondLst>
                                     <p:cond delay="250"/>
                                   </p:stCondLst>
                                   <p:childTnLst>
                                     <p:set>
                                       <p:cBhvr>
-                                        <p:cTn id="46" dur="1" fill="hold">
+                                        <p:cTn id="42" dur="1" fill="hold">
                                           <p:stCondLst>
                                             <p:cond delay="0"/>
                                           </p:stCondLst>
@@ -12790,7 +12754,7 @@
                                     </p:set>
                                     <p:animEffect transition="in" filter="fade">
                                       <p:cBhvr>
-                                        <p:cTn id="47" dur="250"/>
+                                        <p:cTn id="43" dur="250"/>
                                         <p:tgtEl>
                                           <p:spTgt spid="23"/>
                                         </p:tgtEl>
@@ -12800,14 +12764,14 @@
                                 </p:cTn>
                               </p:par>
                               <p:par>
-                                <p:cTn id="48" presetID="10" presetClass="entr" presetSubtype="0" fill="hold" nodeType="withEffect">
+                                <p:cTn id="44" presetID="10" presetClass="entr" presetSubtype="0" fill="hold" nodeType="withEffect">
                                   <p:stCondLst>
                                     <p:cond delay="500"/>
                                   </p:stCondLst>
                                   <p:childTnLst>
                                     <p:set>
                                       <p:cBhvr>
-                                        <p:cTn id="49" dur="1" fill="hold">
+                                        <p:cTn id="45" dur="1" fill="hold">
                                           <p:stCondLst>
                                             <p:cond delay="0"/>
                                           </p:stCondLst>
@@ -12825,7 +12789,7 @@
                                     </p:set>
                                     <p:animEffect transition="in" filter="fade">
                                       <p:cBhvr>
-                                        <p:cTn id="50" dur="500"/>
+                                        <p:cTn id="46" dur="500"/>
                                         <p:tgtEl>
                                           <p:spTgt spid="28"/>
                                         </p:tgtEl>
@@ -12835,14 +12799,14 @@
                                 </p:cTn>
                               </p:par>
                               <p:par>
-                                <p:cTn id="51" presetID="10" presetClass="entr" presetSubtype="0" fill="hold" grpId="0" nodeType="withEffect">
+                                <p:cTn id="47" presetID="10" presetClass="entr" presetSubtype="0" fill="hold" grpId="0" nodeType="withEffect">
                                   <p:stCondLst>
                                     <p:cond delay="500"/>
                                   </p:stCondLst>
                                   <p:childTnLst>
                                     <p:set>
                                       <p:cBhvr>
-                                        <p:cTn id="52" dur="1" fill="hold">
+                                        <p:cTn id="48" dur="1" fill="hold">
                                           <p:stCondLst>
                                             <p:cond delay="0"/>
                                           </p:stCondLst>
@@ -12860,7 +12824,7 @@
                                     </p:set>
                                     <p:animEffect transition="in" filter="fade">
                                       <p:cBhvr>
-                                        <p:cTn id="53" dur="500"/>
+                                        <p:cTn id="49" dur="500"/>
                                         <p:tgtEl>
                                           <p:spTgt spid="27"/>
                                         </p:tgtEl>
@@ -12870,14 +12834,14 @@
                                 </p:cTn>
                               </p:par>
                               <p:par>
-                                <p:cTn id="54" presetID="10" presetClass="entr" presetSubtype="0" fill="hold" grpId="0" nodeType="withEffect">
+                                <p:cTn id="50" presetID="10" presetClass="entr" presetSubtype="0" fill="hold" grpId="0" nodeType="withEffect">
                                   <p:stCondLst>
                                     <p:cond delay="500"/>
                                   </p:stCondLst>
                                   <p:childTnLst>
                                     <p:set>
                                       <p:cBhvr>
-                                        <p:cTn id="55" dur="1" fill="hold">
+                                        <p:cTn id="51" dur="1" fill="hold">
                                           <p:stCondLst>
                                             <p:cond delay="0"/>
                                           </p:stCondLst>
@@ -12895,7 +12859,7 @@
                                     </p:set>
                                     <p:animEffect transition="in" filter="fade">
                                       <p:cBhvr>
-                                        <p:cTn id="56" dur="500"/>
+                                        <p:cTn id="52" dur="500"/>
                                         <p:tgtEl>
                                           <p:spTgt spid="31"/>
                                         </p:tgtEl>
@@ -12905,14 +12869,14 @@
                                 </p:cTn>
                               </p:par>
                               <p:par>
-                                <p:cTn id="57" presetID="10" presetClass="entr" presetSubtype="0" fill="hold" grpId="0" nodeType="withEffect">
+                                <p:cTn id="53" presetID="10" presetClass="entr" presetSubtype="0" fill="hold" grpId="0" nodeType="withEffect">
                                   <p:stCondLst>
                                     <p:cond delay="750"/>
                                   </p:stCondLst>
                                   <p:childTnLst>
                                     <p:set>
                                       <p:cBhvr>
-                                        <p:cTn id="58" dur="1" fill="hold">
+                                        <p:cTn id="54" dur="1" fill="hold">
                                           <p:stCondLst>
                                             <p:cond delay="0"/>
                                           </p:stCondLst>
@@ -12930,7 +12894,7 @@
                                     </p:set>
                                     <p:animEffect transition="in" filter="fade">
                                       <p:cBhvr>
-                                        <p:cTn id="59" dur="500"/>
+                                        <p:cTn id="55" dur="500"/>
                                         <p:tgtEl>
                                           <p:spTgt spid="38"/>
                                         </p:tgtEl>
@@ -12940,14 +12904,14 @@
                                 </p:cTn>
                               </p:par>
                               <p:par>
-                                <p:cTn id="60" presetID="10" presetClass="entr" presetSubtype="0" fill="hold" nodeType="withEffect">
+                                <p:cTn id="56" presetID="10" presetClass="entr" presetSubtype="0" fill="hold" nodeType="withEffect">
                                   <p:stCondLst>
                                     <p:cond delay="750"/>
                                   </p:stCondLst>
                                   <p:childTnLst>
                                     <p:set>
                                       <p:cBhvr>
-                                        <p:cTn id="61" dur="1" fill="hold">
+                                        <p:cTn id="57" dur="1" fill="hold">
                                           <p:stCondLst>
                                             <p:cond delay="0"/>
                                           </p:stCondLst>
@@ -12965,7 +12929,7 @@
                                     </p:set>
                                     <p:animEffect transition="in" filter="fade">
                                       <p:cBhvr>
-                                        <p:cTn id="62" dur="500"/>
+                                        <p:cTn id="58" dur="500"/>
                                         <p:tgtEl>
                                           <p:spTgt spid="35"/>
                                         </p:tgtEl>
@@ -12975,14 +12939,14 @@
                                 </p:cTn>
                               </p:par>
                               <p:par>
-                                <p:cTn id="63" presetID="10" presetClass="entr" presetSubtype="0" fill="hold" grpId="0" nodeType="withEffect">
+                                <p:cTn id="59" presetID="10" presetClass="entr" presetSubtype="0" fill="hold" grpId="0" nodeType="withEffect">
                                   <p:stCondLst>
                                     <p:cond delay="750"/>
                                   </p:stCondLst>
                                   <p:childTnLst>
                                     <p:set>
                                       <p:cBhvr>
-                                        <p:cTn id="64" dur="1" fill="hold">
+                                        <p:cTn id="60" dur="1" fill="hold">
                                           <p:stCondLst>
                                             <p:cond delay="0"/>
                                           </p:stCondLst>
@@ -13000,7 +12964,7 @@
                                     </p:set>
                                     <p:animEffect transition="in" filter="fade">
                                       <p:cBhvr>
-                                        <p:cTn id="65" dur="500"/>
+                                        <p:cTn id="61" dur="500"/>
                                         <p:tgtEl>
                                           <p:spTgt spid="34"/>
                                         </p:tgtEl>
@@ -13010,14 +12974,14 @@
                                 </p:cTn>
                               </p:par>
                               <p:par>
-                                <p:cTn id="66" presetID="10" presetClass="entr" presetSubtype="0" fill="hold" grpId="0" nodeType="withEffect">
+                                <p:cTn id="62" presetID="10" presetClass="entr" presetSubtype="0" fill="hold" grpId="0" nodeType="withEffect">
                                   <p:stCondLst>
                                     <p:cond delay="1000"/>
                                   </p:stCondLst>
                                   <p:childTnLst>
                                     <p:set>
                                       <p:cBhvr>
-                                        <p:cTn id="67" dur="1" fill="hold">
+                                        <p:cTn id="63" dur="1" fill="hold">
                                           <p:stCondLst>
                                             <p:cond delay="0"/>
                                           </p:stCondLst>
@@ -13035,7 +12999,7 @@
                                     </p:set>
                                     <p:animEffect transition="in" filter="fade">
                                       <p:cBhvr>
-                                        <p:cTn id="68" dur="500"/>
+                                        <p:cTn id="64" dur="500"/>
                                         <p:tgtEl>
                                           <p:spTgt spid="43"/>
                                         </p:tgtEl>
@@ -13045,14 +13009,14 @@
                                 </p:cTn>
                               </p:par>
                               <p:par>
-                                <p:cTn id="69" presetID="10" presetClass="entr" presetSubtype="0" fill="hold" nodeType="withEffect">
+                                <p:cTn id="65" presetID="10" presetClass="entr" presetSubtype="0" fill="hold" nodeType="withEffect">
                                   <p:stCondLst>
                                     <p:cond delay="1000"/>
                                   </p:stCondLst>
                                   <p:childTnLst>
                                     <p:set>
                                       <p:cBhvr>
-                                        <p:cTn id="70" dur="1" fill="hold">
+                                        <p:cTn id="66" dur="1" fill="hold">
                                           <p:stCondLst>
                                             <p:cond delay="0"/>
                                           </p:stCondLst>
@@ -13070,7 +13034,7 @@
                                     </p:set>
                                     <p:animEffect transition="in" filter="fade">
                                       <p:cBhvr>
-                                        <p:cTn id="71" dur="500"/>
+                                        <p:cTn id="67" dur="500"/>
                                         <p:tgtEl>
                                           <p:spTgt spid="41"/>
                                         </p:tgtEl>
@@ -13080,14 +13044,14 @@
                                 </p:cTn>
                               </p:par>
                               <p:par>
-                                <p:cTn id="72" presetID="10" presetClass="entr" presetSubtype="0" fill="hold" grpId="0" nodeType="withEffect">
+                                <p:cTn id="68" presetID="10" presetClass="entr" presetSubtype="0" fill="hold" grpId="0" nodeType="withEffect">
                                   <p:stCondLst>
                                     <p:cond delay="1000"/>
                                   </p:stCondLst>
                                   <p:childTnLst>
                                     <p:set>
                                       <p:cBhvr>
-                                        <p:cTn id="73" dur="1" fill="hold">
+                                        <p:cTn id="69" dur="1" fill="hold">
                                           <p:stCondLst>
                                             <p:cond delay="0"/>
                                           </p:stCondLst>
@@ -13105,7 +13069,7 @@
                                     </p:set>
                                     <p:animEffect transition="in" filter="fade">
                                       <p:cBhvr>
-                                        <p:cTn id="74" dur="500"/>
+                                        <p:cTn id="70" dur="500"/>
                                         <p:tgtEl>
                                           <p:spTgt spid="40"/>
                                         </p:tgtEl>
@@ -13115,14 +13079,14 @@
                                 </p:cTn>
                               </p:par>
                               <p:par>
-                                <p:cTn id="75" presetID="10" presetClass="entr" presetSubtype="0" fill="hold" nodeType="withEffect">
+                                <p:cTn id="71" presetID="10" presetClass="entr" presetSubtype="0" fill="hold" nodeType="withEffect">
                                   <p:stCondLst>
                                     <p:cond delay="1250"/>
                                   </p:stCondLst>
                                   <p:childTnLst>
                                     <p:set>
                                       <p:cBhvr>
-                                        <p:cTn id="76" dur="1" fill="hold">
+                                        <p:cTn id="72" dur="1" fill="hold">
                                           <p:stCondLst>
                                             <p:cond delay="0"/>
                                           </p:stCondLst>
@@ -13140,7 +13104,7 @@
                                     </p:set>
                                     <p:animEffect transition="in" filter="fade">
                                       <p:cBhvr>
-                                        <p:cTn id="77" dur="500"/>
+                                        <p:cTn id="73" dur="500"/>
                                         <p:tgtEl>
                                           <p:spTgt spid="46"/>
                                         </p:tgtEl>
@@ -13150,14 +13114,14 @@
                                 </p:cTn>
                               </p:par>
                               <p:par>
-                                <p:cTn id="78" presetID="10" presetClass="entr" presetSubtype="0" fill="hold" grpId="0" nodeType="withEffect">
+                                <p:cTn id="74" presetID="10" presetClass="entr" presetSubtype="0" fill="hold" grpId="0" nodeType="withEffect">
                                   <p:stCondLst>
                                     <p:cond delay="1250"/>
                                   </p:stCondLst>
                                   <p:childTnLst>
                                     <p:set>
                                       <p:cBhvr>
-                                        <p:cTn id="79" dur="1" fill="hold">
+                                        <p:cTn id="75" dur="1" fill="hold">
                                           <p:stCondLst>
                                             <p:cond delay="0"/>
                                           </p:stCondLst>
@@ -13175,7 +13139,7 @@
                                     </p:set>
                                     <p:animEffect transition="in" filter="fade">
                                       <p:cBhvr>
-                                        <p:cTn id="80" dur="500"/>
+                                        <p:cTn id="76" dur="500"/>
                                         <p:tgtEl>
                                           <p:spTgt spid="45"/>
                                         </p:tgtEl>
@@ -13185,14 +13149,14 @@
                                 </p:cTn>
                               </p:par>
                               <p:par>
-                                <p:cTn id="81" presetID="10" presetClass="entr" presetSubtype="0" fill="hold" grpId="0" nodeType="withEffect">
+                                <p:cTn id="77" presetID="10" presetClass="entr" presetSubtype="0" fill="hold" grpId="0" nodeType="withEffect">
                                   <p:stCondLst>
                                     <p:cond delay="1250"/>
                                   </p:stCondLst>
                                   <p:childTnLst>
                                     <p:set>
                                       <p:cBhvr>
-                                        <p:cTn id="82" dur="1" fill="hold">
+                                        <p:cTn id="78" dur="1" fill="hold">
                                           <p:stCondLst>
                                             <p:cond delay="0"/>
                                           </p:stCondLst>
@@ -13210,7 +13174,7 @@
                                     </p:set>
                                     <p:animEffect transition="in" filter="fade">
                                       <p:cBhvr>
-                                        <p:cTn id="83" dur="500"/>
+                                        <p:cTn id="79" dur="500"/>
                                         <p:tgtEl>
                                           <p:spTgt spid="49"/>
                                         </p:tgtEl>
@@ -13339,7 +13303,7 @@
           <a:p>
             <a:fld id="{579F6069-8263-4296-913A-BC2234E8D32B}" type="datetime1">
               <a:rPr lang="en-US" smtClean="0"/>
-              <a:t>6/12/2024</a:t>
+              <a:t>6/13/2024</a:t>
             </a:fld>
             <a:endParaRPr lang="en-US"/>
           </a:p>
@@ -13420,7 +13384,7 @@
           <p:nvPr>
             <p:extLst>
               <p:ext uri="{D42A27DB-BD31-4B8C-83A1-F6EECF244321}">
-                <p14:modId xmlns:p14="http://schemas.microsoft.com/office/powerpoint/2010/main" val="3129371780"/>
+                <p14:modId xmlns:p14="http://schemas.microsoft.com/office/powerpoint/2010/main" val="255874688"/>
               </p:ext>
             </p:extLst>
           </p:nvPr>
@@ -13888,13 +13852,18 @@
                         <a:buChar char="•"/>
                       </a:pPr>
                       <a:r>
-                        <a:rPr lang="de-DE" sz="1600" b="0" dirty="0">
+                        <a:rPr lang="de-DE" sz="1600" b="0" dirty="0" err="1">
                           <a:solidFill>
                             <a:schemeClr val="tx1"/>
                           </a:solidFill>
                         </a:rPr>
-                        <a:t>Series</a:t>
+                        <a:t>series</a:t>
                       </a:r>
+                      <a:endParaRPr lang="de-DE" sz="1600" b="0" dirty="0">
+                        <a:solidFill>
+                          <a:schemeClr val="tx1"/>
+                        </a:solidFill>
+                      </a:endParaRPr>
                     </a:p>
                     <a:p>
                       <a:pPr marL="285750" marR="0" lvl="0" indent="-285750" algn="l" defTabSz="914400" rtl="0" eaLnBrk="1" fontAlgn="auto" latinLnBrk="0" hangingPunct="1">
@@ -14376,7 +14345,7 @@
                   <a:spcPts val="600"/>
                 </a:spcAft>
               </a:pPr>
-              <a:t>6/12/2024</a:t>
+              <a:t>6/13/2024</a:t>
             </a:fld>
             <a:endParaRPr lang="en-US"/>
           </a:p>
@@ -14870,7 +14839,7 @@
           <a:p>
             <a:fld id="{579F6069-8263-4296-913A-BC2234E8D32B}" type="datetime1">
               <a:rPr lang="en-US" smtClean="0"/>
-              <a:t>6/12/2024</a:t>
+              <a:t>6/13/2024</a:t>
             </a:fld>
             <a:endParaRPr lang="en-US"/>
           </a:p>
@@ -14966,7 +14935,7 @@
                             </p:stCondLst>
                             <p:childTnLst>
                               <p:par>
-                                <p:cTn id="5" presetID="10" presetClass="entr" presetSubtype="0" fill="hold" nodeType="clickEffect">
+                                <p:cTn id="5" presetID="10" presetClass="entr" presetSubtype="0" fill="hold" grpId="0" nodeType="clickEffect">
                                   <p:stCondLst>
                                     <p:cond delay="0"/>
                                   </p:stCondLst>
@@ -14974,59 +14943,6 @@
                                     <p:set>
                                       <p:cBhvr>
                                         <p:cTn id="6" dur="1" fill="hold">
-                                          <p:stCondLst>
-                                            <p:cond delay="0"/>
-                                          </p:stCondLst>
-                                        </p:cTn>
-                                        <p:tgtEl>
-                                          <p:spTgt spid="28"/>
-                                        </p:tgtEl>
-                                        <p:attrNameLst>
-                                          <p:attrName>style.visibility</p:attrName>
-                                        </p:attrNameLst>
-                                      </p:cBhvr>
-                                      <p:to>
-                                        <p:strVal val="visible"/>
-                                      </p:to>
-                                    </p:set>
-                                    <p:animEffect transition="in" filter="fade">
-                                      <p:cBhvr>
-                                        <p:cTn id="7" dur="500"/>
-                                        <p:tgtEl>
-                                          <p:spTgt spid="28"/>
-                                        </p:tgtEl>
-                                      </p:cBhvr>
-                                    </p:animEffect>
-                                  </p:childTnLst>
-                                </p:cTn>
-                              </p:par>
-                            </p:childTnLst>
-                          </p:cTn>
-                        </p:par>
-                      </p:childTnLst>
-                    </p:cTn>
-                  </p:par>
-                  <p:par>
-                    <p:cTn id="8" fill="hold">
-                      <p:stCondLst>
-                        <p:cond delay="indefinite"/>
-                      </p:stCondLst>
-                      <p:childTnLst>
-                        <p:par>
-                          <p:cTn id="9" fill="hold">
-                            <p:stCondLst>
-                              <p:cond delay="0"/>
-                            </p:stCondLst>
-                            <p:childTnLst>
-                              <p:par>
-                                <p:cTn id="10" presetID="10" presetClass="entr" presetSubtype="0" fill="hold" grpId="0" nodeType="clickEffect">
-                                  <p:stCondLst>
-                                    <p:cond delay="0"/>
-                                  </p:stCondLst>
-                                  <p:childTnLst>
-                                    <p:set>
-                                      <p:cBhvr>
-                                        <p:cTn id="11" dur="1" fill="hold">
                                           <p:stCondLst>
                                             <p:cond delay="0"/>
                                           </p:stCondLst>
@@ -15048,7 +14964,7 @@
                                     </p:set>
                                     <p:animEffect transition="in" filter="fade">
                                       <p:cBhvr>
-                                        <p:cTn id="12" dur="500"/>
+                                        <p:cTn id="7" dur="500"/>
                                         <p:tgtEl>
                                           <p:spTgt spid="3">
                                             <p:txEl>
@@ -15061,33 +14977,15 @@
                                   </p:childTnLst>
                                 </p:cTn>
                               </p:par>
-                            </p:childTnLst>
-                          </p:cTn>
-                        </p:par>
-                      </p:childTnLst>
-                    </p:cTn>
-                  </p:par>
-                  <p:par>
-                    <p:cTn id="13" fill="hold">
-                      <p:stCondLst>
-                        <p:cond delay="indefinite"/>
-                      </p:stCondLst>
-                      <p:childTnLst>
-                        <p:par>
-                          <p:cTn id="14" fill="hold">
-                            <p:stCondLst>
-                              <p:cond delay="0"/>
-                            </p:stCondLst>
-                            <p:childTnLst>
                               <p:par>
-                                <p:cTn id="15" presetID="10" presetClass="entr" presetSubtype="0" fill="hold" grpId="0" nodeType="clickEffect">
+                                <p:cTn id="8" presetID="10" presetClass="entr" presetSubtype="0" fill="hold" grpId="0" nodeType="withEffect">
                                   <p:stCondLst>
                                     <p:cond delay="0"/>
                                   </p:stCondLst>
                                   <p:childTnLst>
                                     <p:set>
                                       <p:cBhvr>
-                                        <p:cTn id="16" dur="1" fill="hold">
+                                        <p:cTn id="9" dur="1" fill="hold">
                                           <p:stCondLst>
                                             <p:cond delay="0"/>
                                           </p:stCondLst>
@@ -15109,7 +15007,7 @@
                                     </p:set>
                                     <p:animEffect transition="in" filter="fade">
                                       <p:cBhvr>
-                                        <p:cTn id="17" dur="500"/>
+                                        <p:cTn id="10" dur="500"/>
                                         <p:tgtEl>
                                           <p:spTgt spid="3">
                                             <p:txEl>
@@ -15122,33 +15020,15 @@
                                   </p:childTnLst>
                                 </p:cTn>
                               </p:par>
-                            </p:childTnLst>
-                          </p:cTn>
-                        </p:par>
-                      </p:childTnLst>
-                    </p:cTn>
-                  </p:par>
-                  <p:par>
-                    <p:cTn id="18" fill="hold">
-                      <p:stCondLst>
-                        <p:cond delay="indefinite"/>
-                      </p:stCondLst>
-                      <p:childTnLst>
-                        <p:par>
-                          <p:cTn id="19" fill="hold">
-                            <p:stCondLst>
-                              <p:cond delay="0"/>
-                            </p:stCondLst>
-                            <p:childTnLst>
                               <p:par>
-                                <p:cTn id="20" presetID="10" presetClass="entr" presetSubtype="0" fill="hold" grpId="0" nodeType="clickEffect">
+                                <p:cTn id="11" presetID="10" presetClass="entr" presetSubtype="0" fill="hold" grpId="0" nodeType="withEffect">
                                   <p:stCondLst>
                                     <p:cond delay="0"/>
                                   </p:stCondLst>
                                   <p:childTnLst>
                                     <p:set>
                                       <p:cBhvr>
-                                        <p:cTn id="21" dur="1" fill="hold">
+                                        <p:cTn id="12" dur="1" fill="hold">
                                           <p:stCondLst>
                                             <p:cond delay="0"/>
                                           </p:stCondLst>
@@ -15170,7 +15050,7 @@
                                     </p:set>
                                     <p:animEffect transition="in" filter="fade">
                                       <p:cBhvr>
-                                        <p:cTn id="22" dur="500"/>
+                                        <p:cTn id="13" dur="500"/>
                                         <p:tgtEl>
                                           <p:spTgt spid="3">
                                             <p:txEl>
@@ -15183,33 +15063,15 @@
                                   </p:childTnLst>
                                 </p:cTn>
                               </p:par>
-                            </p:childTnLst>
-                          </p:cTn>
-                        </p:par>
-                      </p:childTnLst>
-                    </p:cTn>
-                  </p:par>
-                  <p:par>
-                    <p:cTn id="23" fill="hold">
-                      <p:stCondLst>
-                        <p:cond delay="indefinite"/>
-                      </p:stCondLst>
-                      <p:childTnLst>
-                        <p:par>
-                          <p:cTn id="24" fill="hold">
-                            <p:stCondLst>
-                              <p:cond delay="0"/>
-                            </p:stCondLst>
-                            <p:childTnLst>
                               <p:par>
-                                <p:cTn id="25" presetID="10" presetClass="entr" presetSubtype="0" fill="hold" grpId="0" nodeType="clickEffect">
+                                <p:cTn id="14" presetID="10" presetClass="entr" presetSubtype="0" fill="hold" grpId="0" nodeType="withEffect">
                                   <p:stCondLst>
                                     <p:cond delay="0"/>
                                   </p:stCondLst>
                                   <p:childTnLst>
                                     <p:set>
                                       <p:cBhvr>
-                                        <p:cTn id="26" dur="1" fill="hold">
+                                        <p:cTn id="15" dur="1" fill="hold">
                                           <p:stCondLst>
                                             <p:cond delay="0"/>
                                           </p:stCondLst>
@@ -15231,7 +15093,7 @@
                                     </p:set>
                                     <p:animEffect transition="in" filter="fade">
                                       <p:cBhvr>
-                                        <p:cTn id="27" dur="500"/>
+                                        <p:cTn id="16" dur="500"/>
                                         <p:tgtEl>
                                           <p:spTgt spid="3">
                                             <p:txEl>
@@ -15244,33 +15106,15 @@
                                   </p:childTnLst>
                                 </p:cTn>
                               </p:par>
-                            </p:childTnLst>
-                          </p:cTn>
-                        </p:par>
-                      </p:childTnLst>
-                    </p:cTn>
-                  </p:par>
-                  <p:par>
-                    <p:cTn id="28" fill="hold">
-                      <p:stCondLst>
-                        <p:cond delay="indefinite"/>
-                      </p:stCondLst>
-                      <p:childTnLst>
-                        <p:par>
-                          <p:cTn id="29" fill="hold">
-                            <p:stCondLst>
-                              <p:cond delay="0"/>
-                            </p:stCondLst>
-                            <p:childTnLst>
                               <p:par>
-                                <p:cTn id="30" presetID="10" presetClass="entr" presetSubtype="0" fill="hold" grpId="0" nodeType="clickEffect">
+                                <p:cTn id="17" presetID="10" presetClass="entr" presetSubtype="0" fill="hold" grpId="0" nodeType="withEffect">
                                   <p:stCondLst>
                                     <p:cond delay="0"/>
                                   </p:stCondLst>
                                   <p:childTnLst>
                                     <p:set>
                                       <p:cBhvr>
-                                        <p:cTn id="31" dur="1" fill="hold">
+                                        <p:cTn id="18" dur="1" fill="hold">
                                           <p:stCondLst>
                                             <p:cond delay="0"/>
                                           </p:stCondLst>
@@ -15292,7 +15136,7 @@
                                     </p:set>
                                     <p:animEffect transition="in" filter="fade">
                                       <p:cBhvr>
-                                        <p:cTn id="32" dur="500"/>
+                                        <p:cTn id="19" dur="500"/>
                                         <p:tgtEl>
                                           <p:spTgt spid="3">
                                             <p:txEl>
@@ -15333,7 +15177,7 @@
       </p:par>
     </p:tnLst>
     <p:bldLst>
-      <p:bldP spid="3" grpId="0" build="p"/>
+      <p:bldP spid="3" grpId="0" uiExpand="1" build="p"/>
     </p:bldLst>
   </p:timing>
 </p:sld>
@@ -15479,7 +15323,17 @@
           </a:p>
           <a:p>
             <a:pPr lvl="1"/>
-            <a:endParaRPr lang="de-DE" sz="1600" dirty="0"/>
+            <a:r>
+              <a:rPr lang="de-DE" sz="1600" dirty="0"/>
+              <a:t>Formatierung des Strings wird nicht genutzt</a:t>
+            </a:r>
+          </a:p>
+          <a:p>
+            <a:pPr lvl="1"/>
+            <a:r>
+              <a:rPr lang="de-DE" sz="1600" dirty="0"/>
+              <a:t>Modell basiert nicht auf Tokenisierung</a:t>
+            </a:r>
           </a:p>
           <a:p>
             <a:pPr marL="228600" lvl="1" indent="0">
@@ -15500,7 +15354,7 @@
             <a:pPr lvl="1"/>
             <a:r>
               <a:rPr lang="de-DE" sz="1600" dirty="0"/>
-              <a:t>Erzeugung/Feinschliff der Benutzeroberfläche</a:t>
+              <a:t>Erzeugung/Feinschliff der Benutzeroberfläche (Integration des „Screenshot-Features“)</a:t>
             </a:r>
           </a:p>
           <a:p>
@@ -15549,7 +15403,7 @@
           <a:p>
             <a:fld id="{579F6069-8263-4296-913A-BC2234E8D32B}" type="datetime1">
               <a:rPr lang="en-US" smtClean="0"/>
-              <a:t>6/12/2024</a:t>
+              <a:t>6/13/2024</a:t>
             </a:fld>
             <a:endParaRPr lang="en-US"/>
           </a:p>
@@ -15615,7 +15469,7 @@
                             </p:stCondLst>
                             <p:childTnLst>
                               <p:par>
-                                <p:cTn id="5" presetID="1" presetClass="entr" presetSubtype="0" fill="hold" grpId="0" nodeType="clickEffect">
+                                <p:cTn id="5" presetID="10" presetClass="entr" presetSubtype="0" fill="hold" nodeType="clickEffect">
                                   <p:stCondLst>
                                     <p:cond delay="0"/>
                                   </p:stCondLst>
@@ -15623,55 +15477,6 @@
                                     <p:set>
                                       <p:cBhvr>
                                         <p:cTn id="6" dur="1" fill="hold">
-                                          <p:stCondLst>
-                                            <p:cond delay="0"/>
-                                          </p:stCondLst>
-                                        </p:cTn>
-                                        <p:tgtEl>
-                                          <p:spTgt spid="3">
-                                            <p:txEl>
-                                              <p:pRg st="0" end="0"/>
-                                            </p:txEl>
-                                          </p:spTgt>
-                                        </p:tgtEl>
-                                        <p:attrNameLst>
-                                          <p:attrName>style.visibility</p:attrName>
-                                        </p:attrNameLst>
-                                      </p:cBhvr>
-                                      <p:to>
-                                        <p:strVal val="visible"/>
-                                      </p:to>
-                                    </p:set>
-                                  </p:childTnLst>
-                                </p:cTn>
-                              </p:par>
-                            </p:childTnLst>
-                          </p:cTn>
-                        </p:par>
-                      </p:childTnLst>
-                    </p:cTn>
-                  </p:par>
-                  <p:par>
-                    <p:cTn id="7" fill="hold">
-                      <p:stCondLst>
-                        <p:cond delay="indefinite"/>
-                      </p:stCondLst>
-                      <p:childTnLst>
-                        <p:par>
-                          <p:cTn id="8" fill="hold">
-                            <p:stCondLst>
-                              <p:cond delay="0"/>
-                            </p:stCondLst>
-                            <p:childTnLst>
-                              <p:par>
-                                <p:cTn id="9" presetID="10" presetClass="entr" presetSubtype="0" fill="hold" nodeType="clickEffect">
-                                  <p:stCondLst>
-                                    <p:cond delay="0"/>
-                                  </p:stCondLst>
-                                  <p:childTnLst>
-                                    <p:set>
-                                      <p:cBhvr>
-                                        <p:cTn id="10" dur="1" fill="hold">
                                           <p:stCondLst>
                                             <p:cond delay="0"/>
                                           </p:stCondLst>
@@ -15693,7 +15498,7 @@
                                     </p:set>
                                     <p:animEffect transition="in" filter="fade">
                                       <p:cBhvr>
-                                        <p:cTn id="11" dur="500"/>
+                                        <p:cTn id="7" dur="500"/>
                                         <p:tgtEl>
                                           <p:spTgt spid="3">
                                             <p:txEl>
@@ -15706,33 +15511,15 @@
                                   </p:childTnLst>
                                 </p:cTn>
                               </p:par>
-                            </p:childTnLst>
-                          </p:cTn>
-                        </p:par>
-                      </p:childTnLst>
-                    </p:cTn>
-                  </p:par>
-                  <p:par>
-                    <p:cTn id="12" fill="hold">
-                      <p:stCondLst>
-                        <p:cond delay="indefinite"/>
-                      </p:stCondLst>
-                      <p:childTnLst>
-                        <p:par>
-                          <p:cTn id="13" fill="hold">
-                            <p:stCondLst>
-                              <p:cond delay="0"/>
-                            </p:stCondLst>
-                            <p:childTnLst>
                               <p:par>
-                                <p:cTn id="14" presetID="10" presetClass="entr" presetSubtype="0" fill="hold" nodeType="clickEffect">
+                                <p:cTn id="8" presetID="10" presetClass="entr" presetSubtype="0" fill="hold" nodeType="withEffect">
                                   <p:stCondLst>
                                     <p:cond delay="0"/>
                                   </p:stCondLst>
                                   <p:childTnLst>
                                     <p:set>
                                       <p:cBhvr>
-                                        <p:cTn id="15" dur="1" fill="hold">
+                                        <p:cTn id="9" dur="1" fill="hold">
                                           <p:stCondLst>
                                             <p:cond delay="0"/>
                                           </p:stCondLst>
@@ -15754,7 +15541,7 @@
                                     </p:set>
                                     <p:animEffect transition="in" filter="fade">
                                       <p:cBhvr>
-                                        <p:cTn id="16" dur="500"/>
+                                        <p:cTn id="10" dur="500"/>
                                         <p:tgtEl>
                                           <p:spTgt spid="3">
                                             <p:txEl>
@@ -15767,33 +15554,15 @@
                                   </p:childTnLst>
                                 </p:cTn>
                               </p:par>
-                            </p:childTnLst>
-                          </p:cTn>
-                        </p:par>
-                      </p:childTnLst>
-                    </p:cTn>
-                  </p:par>
-                  <p:par>
-                    <p:cTn id="17" fill="hold">
-                      <p:stCondLst>
-                        <p:cond delay="indefinite"/>
-                      </p:stCondLst>
-                      <p:childTnLst>
-                        <p:par>
-                          <p:cTn id="18" fill="hold">
-                            <p:stCondLst>
-                              <p:cond delay="0"/>
-                            </p:stCondLst>
-                            <p:childTnLst>
                               <p:par>
-                                <p:cTn id="19" presetID="10" presetClass="entr" presetSubtype="0" fill="hold" nodeType="clickEffect">
+                                <p:cTn id="11" presetID="10" presetClass="entr" presetSubtype="0" fill="hold" nodeType="withEffect">
                                   <p:stCondLst>
                                     <p:cond delay="0"/>
                                   </p:stCondLst>
                                   <p:childTnLst>
                                     <p:set>
                                       <p:cBhvr>
-                                        <p:cTn id="20" dur="1" fill="hold">
+                                        <p:cTn id="12" dur="1" fill="hold">
                                           <p:stCondLst>
                                             <p:cond delay="0"/>
                                           </p:stCondLst>
@@ -15815,11 +15584,97 @@
                                     </p:set>
                                     <p:animEffect transition="in" filter="fade">
                                       <p:cBhvr>
-                                        <p:cTn id="21" dur="500"/>
+                                        <p:cTn id="13" dur="500"/>
                                         <p:tgtEl>
                                           <p:spTgt spid="3">
                                             <p:txEl>
                                               <p:pRg st="3" end="3"/>
+                                            </p:txEl>
+                                          </p:spTgt>
+                                        </p:tgtEl>
+                                      </p:cBhvr>
+                                    </p:animEffect>
+                                  </p:childTnLst>
+                                </p:cTn>
+                              </p:par>
+                              <p:par>
+                                <p:cTn id="14" presetID="10" presetClass="entr" presetSubtype="0" fill="hold" nodeType="withEffect">
+                                  <p:stCondLst>
+                                    <p:cond delay="0"/>
+                                  </p:stCondLst>
+                                  <p:childTnLst>
+                                    <p:set>
+                                      <p:cBhvr>
+                                        <p:cTn id="15" dur="1" fill="hold">
+                                          <p:stCondLst>
+                                            <p:cond delay="0"/>
+                                          </p:stCondLst>
+                                        </p:cTn>
+                                        <p:tgtEl>
+                                          <p:spTgt spid="3">
+                                            <p:txEl>
+                                              <p:pRg st="4" end="4"/>
+                                            </p:txEl>
+                                          </p:spTgt>
+                                        </p:tgtEl>
+                                        <p:attrNameLst>
+                                          <p:attrName>style.visibility</p:attrName>
+                                        </p:attrNameLst>
+                                      </p:cBhvr>
+                                      <p:to>
+                                        <p:strVal val="visible"/>
+                                      </p:to>
+                                    </p:set>
+                                    <p:animEffect transition="in" filter="fade">
+                                      <p:cBhvr>
+                                        <p:cTn id="16" dur="500"/>
+                                        <p:tgtEl>
+                                          <p:spTgt spid="3">
+                                            <p:txEl>
+                                              <p:pRg st="4" end="4"/>
+                                            </p:txEl>
+                                          </p:spTgt>
+                                        </p:tgtEl>
+                                      </p:cBhvr>
+                                    </p:animEffect>
+                                  </p:childTnLst>
+                                </p:cTn>
+                              </p:par>
+                              <p:par>
+                                <p:cTn id="17" presetID="10" presetClass="entr" presetSubtype="0" fill="hold" nodeType="withEffect">
+                                  <p:stCondLst>
+                                    <p:cond delay="0"/>
+                                  </p:stCondLst>
+                                  <p:childTnLst>
+                                    <p:set>
+                                      <p:cBhvr>
+                                        <p:cTn id="18" dur="1" fill="hold">
+                                          <p:stCondLst>
+                                            <p:cond delay="0"/>
+                                          </p:stCondLst>
+                                        </p:cTn>
+                                        <p:tgtEl>
+                                          <p:spTgt spid="3">
+                                            <p:txEl>
+                                              <p:pRg st="5" end="5"/>
+                                            </p:txEl>
+                                          </p:spTgt>
+                                        </p:tgtEl>
+                                        <p:attrNameLst>
+                                          <p:attrName>style.visibility</p:attrName>
+                                        </p:attrNameLst>
+                                      </p:cBhvr>
+                                      <p:to>
+                                        <p:strVal val="visible"/>
+                                      </p:to>
+                                    </p:set>
+                                    <p:animEffect transition="in" filter="fade">
+                                      <p:cBhvr>
+                                        <p:cTn id="19" dur="500"/>
+                                        <p:tgtEl>
+                                          <p:spTgt spid="3">
+                                            <p:txEl>
+                                              <p:pRg st="5" end="5"/>
                                             </p:txEl>
                                           </p:spTgt>
                                         </p:tgtEl>
@@ -15835,148 +15690,26 @@
                     </p:cTn>
                   </p:par>
                   <p:par>
-                    <p:cTn id="22" fill="hold">
+                    <p:cTn id="20" fill="hold">
                       <p:stCondLst>
                         <p:cond delay="indefinite"/>
                       </p:stCondLst>
                       <p:childTnLst>
                         <p:par>
-                          <p:cTn id="23" fill="hold">
+                          <p:cTn id="21" fill="hold">
                             <p:stCondLst>
                               <p:cond delay="0"/>
                             </p:stCondLst>
                             <p:childTnLst>
                               <p:par>
-                                <p:cTn id="24" presetID="10" presetClass="entr" presetSubtype="0" fill="hold" nodeType="clickEffect">
+                                <p:cTn id="22" presetID="10" presetClass="entr" presetSubtype="0" fill="hold" nodeType="clickEffect">
                                   <p:stCondLst>
                                     <p:cond delay="0"/>
                                   </p:stCondLst>
                                   <p:childTnLst>
                                     <p:set>
                                       <p:cBhvr>
-                                        <p:cTn id="25" dur="1" fill="hold">
-                                          <p:stCondLst>
-                                            <p:cond delay="0"/>
-                                          </p:stCondLst>
-                                        </p:cTn>
-                                        <p:tgtEl>
-                                          <p:spTgt spid="3">
-                                            <p:txEl>
-                                              <p:pRg st="6" end="6"/>
-                                            </p:txEl>
-                                          </p:spTgt>
-                                        </p:tgtEl>
-                                        <p:attrNameLst>
-                                          <p:attrName>style.visibility</p:attrName>
-                                        </p:attrNameLst>
-                                      </p:cBhvr>
-                                      <p:to>
-                                        <p:strVal val="visible"/>
-                                      </p:to>
-                                    </p:set>
-                                    <p:animEffect transition="in" filter="fade">
-                                      <p:cBhvr>
-                                        <p:cTn id="26" dur="500"/>
-                                        <p:tgtEl>
-                                          <p:spTgt spid="3">
-                                            <p:txEl>
-                                              <p:pRg st="6" end="6"/>
-                                            </p:txEl>
-                                          </p:spTgt>
-                                        </p:tgtEl>
-                                      </p:cBhvr>
-                                    </p:animEffect>
-                                  </p:childTnLst>
-                                </p:cTn>
-                              </p:par>
-                            </p:childTnLst>
-                          </p:cTn>
-                        </p:par>
-                      </p:childTnLst>
-                    </p:cTn>
-                  </p:par>
-                  <p:par>
-                    <p:cTn id="27" fill="hold">
-                      <p:stCondLst>
-                        <p:cond delay="indefinite"/>
-                      </p:stCondLst>
-                      <p:childTnLst>
-                        <p:par>
-                          <p:cTn id="28" fill="hold">
-                            <p:stCondLst>
-                              <p:cond delay="0"/>
-                            </p:stCondLst>
-                            <p:childTnLst>
-                              <p:par>
-                                <p:cTn id="29" presetID="10" presetClass="entr" presetSubtype="0" fill="hold" nodeType="clickEffect">
-                                  <p:stCondLst>
-                                    <p:cond delay="0"/>
-                                  </p:stCondLst>
-                                  <p:childTnLst>
-                                    <p:set>
-                                      <p:cBhvr>
-                                        <p:cTn id="30" dur="1" fill="hold">
-                                          <p:stCondLst>
-                                            <p:cond delay="0"/>
-                                          </p:stCondLst>
-                                        </p:cTn>
-                                        <p:tgtEl>
-                                          <p:spTgt spid="3">
-                                            <p:txEl>
-                                              <p:pRg st="7" end="7"/>
-                                            </p:txEl>
-                                          </p:spTgt>
-                                        </p:tgtEl>
-                                        <p:attrNameLst>
-                                          <p:attrName>style.visibility</p:attrName>
-                                        </p:attrNameLst>
-                                      </p:cBhvr>
-                                      <p:to>
-                                        <p:strVal val="visible"/>
-                                      </p:to>
-                                    </p:set>
-                                    <p:animEffect transition="in" filter="fade">
-                                      <p:cBhvr>
-                                        <p:cTn id="31" dur="500"/>
-                                        <p:tgtEl>
-                                          <p:spTgt spid="3">
-                                            <p:txEl>
-                                              <p:pRg st="7" end="7"/>
-                                            </p:txEl>
-                                          </p:spTgt>
-                                        </p:tgtEl>
-                                      </p:cBhvr>
-                                    </p:animEffect>
-                                  </p:childTnLst>
-                                </p:cTn>
-                              </p:par>
-                            </p:childTnLst>
-                          </p:cTn>
-                        </p:par>
-                      </p:childTnLst>
-                    </p:cTn>
-                  </p:par>
-                  <p:par>
-                    <p:cTn id="32" fill="hold">
-                      <p:stCondLst>
-                        <p:cond delay="indefinite"/>
-                      </p:stCondLst>
-                      <p:childTnLst>
-                        <p:par>
-                          <p:cTn id="33" fill="hold">
-                            <p:stCondLst>
-                              <p:cond delay="0"/>
-                            </p:stCondLst>
-                            <p:childTnLst>
-                              <p:par>
-                                <p:cTn id="34" presetID="10" presetClass="entr" presetSubtype="0" fill="hold" nodeType="clickEffect">
-                                  <p:stCondLst>
-                                    <p:cond delay="0"/>
-                                  </p:stCondLst>
-                                  <p:childTnLst>
-                                    <p:set>
-                                      <p:cBhvr>
-                                        <p:cTn id="35" dur="1" fill="hold">
+                                        <p:cTn id="23" dur="1" fill="hold">
                                           <p:stCondLst>
                                             <p:cond delay="0"/>
                                           </p:stCondLst>
@@ -15998,7 +15731,7 @@
                                     </p:set>
                                     <p:animEffect transition="in" filter="fade">
                                       <p:cBhvr>
-                                        <p:cTn id="36" dur="500"/>
+                                        <p:cTn id="24" dur="500"/>
                                         <p:tgtEl>
                                           <p:spTgt spid="3">
                                             <p:txEl>
@@ -16011,33 +15744,15 @@
                                   </p:childTnLst>
                                 </p:cTn>
                               </p:par>
-                            </p:childTnLst>
-                          </p:cTn>
-                        </p:par>
-                      </p:childTnLst>
-                    </p:cTn>
-                  </p:par>
-                  <p:par>
-                    <p:cTn id="37" fill="hold">
-                      <p:stCondLst>
-                        <p:cond delay="indefinite"/>
-                      </p:stCondLst>
-                      <p:childTnLst>
-                        <p:par>
-                          <p:cTn id="38" fill="hold">
-                            <p:stCondLst>
-                              <p:cond delay="0"/>
-                            </p:stCondLst>
-                            <p:childTnLst>
                               <p:par>
-                                <p:cTn id="39" presetID="10" presetClass="entr" presetSubtype="0" fill="hold" nodeType="clickEffect">
+                                <p:cTn id="25" presetID="10" presetClass="entr" presetSubtype="0" fill="hold" nodeType="withEffect">
                                   <p:stCondLst>
                                     <p:cond delay="0"/>
                                   </p:stCondLst>
                                   <p:childTnLst>
                                     <p:set>
                                       <p:cBhvr>
-                                        <p:cTn id="40" dur="1" fill="hold">
+                                        <p:cTn id="26" dur="1" fill="hold">
                                           <p:stCondLst>
                                             <p:cond delay="0"/>
                                           </p:stCondLst>
@@ -16059,7 +15774,7 @@
                                     </p:set>
                                     <p:animEffect transition="in" filter="fade">
                                       <p:cBhvr>
-                                        <p:cTn id="41" dur="500"/>
+                                        <p:cTn id="27" dur="500"/>
                                         <p:tgtEl>
                                           <p:spTgt spid="3">
                                             <p:txEl>
@@ -16072,33 +15787,15 @@
                                   </p:childTnLst>
                                 </p:cTn>
                               </p:par>
-                            </p:childTnLst>
-                          </p:cTn>
-                        </p:par>
-                      </p:childTnLst>
-                    </p:cTn>
-                  </p:par>
-                  <p:par>
-                    <p:cTn id="42" fill="hold">
-                      <p:stCondLst>
-                        <p:cond delay="indefinite"/>
-                      </p:stCondLst>
-                      <p:childTnLst>
-                        <p:par>
-                          <p:cTn id="43" fill="hold">
-                            <p:stCondLst>
-                              <p:cond delay="0"/>
-                            </p:stCondLst>
-                            <p:childTnLst>
                               <p:par>
-                                <p:cTn id="44" presetID="10" presetClass="entr" presetSubtype="0" fill="hold" nodeType="clickEffect">
+                                <p:cTn id="28" presetID="10" presetClass="entr" presetSubtype="0" fill="hold" nodeType="withEffect">
                                   <p:stCondLst>
                                     <p:cond delay="0"/>
                                   </p:stCondLst>
                                   <p:childTnLst>
                                     <p:set>
                                       <p:cBhvr>
-                                        <p:cTn id="45" dur="1" fill="hold">
+                                        <p:cTn id="29" dur="1" fill="hold">
                                           <p:stCondLst>
                                             <p:cond delay="0"/>
                                           </p:stCondLst>
@@ -16120,11 +15817,54 @@
                                     </p:set>
                                     <p:animEffect transition="in" filter="fade">
                                       <p:cBhvr>
-                                        <p:cTn id="46" dur="500"/>
+                                        <p:cTn id="30" dur="500"/>
                                         <p:tgtEl>
                                           <p:spTgt spid="3">
                                             <p:txEl>
                                               <p:pRg st="10" end="10"/>
+                                            </p:txEl>
+                                          </p:spTgt>
+                                        </p:tgtEl>
+                                      </p:cBhvr>
+                                    </p:animEffect>
+                                  </p:childTnLst>
+                                </p:cTn>
+                              </p:par>
+                              <p:par>
+                                <p:cTn id="31" presetID="10" presetClass="entr" presetSubtype="0" fill="hold" nodeType="withEffect">
+                                  <p:stCondLst>
+                                    <p:cond delay="0"/>
+                                  </p:stCondLst>
+                                  <p:childTnLst>
+                                    <p:set>
+                                      <p:cBhvr>
+                                        <p:cTn id="32" dur="1" fill="hold">
+                                          <p:stCondLst>
+                                            <p:cond delay="0"/>
+                                          </p:stCondLst>
+                                        </p:cTn>
+                                        <p:tgtEl>
+                                          <p:spTgt spid="3">
+                                            <p:txEl>
+                                              <p:pRg st="11" end="11"/>
+                                            </p:txEl>
+                                          </p:spTgt>
+                                        </p:tgtEl>
+                                        <p:attrNameLst>
+                                          <p:attrName>style.visibility</p:attrName>
+                                        </p:attrNameLst>
+                                      </p:cBhvr>
+                                      <p:to>
+                                        <p:strVal val="visible"/>
+                                      </p:to>
+                                    </p:set>
+                                    <p:animEffect transition="in" filter="fade">
+                                      <p:cBhvr>
+                                        <p:cTn id="33" dur="500"/>
+                                        <p:tgtEl>
+                                          <p:spTgt spid="3">
+                                            <p:txEl>
+                                              <p:pRg st="11" end="11"/>
                                             </p:txEl>
                                           </p:spTgt>
                                         </p:tgtEl>
@@ -16160,9 +15900,6 @@
         </p:cTn>
       </p:par>
     </p:tnLst>
-    <p:bldLst>
-      <p:bldP spid="3" grpId="0" uiExpand="1" build="p"/>
-    </p:bldLst>
   </p:timing>
 </p:sld>
 </file>
@@ -16273,7 +16010,7 @@
           <a:p>
             <a:fld id="{579F6069-8263-4296-913A-BC2234E8D32B}" type="datetime1">
               <a:rPr lang="en-US" smtClean="0"/>
-              <a:t>6/12/2024</a:t>
+              <a:t>6/13/2024</a:t>
             </a:fld>
             <a:endParaRPr lang="en-US"/>
           </a:p>
